--- a/tcc/apresentacao/Apresentação TCC.pptx
+++ b/tcc/apresentacao/Apresentação TCC.pptx
@@ -5,7 +5,7 @@
     <p:sldMasterId id="2147483673" r:id="rId1"/>
   </p:sldMasterIdLst>
   <p:notesMasterIdLst>
-    <p:notesMasterId r:id="rId12"/>
+    <p:notesMasterId r:id="rId11"/>
   </p:notesMasterIdLst>
   <p:sldIdLst>
     <p:sldId id="256" r:id="rId2"/>
@@ -17,27 +17,26 @@
     <p:sldId id="301" r:id="rId8"/>
     <p:sldId id="299" r:id="rId9"/>
     <p:sldId id="302" r:id="rId10"/>
-    <p:sldId id="275" r:id="rId11"/>
   </p:sldIdLst>
   <p:sldSz cx="9144000" cy="5143500" type="screen16x9"/>
   <p:notesSz cx="6858000" cy="9144000"/>
   <p:embeddedFontLst>
     <p:embeddedFont>
       <p:font typeface="Hanken Grotesk" panose="020B0604020202020204" charset="0"/>
-      <p:regular r:id="rId13"/>
-      <p:bold r:id="rId14"/>
-      <p:italic r:id="rId15"/>
-      <p:boldItalic r:id="rId16"/>
+      <p:regular r:id="rId12"/>
+      <p:bold r:id="rId13"/>
+      <p:italic r:id="rId14"/>
+      <p:boldItalic r:id="rId15"/>
     </p:embeddedFont>
     <p:embeddedFont>
       <p:font typeface="Raleway Black" pitchFamily="2" charset="0"/>
-      <p:bold r:id="rId17"/>
-      <p:boldItalic r:id="rId18"/>
+      <p:bold r:id="rId16"/>
+      <p:boldItalic r:id="rId17"/>
     </p:embeddedFont>
     <p:embeddedFont>
       <p:font typeface="Raleway ExtraBold" pitchFamily="2" charset="0"/>
-      <p:bold r:id="rId19"/>
-      <p:boldItalic r:id="rId20"/>
+      <p:bold r:id="rId18"/>
+      <p:boldItalic r:id="rId19"/>
     </p:embeddedFont>
   </p:embeddedFontLst>
   <p:defaultTextStyle>
@@ -790,110 +789,6 @@
       <p:sp>
         <p:nvSpPr>
           <p:cNvPr id="660" name="Google Shape;660;g2576a45fa49_2_87:notes"/>
-          <p:cNvSpPr txBox="1">
-            <a:spLocks noGrp="1"/>
-          </p:cNvSpPr>
-          <p:nvPr>
-            <p:ph type="body" idx="1"/>
-          </p:nvPr>
-        </p:nvSpPr>
-        <p:spPr>
-          <a:xfrm>
-            <a:off x="685800" y="4343400"/>
-            <a:ext cx="5486400" cy="4114800"/>
-          </a:xfrm>
-          <a:prstGeom prst="rect">
-            <a:avLst/>
-          </a:prstGeom>
-        </p:spPr>
-        <p:txBody>
-          <a:bodyPr spcFirstLastPara="1" wrap="square" lIns="91425" tIns="91425" rIns="91425" bIns="91425" anchor="t" anchorCtr="0">
-            <a:noAutofit/>
-          </a:bodyPr>
-          <a:lstStyle/>
-          <a:p>
-            <a:pPr marL="0" lvl="0" indent="0" algn="l" rtl="0">
-              <a:spcBef>
-                <a:spcPts val="0"/>
-              </a:spcBef>
-              <a:spcAft>
-                <a:spcPts val="0"/>
-              </a:spcAft>
-              <a:buNone/>
-            </a:pPr>
-            <a:endParaRPr/>
-          </a:p>
-        </p:txBody>
-      </p:sp>
-    </p:spTree>
-  </p:cSld>
-  <p:clrMapOvr>
-    <a:masterClrMapping/>
-  </p:clrMapOvr>
-</p:notes>
-</file>
-
-<file path=ppt/notesSlides/notesSlide10.xml><?xml version="1.0" encoding="utf-8"?>
-<p:notes xmlns:a="http://schemas.openxmlformats.org/drawingml/2006/main" xmlns:r="http://schemas.openxmlformats.org/officeDocument/2006/relationships" xmlns:p="http://schemas.openxmlformats.org/presentationml/2006/main" showMasterSp="0" showMasterPhAnim="0">
-  <p:cSld>
-    <p:spTree>
-      <p:nvGrpSpPr>
-        <p:cNvPr id="1" name="Shape 1201"/>
-        <p:cNvGrpSpPr/>
-        <p:nvPr/>
-      </p:nvGrpSpPr>
-      <p:grpSpPr>
-        <a:xfrm>
-          <a:off x="0" y="0"/>
-          <a:ext cx="0" cy="0"/>
-          <a:chOff x="0" y="0"/>
-          <a:chExt cx="0" cy="0"/>
-        </a:xfrm>
-      </p:grpSpPr>
-      <p:sp>
-        <p:nvSpPr>
-          <p:cNvPr id="1202" name="Google Shape;1202;g135e18421cc_13_10:notes"/>
-          <p:cNvSpPr>
-            <a:spLocks noGrp="1" noRot="1" noChangeAspect="1"/>
-          </p:cNvSpPr>
-          <p:nvPr>
-            <p:ph type="sldImg" idx="2"/>
-          </p:nvPr>
-        </p:nvSpPr>
-        <p:spPr>
-          <a:xfrm>
-            <a:off x="381000" y="685800"/>
-            <a:ext cx="6096000" cy="3429000"/>
-          </a:xfrm>
-          <a:custGeom>
-            <a:avLst/>
-            <a:gdLst/>
-            <a:ahLst/>
-            <a:cxnLst/>
-            <a:rect l="l" t="t" r="r" b="b"/>
-            <a:pathLst>
-              <a:path w="120000" h="120000" extrusionOk="0">
-                <a:moveTo>
-                  <a:pt x="0" y="0"/>
-                </a:moveTo>
-                <a:lnTo>
-                  <a:pt x="120000" y="0"/>
-                </a:lnTo>
-                <a:lnTo>
-                  <a:pt x="120000" y="120000"/>
-                </a:lnTo>
-                <a:lnTo>
-                  <a:pt x="0" y="120000"/>
-                </a:lnTo>
-                <a:close/>
-              </a:path>
-            </a:pathLst>
-          </a:custGeom>
-        </p:spPr>
-      </p:sp>
-      <p:sp>
-        <p:nvSpPr>
-          <p:cNvPr id="1203" name="Google Shape;1203;g135e18421cc_13_10:notes"/>
           <p:cNvSpPr txBox="1">
             <a:spLocks noGrp="1"/>
           </p:cNvSpPr>
@@ -2929,1034 +2824,6 @@
           </p:txBody>
         </p:sp>
       </p:grpSp>
-    </p:spTree>
-  </p:cSld>
-  <p:clrMapOvr>
-    <a:masterClrMapping/>
-  </p:clrMapOvr>
-</p:sldLayout>
-</file>
-
-<file path=ppt/slideLayouts/slideLayout10.xml><?xml version="1.0" encoding="utf-8"?>
-<p:sldLayout xmlns:a="http://schemas.openxmlformats.org/drawingml/2006/main" xmlns:r="http://schemas.openxmlformats.org/officeDocument/2006/relationships" xmlns:p="http://schemas.openxmlformats.org/presentationml/2006/main" matchingName="Background 1">
-  <p:cSld name="CUSTOM_9_1">
-    <p:spTree>
-      <p:nvGrpSpPr>
-        <p:cNvPr id="1" name="Shape 629"/>
-        <p:cNvGrpSpPr/>
-        <p:nvPr/>
-      </p:nvGrpSpPr>
-      <p:grpSpPr>
-        <a:xfrm>
-          <a:off x="0" y="0"/>
-          <a:ext cx="0" cy="0"/>
-          <a:chOff x="0" y="0"/>
-          <a:chExt cx="0" cy="0"/>
-        </a:xfrm>
-      </p:grpSpPr>
-      <p:grpSp>
-        <p:nvGrpSpPr>
-          <p:cNvPr id="630" name="Google Shape;630;p24"/>
-          <p:cNvGrpSpPr/>
-          <p:nvPr/>
-        </p:nvGrpSpPr>
-        <p:grpSpPr>
-          <a:xfrm>
-            <a:off x="248752" y="491529"/>
-            <a:ext cx="8669349" cy="4596267"/>
-            <a:chOff x="188277" y="445029"/>
-            <a:chExt cx="8669349" cy="4596267"/>
-          </a:xfrm>
-        </p:grpSpPr>
-        <p:sp>
-          <p:nvSpPr>
-            <p:cNvPr id="631" name="Google Shape;631;p24"/>
-            <p:cNvSpPr/>
-            <p:nvPr/>
-          </p:nvSpPr>
-          <p:spPr>
-            <a:xfrm rot="10800000">
-              <a:off x="8615635" y="684429"/>
-              <a:ext cx="43116" cy="474994"/>
-            </a:xfrm>
-            <a:custGeom>
-              <a:avLst/>
-              <a:gdLst/>
-              <a:ahLst/>
-              <a:cxnLst/>
-              <a:rect l="l" t="t" r="r" b="b"/>
-              <a:pathLst>
-                <a:path w="754" h="8307" fill="none" extrusionOk="0">
-                  <a:moveTo>
-                    <a:pt x="391" y="8307"/>
-                  </a:moveTo>
-                  <a:lnTo>
-                    <a:pt x="391" y="8307"/>
-                  </a:lnTo>
-                  <a:cubicBezTo>
-                    <a:pt x="181" y="8307"/>
-                    <a:pt x="0" y="8155"/>
-                    <a:pt x="0" y="7944"/>
-                  </a:cubicBezTo>
-                  <a:lnTo>
-                    <a:pt x="0" y="363"/>
-                  </a:lnTo>
-                  <a:cubicBezTo>
-                    <a:pt x="0" y="182"/>
-                    <a:pt x="181" y="1"/>
-                    <a:pt x="391" y="1"/>
-                  </a:cubicBezTo>
-                  <a:lnTo>
-                    <a:pt x="391" y="1"/>
-                  </a:lnTo>
-                  <a:cubicBezTo>
-                    <a:pt x="573" y="1"/>
-                    <a:pt x="754" y="182"/>
-                    <a:pt x="754" y="363"/>
-                  </a:cubicBezTo>
-                  <a:lnTo>
-                    <a:pt x="754" y="7944"/>
-                  </a:lnTo>
-                  <a:cubicBezTo>
-                    <a:pt x="754" y="8155"/>
-                    <a:pt x="573" y="8307"/>
-                    <a:pt x="391" y="8307"/>
-                  </a:cubicBezTo>
-                  <a:close/>
-                </a:path>
-              </a:pathLst>
-            </a:custGeom>
-            <a:noFill/>
-            <a:ln w="9525" cap="flat" cmpd="sng">
-              <a:solidFill>
-                <a:schemeClr val="lt1"/>
-              </a:solidFill>
-              <a:prstDash val="solid"/>
-              <a:miter lim="7247"/>
-              <a:headEnd type="none" w="sm" len="sm"/>
-              <a:tailEnd type="none" w="sm" len="sm"/>
-            </a:ln>
-          </p:spPr>
-          <p:txBody>
-            <a:bodyPr spcFirstLastPara="1" wrap="square" lIns="91425" tIns="91425" rIns="91425" bIns="91425" anchor="ctr" anchorCtr="0">
-              <a:noAutofit/>
-            </a:bodyPr>
-            <a:lstStyle/>
-            <a:p>
-              <a:pPr marL="0" lvl="0" indent="0" algn="l" rtl="0">
-                <a:spcBef>
-                  <a:spcPts val="0"/>
-                </a:spcBef>
-                <a:spcAft>
-                  <a:spcPts val="0"/>
-                </a:spcAft>
-                <a:buNone/>
-              </a:pPr>
-              <a:endParaRPr/>
-            </a:p>
-          </p:txBody>
-        </p:sp>
-        <p:sp>
-          <p:nvSpPr>
-            <p:cNvPr id="632" name="Google Shape;632;p24"/>
-            <p:cNvSpPr/>
-            <p:nvPr/>
-          </p:nvSpPr>
-          <p:spPr>
-            <a:xfrm rot="10800000">
-              <a:off x="8814510" y="445029"/>
-              <a:ext cx="43116" cy="474994"/>
-            </a:xfrm>
-            <a:custGeom>
-              <a:avLst/>
-              <a:gdLst/>
-              <a:ahLst/>
-              <a:cxnLst/>
-              <a:rect l="l" t="t" r="r" b="b"/>
-              <a:pathLst>
-                <a:path w="754" h="8307" fill="none" extrusionOk="0">
-                  <a:moveTo>
-                    <a:pt x="391" y="8307"/>
-                  </a:moveTo>
-                  <a:lnTo>
-                    <a:pt x="391" y="8307"/>
-                  </a:lnTo>
-                  <a:cubicBezTo>
-                    <a:pt x="181" y="8307"/>
-                    <a:pt x="0" y="8155"/>
-                    <a:pt x="0" y="7944"/>
-                  </a:cubicBezTo>
-                  <a:lnTo>
-                    <a:pt x="0" y="363"/>
-                  </a:lnTo>
-                  <a:cubicBezTo>
-                    <a:pt x="0" y="182"/>
-                    <a:pt x="181" y="1"/>
-                    <a:pt x="391" y="1"/>
-                  </a:cubicBezTo>
-                  <a:lnTo>
-                    <a:pt x="391" y="1"/>
-                  </a:lnTo>
-                  <a:cubicBezTo>
-                    <a:pt x="573" y="1"/>
-                    <a:pt x="754" y="182"/>
-                    <a:pt x="754" y="363"/>
-                  </a:cubicBezTo>
-                  <a:lnTo>
-                    <a:pt x="754" y="7944"/>
-                  </a:lnTo>
-                  <a:cubicBezTo>
-                    <a:pt x="754" y="8155"/>
-                    <a:pt x="573" y="8307"/>
-                    <a:pt x="391" y="8307"/>
-                  </a:cubicBezTo>
-                  <a:close/>
-                </a:path>
-              </a:pathLst>
-            </a:custGeom>
-            <a:noFill/>
-            <a:ln w="9525" cap="flat" cmpd="sng">
-              <a:solidFill>
-                <a:schemeClr val="accent1"/>
-              </a:solidFill>
-              <a:prstDash val="solid"/>
-              <a:miter lim="7247"/>
-              <a:headEnd type="none" w="sm" len="sm"/>
-              <a:tailEnd type="none" w="sm" len="sm"/>
-            </a:ln>
-          </p:spPr>
-          <p:txBody>
-            <a:bodyPr spcFirstLastPara="1" wrap="square" lIns="91425" tIns="91425" rIns="91425" bIns="91425" anchor="ctr" anchorCtr="0">
-              <a:noAutofit/>
-            </a:bodyPr>
-            <a:lstStyle/>
-            <a:p>
-              <a:pPr marL="0" lvl="0" indent="0" algn="l" rtl="0">
-                <a:spcBef>
-                  <a:spcPts val="0"/>
-                </a:spcBef>
-                <a:spcAft>
-                  <a:spcPts val="0"/>
-                </a:spcAft>
-                <a:buNone/>
-              </a:pPr>
-              <a:endParaRPr/>
-            </a:p>
-          </p:txBody>
-        </p:sp>
-        <p:grpSp>
-          <p:nvGrpSpPr>
-            <p:cNvPr id="633" name="Google Shape;633;p24"/>
-            <p:cNvGrpSpPr/>
-            <p:nvPr/>
-          </p:nvGrpSpPr>
-          <p:grpSpPr>
-            <a:xfrm>
-              <a:off x="188277" y="4275152"/>
-              <a:ext cx="206891" cy="766144"/>
-              <a:chOff x="8650702" y="3525402"/>
-              <a:chExt cx="206891" cy="766144"/>
-            </a:xfrm>
-          </p:grpSpPr>
-          <p:sp>
-            <p:nvSpPr>
-              <p:cNvPr id="634" name="Google Shape;634;p24"/>
-              <p:cNvSpPr/>
-              <p:nvPr/>
-            </p:nvSpPr>
-            <p:spPr>
-              <a:xfrm rot="10800000">
-                <a:off x="8650702" y="3525402"/>
-                <a:ext cx="43116" cy="474994"/>
-              </a:xfrm>
-              <a:custGeom>
-                <a:avLst/>
-                <a:gdLst/>
-                <a:ahLst/>
-                <a:cxnLst/>
-                <a:rect l="l" t="t" r="r" b="b"/>
-                <a:pathLst>
-                  <a:path w="754" h="8307" fill="none" extrusionOk="0">
-                    <a:moveTo>
-                      <a:pt x="391" y="8307"/>
-                    </a:moveTo>
-                    <a:lnTo>
-                      <a:pt x="391" y="8307"/>
-                    </a:lnTo>
-                    <a:cubicBezTo>
-                      <a:pt x="181" y="8307"/>
-                      <a:pt x="0" y="8155"/>
-                      <a:pt x="0" y="7944"/>
-                    </a:cubicBezTo>
-                    <a:lnTo>
-                      <a:pt x="0" y="363"/>
-                    </a:lnTo>
-                    <a:cubicBezTo>
-                      <a:pt x="0" y="182"/>
-                      <a:pt x="181" y="1"/>
-                      <a:pt x="391" y="1"/>
-                    </a:cubicBezTo>
-                    <a:lnTo>
-                      <a:pt x="391" y="1"/>
-                    </a:lnTo>
-                    <a:cubicBezTo>
-                      <a:pt x="573" y="1"/>
-                      <a:pt x="754" y="182"/>
-                      <a:pt x="754" y="363"/>
-                    </a:cubicBezTo>
-                    <a:lnTo>
-                      <a:pt x="754" y="7944"/>
-                    </a:lnTo>
-                    <a:cubicBezTo>
-                      <a:pt x="754" y="8155"/>
-                      <a:pt x="573" y="8307"/>
-                      <a:pt x="391" y="8307"/>
-                    </a:cubicBezTo>
-                    <a:close/>
-                  </a:path>
-                </a:pathLst>
-              </a:custGeom>
-              <a:noFill/>
-              <a:ln w="9525" cap="flat" cmpd="sng">
-                <a:solidFill>
-                  <a:schemeClr val="lt1"/>
-                </a:solidFill>
-                <a:prstDash val="solid"/>
-                <a:miter lim="7247"/>
-                <a:headEnd type="none" w="sm" len="sm"/>
-                <a:tailEnd type="none" w="sm" len="sm"/>
-              </a:ln>
-            </p:spPr>
-            <p:txBody>
-              <a:bodyPr spcFirstLastPara="1" wrap="square" lIns="91425" tIns="91425" rIns="91425" bIns="91425" anchor="ctr" anchorCtr="0">
-                <a:noAutofit/>
-              </a:bodyPr>
-              <a:lstStyle/>
-              <a:p>
-                <a:pPr marL="0" lvl="0" indent="0" algn="l" rtl="0">
-                  <a:spcBef>
-                    <a:spcPts val="0"/>
-                  </a:spcBef>
-                  <a:spcAft>
-                    <a:spcPts val="0"/>
-                  </a:spcAft>
-                  <a:buNone/>
-                </a:pPr>
-                <a:endParaRPr/>
-              </a:p>
-            </p:txBody>
-          </p:sp>
-          <p:sp>
-            <p:nvSpPr>
-              <p:cNvPr id="635" name="Google Shape;635;p24"/>
-              <p:cNvSpPr/>
-              <p:nvPr/>
-            </p:nvSpPr>
-            <p:spPr>
-              <a:xfrm rot="10800000">
-                <a:off x="8814477" y="3816552"/>
-                <a:ext cx="43116" cy="474994"/>
-              </a:xfrm>
-              <a:custGeom>
-                <a:avLst/>
-                <a:gdLst/>
-                <a:ahLst/>
-                <a:cxnLst/>
-                <a:rect l="l" t="t" r="r" b="b"/>
-                <a:pathLst>
-                  <a:path w="754" h="8307" fill="none" extrusionOk="0">
-                    <a:moveTo>
-                      <a:pt x="391" y="8307"/>
-                    </a:moveTo>
-                    <a:lnTo>
-                      <a:pt x="391" y="8307"/>
-                    </a:lnTo>
-                    <a:cubicBezTo>
-                      <a:pt x="181" y="8307"/>
-                      <a:pt x="0" y="8155"/>
-                      <a:pt x="0" y="7944"/>
-                    </a:cubicBezTo>
-                    <a:lnTo>
-                      <a:pt x="0" y="363"/>
-                    </a:lnTo>
-                    <a:cubicBezTo>
-                      <a:pt x="0" y="182"/>
-                      <a:pt x="181" y="1"/>
-                      <a:pt x="391" y="1"/>
-                    </a:cubicBezTo>
-                    <a:lnTo>
-                      <a:pt x="391" y="1"/>
-                    </a:lnTo>
-                    <a:cubicBezTo>
-                      <a:pt x="573" y="1"/>
-                      <a:pt x="754" y="182"/>
-                      <a:pt x="754" y="363"/>
-                    </a:cubicBezTo>
-                    <a:lnTo>
-                      <a:pt x="754" y="7944"/>
-                    </a:lnTo>
-                    <a:cubicBezTo>
-                      <a:pt x="754" y="8155"/>
-                      <a:pt x="573" y="8307"/>
-                      <a:pt x="391" y="8307"/>
-                    </a:cubicBezTo>
-                    <a:close/>
-                  </a:path>
-                </a:pathLst>
-              </a:custGeom>
-              <a:noFill/>
-              <a:ln w="9525" cap="flat" cmpd="sng">
-                <a:solidFill>
-                  <a:schemeClr val="accent1"/>
-                </a:solidFill>
-                <a:prstDash val="solid"/>
-                <a:miter lim="7247"/>
-                <a:headEnd type="none" w="sm" len="sm"/>
-                <a:tailEnd type="none" w="sm" len="sm"/>
-              </a:ln>
-            </p:spPr>
-            <p:txBody>
-              <a:bodyPr spcFirstLastPara="1" wrap="square" lIns="91425" tIns="91425" rIns="91425" bIns="91425" anchor="ctr" anchorCtr="0">
-                <a:noAutofit/>
-              </a:bodyPr>
-              <a:lstStyle/>
-              <a:p>
-                <a:pPr marL="0" lvl="0" indent="0" algn="l" rtl="0">
-                  <a:spcBef>
-                    <a:spcPts val="0"/>
-                  </a:spcBef>
-                  <a:spcAft>
-                    <a:spcPts val="0"/>
-                  </a:spcAft>
-                  <a:buNone/>
-                </a:pPr>
-                <a:endParaRPr/>
-              </a:p>
-            </p:txBody>
-          </p:sp>
-        </p:grpSp>
-      </p:grpSp>
-      <p:grpSp>
-        <p:nvGrpSpPr>
-          <p:cNvPr id="636" name="Google Shape;636;p24"/>
-          <p:cNvGrpSpPr/>
-          <p:nvPr/>
-        </p:nvGrpSpPr>
-        <p:grpSpPr>
-          <a:xfrm>
-            <a:off x="315625" y="1279781"/>
-            <a:ext cx="8602485" cy="1562434"/>
-            <a:chOff x="174750" y="1380581"/>
-            <a:chExt cx="8602485" cy="1562434"/>
-          </a:xfrm>
-        </p:grpSpPr>
-        <p:sp>
-          <p:nvSpPr>
-            <p:cNvPr id="637" name="Google Shape;637;p24"/>
-            <p:cNvSpPr/>
-            <p:nvPr/>
-          </p:nvSpPr>
-          <p:spPr>
-            <a:xfrm rot="10800000">
-              <a:off x="8737179" y="1380581"/>
-              <a:ext cx="40056" cy="440880"/>
-            </a:xfrm>
-            <a:custGeom>
-              <a:avLst/>
-              <a:gdLst/>
-              <a:ahLst/>
-              <a:cxnLst/>
-              <a:rect l="l" t="t" r="r" b="b"/>
-              <a:pathLst>
-                <a:path w="1146" h="12620" extrusionOk="0">
-                  <a:moveTo>
-                    <a:pt x="573" y="1"/>
-                  </a:moveTo>
-                  <a:cubicBezTo>
-                    <a:pt x="240" y="1"/>
-                    <a:pt x="1" y="240"/>
-                    <a:pt x="1" y="573"/>
-                  </a:cubicBezTo>
-                  <a:lnTo>
-                    <a:pt x="1" y="12046"/>
-                  </a:lnTo>
-                  <a:cubicBezTo>
-                    <a:pt x="1" y="12351"/>
-                    <a:pt x="240" y="12619"/>
-                    <a:pt x="573" y="12619"/>
-                  </a:cubicBezTo>
-                  <a:cubicBezTo>
-                    <a:pt x="878" y="12619"/>
-                    <a:pt x="1146" y="12351"/>
-                    <a:pt x="1146" y="12046"/>
-                  </a:cubicBezTo>
-                  <a:lnTo>
-                    <a:pt x="1146" y="573"/>
-                  </a:lnTo>
-                  <a:cubicBezTo>
-                    <a:pt x="1146" y="240"/>
-                    <a:pt x="878" y="1"/>
-                    <a:pt x="573" y="1"/>
-                  </a:cubicBezTo>
-                  <a:close/>
-                </a:path>
-              </a:pathLst>
-            </a:custGeom>
-            <a:solidFill>
-              <a:schemeClr val="accent2"/>
-            </a:solidFill>
-            <a:ln>
-              <a:noFill/>
-            </a:ln>
-          </p:spPr>
-          <p:txBody>
-            <a:bodyPr spcFirstLastPara="1" wrap="square" lIns="91425" tIns="91425" rIns="91425" bIns="91425" anchor="ctr" anchorCtr="0">
-              <a:noAutofit/>
-            </a:bodyPr>
-            <a:lstStyle/>
-            <a:p>
-              <a:pPr marL="0" lvl="0" indent="0" algn="l" rtl="0">
-                <a:spcBef>
-                  <a:spcPts val="0"/>
-                </a:spcBef>
-                <a:spcAft>
-                  <a:spcPts val="0"/>
-                </a:spcAft>
-                <a:buNone/>
-              </a:pPr>
-              <a:endParaRPr/>
-            </a:p>
-          </p:txBody>
-        </p:sp>
-        <p:sp>
-          <p:nvSpPr>
-            <p:cNvPr id="638" name="Google Shape;638;p24"/>
-            <p:cNvSpPr/>
-            <p:nvPr/>
-          </p:nvSpPr>
-          <p:spPr>
-            <a:xfrm rot="10800000">
-              <a:off x="174750" y="2502136"/>
-              <a:ext cx="40056" cy="440880"/>
-            </a:xfrm>
-            <a:custGeom>
-              <a:avLst/>
-              <a:gdLst/>
-              <a:ahLst/>
-              <a:cxnLst/>
-              <a:rect l="l" t="t" r="r" b="b"/>
-              <a:pathLst>
-                <a:path w="1146" h="12620" extrusionOk="0">
-                  <a:moveTo>
-                    <a:pt x="573" y="1"/>
-                  </a:moveTo>
-                  <a:cubicBezTo>
-                    <a:pt x="240" y="1"/>
-                    <a:pt x="1" y="240"/>
-                    <a:pt x="1" y="573"/>
-                  </a:cubicBezTo>
-                  <a:lnTo>
-                    <a:pt x="1" y="12046"/>
-                  </a:lnTo>
-                  <a:cubicBezTo>
-                    <a:pt x="1" y="12351"/>
-                    <a:pt x="240" y="12619"/>
-                    <a:pt x="573" y="12619"/>
-                  </a:cubicBezTo>
-                  <a:cubicBezTo>
-                    <a:pt x="878" y="12619"/>
-                    <a:pt x="1146" y="12351"/>
-                    <a:pt x="1146" y="12046"/>
-                  </a:cubicBezTo>
-                  <a:lnTo>
-                    <a:pt x="1146" y="573"/>
-                  </a:lnTo>
-                  <a:cubicBezTo>
-                    <a:pt x="1146" y="240"/>
-                    <a:pt x="878" y="1"/>
-                    <a:pt x="573" y="1"/>
-                  </a:cubicBezTo>
-                  <a:close/>
-                </a:path>
-              </a:pathLst>
-            </a:custGeom>
-            <a:solidFill>
-              <a:schemeClr val="accent2"/>
-            </a:solidFill>
-            <a:ln>
-              <a:noFill/>
-            </a:ln>
-          </p:spPr>
-          <p:txBody>
-            <a:bodyPr spcFirstLastPara="1" wrap="square" lIns="91425" tIns="91425" rIns="91425" bIns="91425" anchor="ctr" anchorCtr="0">
-              <a:noAutofit/>
-            </a:bodyPr>
-            <a:lstStyle/>
-            <a:p>
-              <a:pPr marL="0" lvl="0" indent="0" algn="l" rtl="0">
-                <a:spcBef>
-                  <a:spcPts val="0"/>
-                </a:spcBef>
-                <a:spcAft>
-                  <a:spcPts val="0"/>
-                </a:spcAft>
-                <a:buNone/>
-              </a:pPr>
-              <a:endParaRPr/>
-            </a:p>
-          </p:txBody>
-        </p:sp>
-      </p:grpSp>
-      <p:grpSp>
-        <p:nvGrpSpPr>
-          <p:cNvPr id="639" name="Google Shape;639;p24"/>
-          <p:cNvGrpSpPr/>
-          <p:nvPr/>
-        </p:nvGrpSpPr>
-        <p:grpSpPr>
-          <a:xfrm>
-            <a:off x="355673" y="-567309"/>
-            <a:ext cx="8751502" cy="5946659"/>
-            <a:chOff x="251623" y="-534009"/>
-            <a:chExt cx="8751502" cy="5946659"/>
-          </a:xfrm>
-        </p:grpSpPr>
-        <p:grpSp>
-          <p:nvGrpSpPr>
-            <p:cNvPr id="640" name="Google Shape;640;p24"/>
-            <p:cNvGrpSpPr/>
-            <p:nvPr/>
-          </p:nvGrpSpPr>
-          <p:grpSpPr>
-            <a:xfrm rot="10800000">
-              <a:off x="251623" y="3645746"/>
-              <a:ext cx="493321" cy="357312"/>
-              <a:chOff x="1722354" y="229144"/>
-              <a:chExt cx="1748744" cy="1266614"/>
-            </a:xfrm>
-          </p:grpSpPr>
-          <p:sp>
-            <p:nvSpPr>
-              <p:cNvPr id="641" name="Google Shape;641;p24"/>
-              <p:cNvSpPr/>
-              <p:nvPr/>
-            </p:nvSpPr>
-            <p:spPr>
-              <a:xfrm rot="10800000">
-                <a:off x="2239107" y="792406"/>
-                <a:ext cx="1231990" cy="703352"/>
-              </a:xfrm>
-              <a:custGeom>
-                <a:avLst/>
-                <a:gdLst/>
-                <a:ahLst/>
-                <a:cxnLst/>
-                <a:rect l="l" t="t" r="r" b="b"/>
-                <a:pathLst>
-                  <a:path w="4864" h="2777" fill="none" extrusionOk="0">
-                    <a:moveTo>
-                      <a:pt x="4863" y="2776"/>
-                    </a:moveTo>
-                    <a:lnTo>
-                      <a:pt x="2051" y="0"/>
-                    </a:lnTo>
-                    <a:lnTo>
-                      <a:pt x="0" y="0"/>
-                    </a:lnTo>
-                  </a:path>
-                </a:pathLst>
-              </a:custGeom>
-              <a:noFill/>
-              <a:ln w="9525" cap="rnd" cmpd="sng">
-                <a:solidFill>
-                  <a:schemeClr val="lt1"/>
-                </a:solidFill>
-                <a:prstDash val="solid"/>
-                <a:round/>
-                <a:headEnd type="none" w="sm" len="sm"/>
-                <a:tailEnd type="none" w="sm" len="sm"/>
-              </a:ln>
-            </p:spPr>
-            <p:txBody>
-              <a:bodyPr spcFirstLastPara="1" wrap="square" lIns="91425" tIns="91425" rIns="91425" bIns="91425" anchor="ctr" anchorCtr="0">
-                <a:noAutofit/>
-              </a:bodyPr>
-              <a:lstStyle/>
-              <a:p>
-                <a:pPr marL="0" lvl="0" indent="0" algn="l" rtl="0">
-                  <a:spcBef>
-                    <a:spcPts val="0"/>
-                  </a:spcBef>
-                  <a:spcAft>
-                    <a:spcPts val="0"/>
-                  </a:spcAft>
-                  <a:buNone/>
-                </a:pPr>
-                <a:endParaRPr/>
-              </a:p>
-            </p:txBody>
-          </p:sp>
-          <p:sp>
-            <p:nvSpPr>
-              <p:cNvPr id="642" name="Google Shape;642;p24"/>
-              <p:cNvSpPr/>
-              <p:nvPr/>
-            </p:nvSpPr>
-            <p:spPr>
-              <a:xfrm rot="10800000">
-                <a:off x="1722354" y="229144"/>
-                <a:ext cx="627506" cy="620727"/>
-              </a:xfrm>
-              <a:custGeom>
-                <a:avLst/>
-                <a:gdLst/>
-                <a:ahLst/>
-                <a:cxnLst/>
-                <a:rect l="l" t="t" r="r" b="b"/>
-                <a:pathLst>
-                  <a:path w="2748" h="2719" fill="none" extrusionOk="0">
-                    <a:moveTo>
-                      <a:pt x="2748" y="1363"/>
-                    </a:moveTo>
-                    <a:cubicBezTo>
-                      <a:pt x="2748" y="2117"/>
-                      <a:pt x="2117" y="2718"/>
-                      <a:pt x="1392" y="2718"/>
-                    </a:cubicBezTo>
-                    <a:cubicBezTo>
-                      <a:pt x="638" y="2718"/>
-                      <a:pt x="1" y="2117"/>
-                      <a:pt x="1" y="1363"/>
-                    </a:cubicBezTo>
-                    <a:cubicBezTo>
-                      <a:pt x="1" y="609"/>
-                      <a:pt x="638" y="0"/>
-                      <a:pt x="1392" y="0"/>
-                    </a:cubicBezTo>
-                    <a:cubicBezTo>
-                      <a:pt x="2117" y="0"/>
-                      <a:pt x="2748" y="609"/>
-                      <a:pt x="2748" y="1363"/>
-                    </a:cubicBezTo>
-                    <a:close/>
-                  </a:path>
-                </a:pathLst>
-              </a:custGeom>
-              <a:noFill/>
-              <a:ln w="9525" cap="flat" cmpd="sng">
-                <a:solidFill>
-                  <a:schemeClr val="lt1"/>
-                </a:solidFill>
-                <a:prstDash val="solid"/>
-                <a:miter lim="7247"/>
-                <a:headEnd type="none" w="sm" len="sm"/>
-                <a:tailEnd type="none" w="sm" len="sm"/>
-              </a:ln>
-            </p:spPr>
-            <p:txBody>
-              <a:bodyPr spcFirstLastPara="1" wrap="square" lIns="91425" tIns="91425" rIns="91425" bIns="91425" anchor="ctr" anchorCtr="0">
-                <a:noAutofit/>
-              </a:bodyPr>
-              <a:lstStyle/>
-              <a:p>
-                <a:pPr marL="0" lvl="0" indent="0" algn="l" rtl="0">
-                  <a:spcBef>
-                    <a:spcPts val="0"/>
-                  </a:spcBef>
-                  <a:spcAft>
-                    <a:spcPts val="0"/>
-                  </a:spcAft>
-                  <a:buNone/>
-                </a:pPr>
-                <a:endParaRPr/>
-              </a:p>
-            </p:txBody>
-          </p:sp>
-        </p:grpSp>
-        <p:grpSp>
-          <p:nvGrpSpPr>
-            <p:cNvPr id="643" name="Google Shape;643;p24"/>
-            <p:cNvGrpSpPr/>
-            <p:nvPr/>
-          </p:nvGrpSpPr>
-          <p:grpSpPr>
-            <a:xfrm rot="5400000" flipH="1">
-              <a:off x="7247712" y="-188135"/>
-              <a:ext cx="965258" cy="273510"/>
-              <a:chOff x="-6675" y="2881558"/>
-              <a:chExt cx="9140700" cy="2059567"/>
-            </a:xfrm>
-          </p:grpSpPr>
-          <p:cxnSp>
-            <p:nvCxnSpPr>
-              <p:cNvPr id="644" name="Google Shape;644;p24"/>
-              <p:cNvCxnSpPr/>
-              <p:nvPr/>
-            </p:nvCxnSpPr>
-            <p:spPr>
-              <a:xfrm>
-                <a:off x="-6675" y="2881558"/>
-                <a:ext cx="9140700" cy="0"/>
-              </a:xfrm>
-              <a:prstGeom prst="straightConnector1">
-                <a:avLst/>
-              </a:prstGeom>
-              <a:noFill/>
-              <a:ln w="9525" cap="flat" cmpd="sng">
-                <a:solidFill>
-                  <a:schemeClr val="accent1"/>
-                </a:solidFill>
-                <a:prstDash val="solid"/>
-                <a:round/>
-                <a:headEnd type="none" w="med" len="med"/>
-                <a:tailEnd type="none" w="med" len="med"/>
-              </a:ln>
-            </p:spPr>
-          </p:cxnSp>
-          <p:cxnSp>
-            <p:nvCxnSpPr>
-              <p:cNvPr id="645" name="Google Shape;645;p24"/>
-              <p:cNvCxnSpPr/>
-              <p:nvPr/>
-            </p:nvCxnSpPr>
-            <p:spPr>
-              <a:xfrm>
-                <a:off x="-6675" y="3396450"/>
-                <a:ext cx="9140700" cy="0"/>
-              </a:xfrm>
-              <a:prstGeom prst="straightConnector1">
-                <a:avLst/>
-              </a:prstGeom>
-              <a:noFill/>
-              <a:ln w="9525" cap="flat" cmpd="sng">
-                <a:solidFill>
-                  <a:schemeClr val="accent1"/>
-                </a:solidFill>
-                <a:prstDash val="solid"/>
-                <a:round/>
-                <a:headEnd type="none" w="med" len="med"/>
-                <a:tailEnd type="none" w="med" len="med"/>
-              </a:ln>
-            </p:spPr>
-          </p:cxnSp>
-          <p:cxnSp>
-            <p:nvCxnSpPr>
-              <p:cNvPr id="646" name="Google Shape;646;p24"/>
-              <p:cNvCxnSpPr/>
-              <p:nvPr/>
-            </p:nvCxnSpPr>
-            <p:spPr>
-              <a:xfrm>
-                <a:off x="-6675" y="3911342"/>
-                <a:ext cx="9140700" cy="0"/>
-              </a:xfrm>
-              <a:prstGeom prst="straightConnector1">
-                <a:avLst/>
-              </a:prstGeom>
-              <a:noFill/>
-              <a:ln w="9525" cap="flat" cmpd="sng">
-                <a:solidFill>
-                  <a:schemeClr val="accent1"/>
-                </a:solidFill>
-                <a:prstDash val="solid"/>
-                <a:round/>
-                <a:headEnd type="none" w="med" len="med"/>
-                <a:tailEnd type="none" w="med" len="med"/>
-              </a:ln>
-            </p:spPr>
-          </p:cxnSp>
-          <p:cxnSp>
-            <p:nvCxnSpPr>
-              <p:cNvPr id="647" name="Google Shape;647;p24"/>
-              <p:cNvCxnSpPr/>
-              <p:nvPr/>
-            </p:nvCxnSpPr>
-            <p:spPr>
-              <a:xfrm>
-                <a:off x="-6675" y="4426233"/>
-                <a:ext cx="9140700" cy="0"/>
-              </a:xfrm>
-              <a:prstGeom prst="straightConnector1">
-                <a:avLst/>
-              </a:prstGeom>
-              <a:noFill/>
-              <a:ln w="9525" cap="flat" cmpd="sng">
-                <a:solidFill>
-                  <a:schemeClr val="accent1"/>
-                </a:solidFill>
-                <a:prstDash val="solid"/>
-                <a:round/>
-                <a:headEnd type="none" w="med" len="med"/>
-                <a:tailEnd type="none" w="med" len="med"/>
-              </a:ln>
-            </p:spPr>
-          </p:cxnSp>
-          <p:cxnSp>
-            <p:nvCxnSpPr>
-              <p:cNvPr id="648" name="Google Shape;648;p24"/>
-              <p:cNvCxnSpPr/>
-              <p:nvPr/>
-            </p:nvCxnSpPr>
-            <p:spPr>
-              <a:xfrm>
-                <a:off x="-6675" y="4941125"/>
-                <a:ext cx="9140700" cy="0"/>
-              </a:xfrm>
-              <a:prstGeom prst="straightConnector1">
-                <a:avLst/>
-              </a:prstGeom>
-              <a:noFill/>
-              <a:ln w="9525" cap="flat" cmpd="sng">
-                <a:solidFill>
-                  <a:schemeClr val="accent1"/>
-                </a:solidFill>
-                <a:prstDash val="solid"/>
-                <a:round/>
-                <a:headEnd type="none" w="med" len="med"/>
-                <a:tailEnd type="none" w="med" len="med"/>
-              </a:ln>
-            </p:spPr>
-          </p:cxnSp>
-        </p:grpSp>
-        <p:sp>
-          <p:nvSpPr>
-            <p:cNvPr id="649" name="Google Shape;649;p24"/>
-            <p:cNvSpPr/>
-            <p:nvPr/>
-          </p:nvSpPr>
-          <p:spPr>
-            <a:xfrm>
-              <a:off x="5746750" y="-57000"/>
-              <a:ext cx="3256375" cy="488250"/>
-            </a:xfrm>
-            <a:custGeom>
-              <a:avLst/>
-              <a:gdLst/>
-              <a:ahLst/>
-              <a:cxnLst/>
-              <a:rect l="l" t="t" r="r" b="b"/>
-              <a:pathLst>
-                <a:path w="130255" h="19530" extrusionOk="0">
-                  <a:moveTo>
-                    <a:pt x="0" y="0"/>
-                  </a:moveTo>
-                  <a:lnTo>
-                    <a:pt x="19531" y="19530"/>
-                  </a:lnTo>
-                  <a:lnTo>
-                    <a:pt x="93650" y="19530"/>
-                  </a:lnTo>
-                  <a:lnTo>
-                    <a:pt x="102323" y="10857"/>
-                  </a:lnTo>
-                  <a:lnTo>
-                    <a:pt x="121066" y="10857"/>
-                  </a:lnTo>
-                  <a:lnTo>
-                    <a:pt x="130255" y="1668"/>
-                  </a:lnTo>
-                </a:path>
-              </a:pathLst>
-            </a:custGeom>
-            <a:noFill/>
-            <a:ln w="9525" cap="flat" cmpd="sng">
-              <a:solidFill>
-                <a:schemeClr val="accent1"/>
-              </a:solidFill>
-              <a:prstDash val="solid"/>
-              <a:round/>
-              <a:headEnd type="none" w="med" len="med"/>
-              <a:tailEnd type="none" w="med" len="med"/>
-            </a:ln>
-          </p:spPr>
-        </p:sp>
-        <p:sp>
-          <p:nvSpPr>
-            <p:cNvPr id="650" name="Google Shape;650;p24"/>
-            <p:cNvSpPr/>
-            <p:nvPr/>
-          </p:nvSpPr>
-          <p:spPr>
-            <a:xfrm>
-              <a:off x="260200" y="3089575"/>
-              <a:ext cx="476150" cy="2323075"/>
-            </a:xfrm>
-            <a:custGeom>
-              <a:avLst/>
-              <a:gdLst/>
-              <a:ahLst/>
-              <a:cxnLst/>
-              <a:rect l="l" t="t" r="r" b="b"/>
-              <a:pathLst>
-                <a:path w="19046" h="92923" extrusionOk="0">
-                  <a:moveTo>
-                    <a:pt x="0" y="0"/>
-                  </a:moveTo>
-                  <a:lnTo>
-                    <a:pt x="0" y="36635"/>
-                  </a:lnTo>
-                  <a:lnTo>
-                    <a:pt x="19046" y="55681"/>
-                  </a:lnTo>
-                  <a:lnTo>
-                    <a:pt x="19046" y="92923"/>
-                  </a:lnTo>
-                </a:path>
-              </a:pathLst>
-            </a:custGeom>
-            <a:noFill/>
-            <a:ln w="9525" cap="flat" cmpd="sng">
-              <a:solidFill>
-                <a:schemeClr val="accent1"/>
-              </a:solidFill>
-              <a:prstDash val="solid"/>
-              <a:round/>
-              <a:headEnd type="none" w="med" len="med"/>
-              <a:tailEnd type="none" w="med" len="med"/>
-            </a:ln>
-          </p:spPr>
-        </p:sp>
-      </p:grpSp>
-      <p:sp>
-        <p:nvSpPr>
-          <p:cNvPr id="651" name="Google Shape;651;p24"/>
-          <p:cNvSpPr/>
-          <p:nvPr/>
-        </p:nvSpPr>
-        <p:spPr>
-          <a:xfrm rot="-5400000">
-            <a:off x="507335" y="632747"/>
-            <a:ext cx="228075" cy="197250"/>
-          </a:xfrm>
-          <a:prstGeom prst="flowChartMerge">
-            <a:avLst/>
-          </a:prstGeom>
-          <a:solidFill>
-            <a:schemeClr val="lt1"/>
-          </a:solidFill>
-          <a:ln>
-            <a:noFill/>
-          </a:ln>
-        </p:spPr>
-        <p:txBody>
-          <a:bodyPr spcFirstLastPara="1" wrap="square" lIns="91425" tIns="91425" rIns="91425" bIns="91425" anchor="ctr" anchorCtr="0">
-            <a:noAutofit/>
-          </a:bodyPr>
-          <a:lstStyle/>
-          <a:p>
-            <a:pPr marL="0" lvl="0" indent="0" algn="l" rtl="0">
-              <a:spcBef>
-                <a:spcPts val="0"/>
-              </a:spcBef>
-              <a:spcAft>
-                <a:spcPts val="0"/>
-              </a:spcAft>
-              <a:buNone/>
-            </a:pPr>
-            <a:endParaRPr/>
-          </a:p>
-        </p:txBody>
-      </p:sp>
     </p:spTree>
   </p:cSld>
   <p:clrMapOvr>
@@ -12217,930 +11084,6 @@
 </file>
 
 <file path=ppt/slideLayouts/slideLayout8.xml><?xml version="1.0" encoding="utf-8"?>
-<p:sldLayout xmlns:a="http://schemas.openxmlformats.org/drawingml/2006/main" xmlns:r="http://schemas.openxmlformats.org/officeDocument/2006/relationships" xmlns:p="http://schemas.openxmlformats.org/presentationml/2006/main" matchingName="Thanks">
-  <p:cSld name="CUSTOM_3_1">
-    <p:spTree>
-      <p:nvGrpSpPr>
-        <p:cNvPr id="1" name="Shape 591"/>
-        <p:cNvGrpSpPr/>
-        <p:nvPr/>
-      </p:nvGrpSpPr>
-      <p:grpSpPr>
-        <a:xfrm>
-          <a:off x="0" y="0"/>
-          <a:ext cx="0" cy="0"/>
-          <a:chOff x="0" y="0"/>
-          <a:chExt cx="0" cy="0"/>
-        </a:xfrm>
-      </p:grpSpPr>
-      <p:sp>
-        <p:nvSpPr>
-          <p:cNvPr id="592" name="Google Shape;592;p22"/>
-          <p:cNvSpPr txBox="1">
-            <a:spLocks noGrp="1"/>
-          </p:cNvSpPr>
-          <p:nvPr>
-            <p:ph type="title"/>
-          </p:nvPr>
-        </p:nvSpPr>
-        <p:spPr>
-          <a:xfrm>
-            <a:off x="1098475" y="834600"/>
-            <a:ext cx="4448100" cy="970500"/>
-          </a:xfrm>
-          <a:prstGeom prst="rect">
-            <a:avLst/>
-          </a:prstGeom>
-        </p:spPr>
-        <p:txBody>
-          <a:bodyPr spcFirstLastPara="1" wrap="square" lIns="91425" tIns="91425" rIns="91425" bIns="91425" anchor="b" anchorCtr="0">
-            <a:noAutofit/>
-          </a:bodyPr>
-          <a:lstStyle>
-            <a:lvl1pPr lvl="0" rtl="0">
-              <a:spcBef>
-                <a:spcPts val="0"/>
-              </a:spcBef>
-              <a:spcAft>
-                <a:spcPts val="0"/>
-              </a:spcAft>
-              <a:buSzPts val="2600"/>
-              <a:buNone/>
-              <a:defRPr sz="4500"/>
-            </a:lvl1pPr>
-            <a:lvl2pPr lvl="1" rtl="0">
-              <a:spcBef>
-                <a:spcPts val="0"/>
-              </a:spcBef>
-              <a:spcAft>
-                <a:spcPts val="0"/>
-              </a:spcAft>
-              <a:buSzPts val="3000"/>
-              <a:buNone/>
-              <a:defRPr/>
-            </a:lvl2pPr>
-            <a:lvl3pPr lvl="2" rtl="0">
-              <a:spcBef>
-                <a:spcPts val="0"/>
-              </a:spcBef>
-              <a:spcAft>
-                <a:spcPts val="0"/>
-              </a:spcAft>
-              <a:buSzPts val="3000"/>
-              <a:buNone/>
-              <a:defRPr/>
-            </a:lvl3pPr>
-            <a:lvl4pPr lvl="3" rtl="0">
-              <a:spcBef>
-                <a:spcPts val="0"/>
-              </a:spcBef>
-              <a:spcAft>
-                <a:spcPts val="0"/>
-              </a:spcAft>
-              <a:buSzPts val="3000"/>
-              <a:buNone/>
-              <a:defRPr/>
-            </a:lvl4pPr>
-            <a:lvl5pPr lvl="4" rtl="0">
-              <a:spcBef>
-                <a:spcPts val="0"/>
-              </a:spcBef>
-              <a:spcAft>
-                <a:spcPts val="0"/>
-              </a:spcAft>
-              <a:buSzPts val="3000"/>
-              <a:buNone/>
-              <a:defRPr/>
-            </a:lvl5pPr>
-            <a:lvl6pPr lvl="5" rtl="0">
-              <a:spcBef>
-                <a:spcPts val="0"/>
-              </a:spcBef>
-              <a:spcAft>
-                <a:spcPts val="0"/>
-              </a:spcAft>
-              <a:buSzPts val="3000"/>
-              <a:buNone/>
-              <a:defRPr/>
-            </a:lvl6pPr>
-            <a:lvl7pPr lvl="6" rtl="0">
-              <a:spcBef>
-                <a:spcPts val="0"/>
-              </a:spcBef>
-              <a:spcAft>
-                <a:spcPts val="0"/>
-              </a:spcAft>
-              <a:buSzPts val="3000"/>
-              <a:buNone/>
-              <a:defRPr/>
-            </a:lvl7pPr>
-            <a:lvl8pPr lvl="7" rtl="0">
-              <a:spcBef>
-                <a:spcPts val="0"/>
-              </a:spcBef>
-              <a:spcAft>
-                <a:spcPts val="0"/>
-              </a:spcAft>
-              <a:buSzPts val="3000"/>
-              <a:buNone/>
-              <a:defRPr/>
-            </a:lvl8pPr>
-            <a:lvl9pPr lvl="8" rtl="0">
-              <a:spcBef>
-                <a:spcPts val="0"/>
-              </a:spcBef>
-              <a:spcAft>
-                <a:spcPts val="0"/>
-              </a:spcAft>
-              <a:buSzPts val="3000"/>
-              <a:buNone/>
-              <a:defRPr/>
-            </a:lvl9pPr>
-          </a:lstStyle>
-          <a:p>
-            <a:endParaRPr/>
-          </a:p>
-        </p:txBody>
-      </p:sp>
-      <p:sp>
-        <p:nvSpPr>
-          <p:cNvPr id="593" name="Google Shape;593;p22"/>
-          <p:cNvSpPr txBox="1">
-            <a:spLocks noGrp="1"/>
-          </p:cNvSpPr>
-          <p:nvPr>
-            <p:ph type="subTitle" idx="1"/>
-          </p:nvPr>
-        </p:nvSpPr>
-        <p:spPr>
-          <a:xfrm>
-            <a:off x="1098425" y="1805100"/>
-            <a:ext cx="4448100" cy="1058700"/>
-          </a:xfrm>
-          <a:prstGeom prst="rect">
-            <a:avLst/>
-          </a:prstGeom>
-        </p:spPr>
-        <p:txBody>
-          <a:bodyPr spcFirstLastPara="1" wrap="square" lIns="91425" tIns="91425" rIns="91425" bIns="91425" anchor="t" anchorCtr="0">
-            <a:noAutofit/>
-          </a:bodyPr>
-          <a:lstStyle>
-            <a:lvl1pPr lvl="0" rtl="0">
-              <a:lnSpc>
-                <a:spcPct val="100000"/>
-              </a:lnSpc>
-              <a:spcBef>
-                <a:spcPts val="0"/>
-              </a:spcBef>
-              <a:spcAft>
-                <a:spcPts val="0"/>
-              </a:spcAft>
-              <a:buSzPts val="1200"/>
-              <a:buNone/>
-              <a:defRPr sz="1600"/>
-            </a:lvl1pPr>
-            <a:lvl2pPr lvl="1" algn="ctr" rtl="0">
-              <a:lnSpc>
-                <a:spcPct val="100000"/>
-              </a:lnSpc>
-              <a:spcBef>
-                <a:spcPts val="0"/>
-              </a:spcBef>
-              <a:spcAft>
-                <a:spcPts val="0"/>
-              </a:spcAft>
-              <a:buSzPts val="1200"/>
-              <a:buNone/>
-              <a:defRPr/>
-            </a:lvl2pPr>
-            <a:lvl3pPr lvl="2" algn="ctr" rtl="0">
-              <a:lnSpc>
-                <a:spcPct val="100000"/>
-              </a:lnSpc>
-              <a:spcBef>
-                <a:spcPts val="0"/>
-              </a:spcBef>
-              <a:spcAft>
-                <a:spcPts val="0"/>
-              </a:spcAft>
-              <a:buSzPts val="1200"/>
-              <a:buNone/>
-              <a:defRPr/>
-            </a:lvl3pPr>
-            <a:lvl4pPr lvl="3" algn="ctr" rtl="0">
-              <a:lnSpc>
-                <a:spcPct val="100000"/>
-              </a:lnSpc>
-              <a:spcBef>
-                <a:spcPts val="0"/>
-              </a:spcBef>
-              <a:spcAft>
-                <a:spcPts val="0"/>
-              </a:spcAft>
-              <a:buSzPts val="1200"/>
-              <a:buNone/>
-              <a:defRPr/>
-            </a:lvl4pPr>
-            <a:lvl5pPr lvl="4" algn="ctr" rtl="0">
-              <a:lnSpc>
-                <a:spcPct val="100000"/>
-              </a:lnSpc>
-              <a:spcBef>
-                <a:spcPts val="0"/>
-              </a:spcBef>
-              <a:spcAft>
-                <a:spcPts val="0"/>
-              </a:spcAft>
-              <a:buSzPts val="1200"/>
-              <a:buNone/>
-              <a:defRPr/>
-            </a:lvl5pPr>
-            <a:lvl6pPr lvl="5" algn="ctr" rtl="0">
-              <a:lnSpc>
-                <a:spcPct val="100000"/>
-              </a:lnSpc>
-              <a:spcBef>
-                <a:spcPts val="0"/>
-              </a:spcBef>
-              <a:spcAft>
-                <a:spcPts val="0"/>
-              </a:spcAft>
-              <a:buSzPts val="1200"/>
-              <a:buNone/>
-              <a:defRPr/>
-            </a:lvl6pPr>
-            <a:lvl7pPr lvl="6" algn="ctr" rtl="0">
-              <a:lnSpc>
-                <a:spcPct val="100000"/>
-              </a:lnSpc>
-              <a:spcBef>
-                <a:spcPts val="0"/>
-              </a:spcBef>
-              <a:spcAft>
-                <a:spcPts val="0"/>
-              </a:spcAft>
-              <a:buSzPts val="1200"/>
-              <a:buNone/>
-              <a:defRPr/>
-            </a:lvl7pPr>
-            <a:lvl8pPr lvl="7" algn="ctr" rtl="0">
-              <a:lnSpc>
-                <a:spcPct val="100000"/>
-              </a:lnSpc>
-              <a:spcBef>
-                <a:spcPts val="0"/>
-              </a:spcBef>
-              <a:spcAft>
-                <a:spcPts val="0"/>
-              </a:spcAft>
-              <a:buSzPts val="1200"/>
-              <a:buNone/>
-              <a:defRPr/>
-            </a:lvl8pPr>
-            <a:lvl9pPr lvl="8" algn="ctr" rtl="0">
-              <a:lnSpc>
-                <a:spcPct val="100000"/>
-              </a:lnSpc>
-              <a:spcBef>
-                <a:spcPts val="0"/>
-              </a:spcBef>
-              <a:spcAft>
-                <a:spcPts val="0"/>
-              </a:spcAft>
-              <a:buSzPts val="1200"/>
-              <a:buNone/>
-              <a:defRPr/>
-            </a:lvl9pPr>
-          </a:lstStyle>
-          <a:p>
-            <a:endParaRPr/>
-          </a:p>
-        </p:txBody>
-      </p:sp>
-      <p:sp>
-        <p:nvSpPr>
-          <p:cNvPr id="594" name="Google Shape;594;p22"/>
-          <p:cNvSpPr txBox="1"/>
-          <p:nvPr/>
-        </p:nvSpPr>
-        <p:spPr>
-          <a:xfrm>
-            <a:off x="1098425" y="3459550"/>
-            <a:ext cx="4945800" cy="556200"/>
-          </a:xfrm>
-          <a:prstGeom prst="rect">
-            <a:avLst/>
-          </a:prstGeom>
-          <a:noFill/>
-          <a:ln>
-            <a:noFill/>
-          </a:ln>
-        </p:spPr>
-        <p:txBody>
-          <a:bodyPr spcFirstLastPara="1" wrap="square" lIns="91425" tIns="91425" rIns="91425" bIns="91425" anchor="t" anchorCtr="0">
-            <a:noAutofit/>
-          </a:bodyPr>
-          <a:lstStyle/>
-          <a:p>
-            <a:pPr marL="0" lvl="0" indent="0" algn="l" rtl="0">
-              <a:spcBef>
-                <a:spcPts val="300"/>
-              </a:spcBef>
-              <a:spcAft>
-                <a:spcPts val="0"/>
-              </a:spcAft>
-              <a:buNone/>
-            </a:pPr>
-            <a:r>
-              <a:rPr lang="en" sz="1200" b="1">
-                <a:solidFill>
-                  <a:schemeClr val="dk1"/>
-                </a:solidFill>
-                <a:latin typeface="Hanken Grotesk"/>
-                <a:ea typeface="Hanken Grotesk"/>
-                <a:cs typeface="Hanken Grotesk"/>
-                <a:sym typeface="Hanken Grotesk"/>
-              </a:rPr>
-              <a:t>CREDITS:</a:t>
-            </a:r>
-            <a:r>
-              <a:rPr lang="en" sz="1200">
-                <a:solidFill>
-                  <a:schemeClr val="dk1"/>
-                </a:solidFill>
-                <a:latin typeface="Hanken Grotesk"/>
-                <a:ea typeface="Hanken Grotesk"/>
-                <a:cs typeface="Hanken Grotesk"/>
-                <a:sym typeface="Hanken Grotesk"/>
-              </a:rPr>
-              <a:t> This presentation template was created by </a:t>
-            </a:r>
-            <a:r>
-              <a:rPr lang="en" sz="1200" b="1" u="sng">
-                <a:solidFill>
-                  <a:schemeClr val="dk1"/>
-                </a:solidFill>
-                <a:latin typeface="Hanken Grotesk"/>
-                <a:ea typeface="Hanken Grotesk"/>
-                <a:cs typeface="Hanken Grotesk"/>
-                <a:sym typeface="Hanken Grotesk"/>
-                <a:hlinkClick r:id="rId2">
-                  <a:extLst>
-                    <a:ext uri="{A12FA001-AC4F-418D-AE19-62706E023703}">
-                      <ahyp:hlinkClr xmlns:ahyp="http://schemas.microsoft.com/office/drawing/2018/hyperlinkcolor" val="tx"/>
-                    </a:ext>
-                  </a:extLst>
-                </a:hlinkClick>
-              </a:rPr>
-              <a:t>Slidesgo</a:t>
-            </a:r>
-            <a:r>
-              <a:rPr lang="en" sz="1200">
-                <a:solidFill>
-                  <a:schemeClr val="dk1"/>
-                </a:solidFill>
-                <a:latin typeface="Hanken Grotesk"/>
-                <a:ea typeface="Hanken Grotesk"/>
-                <a:cs typeface="Hanken Grotesk"/>
-                <a:sym typeface="Hanken Grotesk"/>
-              </a:rPr>
-              <a:t>, and includes icons by </a:t>
-            </a:r>
-            <a:r>
-              <a:rPr lang="en" sz="1200" b="1" u="sng">
-                <a:solidFill>
-                  <a:schemeClr val="dk1"/>
-                </a:solidFill>
-                <a:latin typeface="Hanken Grotesk"/>
-                <a:ea typeface="Hanken Grotesk"/>
-                <a:cs typeface="Hanken Grotesk"/>
-                <a:sym typeface="Hanken Grotesk"/>
-                <a:hlinkClick r:id="rId3">
-                  <a:extLst>
-                    <a:ext uri="{A12FA001-AC4F-418D-AE19-62706E023703}">
-                      <ahyp:hlinkClr xmlns:ahyp="http://schemas.microsoft.com/office/drawing/2018/hyperlinkcolor" val="tx"/>
-                    </a:ext>
-                  </a:extLst>
-                </a:hlinkClick>
-              </a:rPr>
-              <a:t>Flaticon</a:t>
-            </a:r>
-            <a:r>
-              <a:rPr lang="en" sz="1200">
-                <a:solidFill>
-                  <a:schemeClr val="dk1"/>
-                </a:solidFill>
-                <a:latin typeface="Hanken Grotesk"/>
-                <a:ea typeface="Hanken Grotesk"/>
-                <a:cs typeface="Hanken Grotesk"/>
-                <a:sym typeface="Hanken Grotesk"/>
-              </a:rPr>
-              <a:t>, and infographics &amp; images by </a:t>
-            </a:r>
-            <a:r>
-              <a:rPr lang="en" sz="1200" b="1" u="sng">
-                <a:solidFill>
-                  <a:schemeClr val="dk1"/>
-                </a:solidFill>
-                <a:latin typeface="Hanken Grotesk"/>
-                <a:ea typeface="Hanken Grotesk"/>
-                <a:cs typeface="Hanken Grotesk"/>
-                <a:sym typeface="Hanken Grotesk"/>
-                <a:hlinkClick r:id="rId4">
-                  <a:extLst>
-                    <a:ext uri="{A12FA001-AC4F-418D-AE19-62706E023703}">
-                      <ahyp:hlinkClr xmlns:ahyp="http://schemas.microsoft.com/office/drawing/2018/hyperlinkcolor" val="tx"/>
-                    </a:ext>
-                  </a:extLst>
-                </a:hlinkClick>
-              </a:rPr>
-              <a:t>Freepik</a:t>
-            </a:r>
-            <a:r>
-              <a:rPr lang="en" sz="1200" u="sng">
-                <a:solidFill>
-                  <a:schemeClr val="dk1"/>
-                </a:solidFill>
-                <a:latin typeface="Hanken Grotesk"/>
-                <a:ea typeface="Hanken Grotesk"/>
-                <a:cs typeface="Hanken Grotesk"/>
-                <a:sym typeface="Hanken Grotesk"/>
-              </a:rPr>
-              <a:t> </a:t>
-            </a:r>
-            <a:endParaRPr sz="1200" b="1" u="sng">
-              <a:solidFill>
-                <a:schemeClr val="dk1"/>
-              </a:solidFill>
-              <a:latin typeface="Hanken Grotesk"/>
-              <a:ea typeface="Hanken Grotesk"/>
-              <a:cs typeface="Hanken Grotesk"/>
-              <a:sym typeface="Hanken Grotesk"/>
-            </a:endParaRPr>
-          </a:p>
-        </p:txBody>
-      </p:sp>
-      <p:sp>
-        <p:nvSpPr>
-          <p:cNvPr id="595" name="Google Shape;595;p22"/>
-          <p:cNvSpPr/>
-          <p:nvPr/>
-        </p:nvSpPr>
-        <p:spPr>
-          <a:xfrm rot="5400000">
-            <a:off x="8249111" y="175373"/>
-            <a:ext cx="40056" cy="440880"/>
-          </a:xfrm>
-          <a:custGeom>
-            <a:avLst/>
-            <a:gdLst/>
-            <a:ahLst/>
-            <a:cxnLst/>
-            <a:rect l="l" t="t" r="r" b="b"/>
-            <a:pathLst>
-              <a:path w="1146" h="12620" extrusionOk="0">
-                <a:moveTo>
-                  <a:pt x="573" y="1"/>
-                </a:moveTo>
-                <a:cubicBezTo>
-                  <a:pt x="240" y="1"/>
-                  <a:pt x="1" y="240"/>
-                  <a:pt x="1" y="573"/>
-                </a:cubicBezTo>
-                <a:lnTo>
-                  <a:pt x="1" y="12046"/>
-                </a:lnTo>
-                <a:cubicBezTo>
-                  <a:pt x="1" y="12351"/>
-                  <a:pt x="240" y="12619"/>
-                  <a:pt x="573" y="12619"/>
-                </a:cubicBezTo>
-                <a:cubicBezTo>
-                  <a:pt x="878" y="12619"/>
-                  <a:pt x="1146" y="12351"/>
-                  <a:pt x="1146" y="12046"/>
-                </a:cubicBezTo>
-                <a:lnTo>
-                  <a:pt x="1146" y="573"/>
-                </a:lnTo>
-                <a:cubicBezTo>
-                  <a:pt x="1146" y="240"/>
-                  <a:pt x="878" y="1"/>
-                  <a:pt x="573" y="1"/>
-                </a:cubicBezTo>
-                <a:close/>
-              </a:path>
-            </a:pathLst>
-          </a:custGeom>
-          <a:solidFill>
-            <a:schemeClr val="accent2"/>
-          </a:solidFill>
-          <a:ln>
-            <a:noFill/>
-          </a:ln>
-        </p:spPr>
-        <p:txBody>
-          <a:bodyPr spcFirstLastPara="1" wrap="square" lIns="91425" tIns="91425" rIns="91425" bIns="91425" anchor="ctr" anchorCtr="0">
-            <a:noAutofit/>
-          </a:bodyPr>
-          <a:lstStyle/>
-          <a:p>
-            <a:pPr marL="0" lvl="0" indent="0" algn="l" rtl="0">
-              <a:spcBef>
-                <a:spcPts val="0"/>
-              </a:spcBef>
-              <a:spcAft>
-                <a:spcPts val="0"/>
-              </a:spcAft>
-              <a:buNone/>
-            </a:pPr>
-            <a:endParaRPr/>
-          </a:p>
-        </p:txBody>
-      </p:sp>
-      <p:grpSp>
-        <p:nvGrpSpPr>
-          <p:cNvPr id="596" name="Google Shape;596;p22"/>
-          <p:cNvGrpSpPr/>
-          <p:nvPr/>
-        </p:nvGrpSpPr>
-        <p:grpSpPr>
-          <a:xfrm>
-            <a:off x="-563925" y="0"/>
-            <a:ext cx="7843827" cy="1111343"/>
-            <a:chOff x="-563925" y="0"/>
-            <a:chExt cx="7843827" cy="1111343"/>
-          </a:xfrm>
-        </p:grpSpPr>
-        <p:grpSp>
-          <p:nvGrpSpPr>
-            <p:cNvPr id="597" name="Google Shape;597;p22"/>
-            <p:cNvGrpSpPr/>
-            <p:nvPr/>
-          </p:nvGrpSpPr>
-          <p:grpSpPr>
-            <a:xfrm rot="5400000">
-              <a:off x="6576232" y="-80607"/>
-              <a:ext cx="247278" cy="1160062"/>
-              <a:chOff x="1463894" y="1434556"/>
-              <a:chExt cx="247278" cy="1160062"/>
-            </a:xfrm>
-          </p:grpSpPr>
-          <p:sp>
-            <p:nvSpPr>
-              <p:cNvPr id="598" name="Google Shape;598;p22"/>
-              <p:cNvSpPr/>
-              <p:nvPr/>
-            </p:nvSpPr>
-            <p:spPr>
-              <a:xfrm>
-                <a:off x="1463894" y="2119623"/>
-                <a:ext cx="43116" cy="474994"/>
-              </a:xfrm>
-              <a:custGeom>
-                <a:avLst/>
-                <a:gdLst/>
-                <a:ahLst/>
-                <a:cxnLst/>
-                <a:rect l="l" t="t" r="r" b="b"/>
-                <a:pathLst>
-                  <a:path w="754" h="8307" fill="none" extrusionOk="0">
-                    <a:moveTo>
-                      <a:pt x="391" y="8307"/>
-                    </a:moveTo>
-                    <a:lnTo>
-                      <a:pt x="391" y="8307"/>
-                    </a:lnTo>
-                    <a:cubicBezTo>
-                      <a:pt x="181" y="8307"/>
-                      <a:pt x="0" y="8155"/>
-                      <a:pt x="0" y="7944"/>
-                    </a:cubicBezTo>
-                    <a:lnTo>
-                      <a:pt x="0" y="363"/>
-                    </a:lnTo>
-                    <a:cubicBezTo>
-                      <a:pt x="0" y="182"/>
-                      <a:pt x="181" y="1"/>
-                      <a:pt x="391" y="1"/>
-                    </a:cubicBezTo>
-                    <a:lnTo>
-                      <a:pt x="391" y="1"/>
-                    </a:lnTo>
-                    <a:cubicBezTo>
-                      <a:pt x="573" y="1"/>
-                      <a:pt x="754" y="182"/>
-                      <a:pt x="754" y="363"/>
-                    </a:cubicBezTo>
-                    <a:lnTo>
-                      <a:pt x="754" y="7944"/>
-                    </a:lnTo>
-                    <a:cubicBezTo>
-                      <a:pt x="754" y="8155"/>
-                      <a:pt x="573" y="8307"/>
-                      <a:pt x="391" y="8307"/>
-                    </a:cubicBezTo>
-                    <a:close/>
-                  </a:path>
-                </a:pathLst>
-              </a:custGeom>
-              <a:noFill/>
-              <a:ln w="9525" cap="flat" cmpd="sng">
-                <a:solidFill>
-                  <a:schemeClr val="lt1"/>
-                </a:solidFill>
-                <a:prstDash val="solid"/>
-                <a:miter lim="7247"/>
-                <a:headEnd type="none" w="sm" len="sm"/>
-                <a:tailEnd type="none" w="sm" len="sm"/>
-              </a:ln>
-            </p:spPr>
-            <p:txBody>
-              <a:bodyPr spcFirstLastPara="1" wrap="square" lIns="91425" tIns="91425" rIns="91425" bIns="91425" anchor="ctr" anchorCtr="0">
-                <a:noAutofit/>
-              </a:bodyPr>
-              <a:lstStyle/>
-              <a:p>
-                <a:pPr marL="0" lvl="0" indent="0" algn="l" rtl="0">
-                  <a:spcBef>
-                    <a:spcPts val="0"/>
-                  </a:spcBef>
-                  <a:spcAft>
-                    <a:spcPts val="0"/>
-                  </a:spcAft>
-                  <a:buNone/>
-                </a:pPr>
-                <a:endParaRPr/>
-              </a:p>
-            </p:txBody>
-          </p:sp>
-          <p:sp>
-            <p:nvSpPr>
-              <p:cNvPr id="599" name="Google Shape;599;p22"/>
-              <p:cNvSpPr/>
-              <p:nvPr/>
-            </p:nvSpPr>
-            <p:spPr>
-              <a:xfrm rot="10800000">
-                <a:off x="1636072" y="1434556"/>
-                <a:ext cx="75100" cy="827502"/>
-              </a:xfrm>
-              <a:custGeom>
-                <a:avLst/>
-                <a:gdLst/>
-                <a:ahLst/>
-                <a:cxnLst/>
-                <a:rect l="l" t="t" r="r" b="b"/>
-                <a:pathLst>
-                  <a:path w="754" h="8307" fill="none" extrusionOk="0">
-                    <a:moveTo>
-                      <a:pt x="391" y="8307"/>
-                    </a:moveTo>
-                    <a:lnTo>
-                      <a:pt x="391" y="8307"/>
-                    </a:lnTo>
-                    <a:cubicBezTo>
-                      <a:pt x="181" y="8307"/>
-                      <a:pt x="0" y="8155"/>
-                      <a:pt x="0" y="7944"/>
-                    </a:cubicBezTo>
-                    <a:lnTo>
-                      <a:pt x="0" y="363"/>
-                    </a:lnTo>
-                    <a:cubicBezTo>
-                      <a:pt x="0" y="182"/>
-                      <a:pt x="181" y="1"/>
-                      <a:pt x="391" y="1"/>
-                    </a:cubicBezTo>
-                    <a:lnTo>
-                      <a:pt x="391" y="1"/>
-                    </a:lnTo>
-                    <a:cubicBezTo>
-                      <a:pt x="573" y="1"/>
-                      <a:pt x="754" y="182"/>
-                      <a:pt x="754" y="363"/>
-                    </a:cubicBezTo>
-                    <a:lnTo>
-                      <a:pt x="754" y="7944"/>
-                    </a:lnTo>
-                    <a:cubicBezTo>
-                      <a:pt x="754" y="8155"/>
-                      <a:pt x="573" y="8307"/>
-                      <a:pt x="391" y="8307"/>
-                    </a:cubicBezTo>
-                    <a:close/>
-                  </a:path>
-                </a:pathLst>
-              </a:custGeom>
-              <a:noFill/>
-              <a:ln w="9525" cap="flat" cmpd="sng">
-                <a:solidFill>
-                  <a:schemeClr val="accent1"/>
-                </a:solidFill>
-                <a:prstDash val="solid"/>
-                <a:miter lim="7247"/>
-                <a:headEnd type="none" w="sm" len="sm"/>
-                <a:tailEnd type="none" w="sm" len="sm"/>
-              </a:ln>
-            </p:spPr>
-            <p:txBody>
-              <a:bodyPr spcFirstLastPara="1" wrap="square" lIns="91425" tIns="91425" rIns="91425" bIns="91425" anchor="ctr" anchorCtr="0">
-                <a:noAutofit/>
-              </a:bodyPr>
-              <a:lstStyle/>
-              <a:p>
-                <a:pPr marL="0" lvl="0" indent="0" algn="l" rtl="0">
-                  <a:spcBef>
-                    <a:spcPts val="0"/>
-                  </a:spcBef>
-                  <a:spcAft>
-                    <a:spcPts val="0"/>
-                  </a:spcAft>
-                  <a:buNone/>
-                </a:pPr>
-                <a:endParaRPr/>
-              </a:p>
-            </p:txBody>
-          </p:sp>
-        </p:grpSp>
-        <p:grpSp>
-          <p:nvGrpSpPr>
-            <p:cNvPr id="600" name="Google Shape;600;p22"/>
-            <p:cNvGrpSpPr/>
-            <p:nvPr/>
-          </p:nvGrpSpPr>
-          <p:grpSpPr>
-            <a:xfrm>
-              <a:off x="-563925" y="0"/>
-              <a:ext cx="1111343" cy="1111343"/>
-              <a:chOff x="8307725" y="278700"/>
-              <a:chExt cx="1111343" cy="1111343"/>
-            </a:xfrm>
-          </p:grpSpPr>
-          <p:sp>
-            <p:nvSpPr>
-              <p:cNvPr id="601" name="Google Shape;601;p22"/>
-              <p:cNvSpPr/>
-              <p:nvPr/>
-            </p:nvSpPr>
-            <p:spPr>
-              <a:xfrm>
-                <a:off x="8307725" y="278700"/>
-                <a:ext cx="1111343" cy="1111343"/>
-              </a:xfrm>
-              <a:custGeom>
-                <a:avLst/>
-                <a:gdLst/>
-                <a:ahLst/>
-                <a:cxnLst/>
-                <a:rect l="l" t="t" r="r" b="b"/>
-                <a:pathLst>
-                  <a:path w="17396" h="17396" fill="none" extrusionOk="0">
-                    <a:moveTo>
-                      <a:pt x="8698" y="1"/>
-                    </a:moveTo>
-                    <a:cubicBezTo>
-                      <a:pt x="13503" y="1"/>
-                      <a:pt x="17395" y="3893"/>
-                      <a:pt x="17395" y="8698"/>
-                    </a:cubicBezTo>
-                    <a:cubicBezTo>
-                      <a:pt x="17395" y="13496"/>
-                      <a:pt x="13503" y="17396"/>
-                      <a:pt x="8698" y="17396"/>
-                    </a:cubicBezTo>
-                    <a:cubicBezTo>
-                      <a:pt x="3900" y="17396"/>
-                      <a:pt x="1" y="13496"/>
-                      <a:pt x="1" y="8698"/>
-                    </a:cubicBezTo>
-                    <a:cubicBezTo>
-                      <a:pt x="1" y="3893"/>
-                      <a:pt x="3900" y="1"/>
-                      <a:pt x="8698" y="1"/>
-                    </a:cubicBezTo>
-                    <a:close/>
-                  </a:path>
-                </a:pathLst>
-              </a:custGeom>
-              <a:noFill/>
-              <a:ln w="9525" cap="flat" cmpd="sng">
-                <a:solidFill>
-                  <a:schemeClr val="accent1"/>
-                </a:solidFill>
-                <a:prstDash val="solid"/>
-                <a:miter lim="7247"/>
-                <a:headEnd type="none" w="sm" len="sm"/>
-                <a:tailEnd type="none" w="sm" len="sm"/>
-              </a:ln>
-            </p:spPr>
-            <p:txBody>
-              <a:bodyPr spcFirstLastPara="1" wrap="square" lIns="91425" tIns="91425" rIns="91425" bIns="91425" anchor="ctr" anchorCtr="0">
-                <a:noAutofit/>
-              </a:bodyPr>
-              <a:lstStyle/>
-              <a:p>
-                <a:pPr marL="0" lvl="0" indent="0" algn="l" rtl="0">
-                  <a:spcBef>
-                    <a:spcPts val="0"/>
-                  </a:spcBef>
-                  <a:spcAft>
-                    <a:spcPts val="0"/>
-                  </a:spcAft>
-                  <a:buNone/>
-                </a:pPr>
-                <a:endParaRPr/>
-              </a:p>
-            </p:txBody>
-          </p:sp>
-          <p:sp>
-            <p:nvSpPr>
-              <p:cNvPr id="602" name="Google Shape;602;p22"/>
-              <p:cNvSpPr/>
-              <p:nvPr/>
-            </p:nvSpPr>
-            <p:spPr>
-              <a:xfrm>
-                <a:off x="8481362" y="452337"/>
-                <a:ext cx="764065" cy="762212"/>
-              </a:xfrm>
-              <a:custGeom>
-                <a:avLst/>
-                <a:gdLst/>
-                <a:ahLst/>
-                <a:cxnLst/>
-                <a:rect l="l" t="t" r="r" b="b"/>
-                <a:pathLst>
-                  <a:path w="11960" h="11931" fill="none" extrusionOk="0">
-                    <a:moveTo>
-                      <a:pt x="5980" y="1"/>
-                    </a:moveTo>
-                    <a:cubicBezTo>
-                      <a:pt x="9271" y="1"/>
-                      <a:pt x="11960" y="2653"/>
-                      <a:pt x="11960" y="5980"/>
-                    </a:cubicBezTo>
-                    <a:cubicBezTo>
-                      <a:pt x="11960" y="9271"/>
-                      <a:pt x="9271" y="11931"/>
-                      <a:pt x="5980" y="11931"/>
-                    </a:cubicBezTo>
-                    <a:cubicBezTo>
-                      <a:pt x="2690" y="11931"/>
-                      <a:pt x="1" y="9271"/>
-                      <a:pt x="1" y="5980"/>
-                    </a:cubicBezTo>
-                    <a:cubicBezTo>
-                      <a:pt x="1" y="2653"/>
-                      <a:pt x="2690" y="1"/>
-                      <a:pt x="5980" y="1"/>
-                    </a:cubicBezTo>
-                    <a:close/>
-                  </a:path>
-                </a:pathLst>
-              </a:custGeom>
-              <a:noFill/>
-              <a:ln w="9525" cap="flat" cmpd="sng">
-                <a:solidFill>
-                  <a:schemeClr val="accent1"/>
-                </a:solidFill>
-                <a:prstDash val="solid"/>
-                <a:miter lim="7247"/>
-                <a:headEnd type="none" w="sm" len="sm"/>
-                <a:tailEnd type="none" w="sm" len="sm"/>
-              </a:ln>
-            </p:spPr>
-            <p:txBody>
-              <a:bodyPr spcFirstLastPara="1" wrap="square" lIns="91425" tIns="91425" rIns="91425" bIns="91425" anchor="ctr" anchorCtr="0">
-                <a:noAutofit/>
-              </a:bodyPr>
-              <a:lstStyle/>
-              <a:p>
-                <a:pPr marL="0" lvl="0" indent="0" algn="l" rtl="0">
-                  <a:spcBef>
-                    <a:spcPts val="0"/>
-                  </a:spcBef>
-                  <a:spcAft>
-                    <a:spcPts val="0"/>
-                  </a:spcAft>
-                  <a:buNone/>
-                </a:pPr>
-                <a:endParaRPr/>
-              </a:p>
-            </p:txBody>
-          </p:sp>
-        </p:grpSp>
-      </p:grpSp>
-    </p:spTree>
-  </p:cSld>
-  <p:clrMapOvr>
-    <a:masterClrMapping/>
-  </p:clrMapOvr>
-</p:sldLayout>
-</file>
-
-<file path=ppt/slideLayouts/slideLayout9.xml><?xml version="1.0" encoding="utf-8"?>
 <p:sldLayout xmlns:a="http://schemas.openxmlformats.org/drawingml/2006/main" xmlns:r="http://schemas.openxmlformats.org/officeDocument/2006/relationships" xmlns:p="http://schemas.openxmlformats.org/presentationml/2006/main" matchingName="Background">
   <p:cSld name="CUSTOM_9">
     <p:spTree>
@@ -14329,6 +12272,1034 @@
 </p:sldLayout>
 </file>
 
+<file path=ppt/slideLayouts/slideLayout9.xml><?xml version="1.0" encoding="utf-8"?>
+<p:sldLayout xmlns:a="http://schemas.openxmlformats.org/drawingml/2006/main" xmlns:r="http://schemas.openxmlformats.org/officeDocument/2006/relationships" xmlns:p="http://schemas.openxmlformats.org/presentationml/2006/main" matchingName="Background 1">
+  <p:cSld name="CUSTOM_9_1">
+    <p:spTree>
+      <p:nvGrpSpPr>
+        <p:cNvPr id="1" name="Shape 629"/>
+        <p:cNvGrpSpPr/>
+        <p:nvPr/>
+      </p:nvGrpSpPr>
+      <p:grpSpPr>
+        <a:xfrm>
+          <a:off x="0" y="0"/>
+          <a:ext cx="0" cy="0"/>
+          <a:chOff x="0" y="0"/>
+          <a:chExt cx="0" cy="0"/>
+        </a:xfrm>
+      </p:grpSpPr>
+      <p:grpSp>
+        <p:nvGrpSpPr>
+          <p:cNvPr id="630" name="Google Shape;630;p24"/>
+          <p:cNvGrpSpPr/>
+          <p:nvPr/>
+        </p:nvGrpSpPr>
+        <p:grpSpPr>
+          <a:xfrm>
+            <a:off x="248752" y="491529"/>
+            <a:ext cx="8669349" cy="4596267"/>
+            <a:chOff x="188277" y="445029"/>
+            <a:chExt cx="8669349" cy="4596267"/>
+          </a:xfrm>
+        </p:grpSpPr>
+        <p:sp>
+          <p:nvSpPr>
+            <p:cNvPr id="631" name="Google Shape;631;p24"/>
+            <p:cNvSpPr/>
+            <p:nvPr/>
+          </p:nvSpPr>
+          <p:spPr>
+            <a:xfrm rot="10800000">
+              <a:off x="8615635" y="684429"/>
+              <a:ext cx="43116" cy="474994"/>
+            </a:xfrm>
+            <a:custGeom>
+              <a:avLst/>
+              <a:gdLst/>
+              <a:ahLst/>
+              <a:cxnLst/>
+              <a:rect l="l" t="t" r="r" b="b"/>
+              <a:pathLst>
+                <a:path w="754" h="8307" fill="none" extrusionOk="0">
+                  <a:moveTo>
+                    <a:pt x="391" y="8307"/>
+                  </a:moveTo>
+                  <a:lnTo>
+                    <a:pt x="391" y="8307"/>
+                  </a:lnTo>
+                  <a:cubicBezTo>
+                    <a:pt x="181" y="8307"/>
+                    <a:pt x="0" y="8155"/>
+                    <a:pt x="0" y="7944"/>
+                  </a:cubicBezTo>
+                  <a:lnTo>
+                    <a:pt x="0" y="363"/>
+                  </a:lnTo>
+                  <a:cubicBezTo>
+                    <a:pt x="0" y="182"/>
+                    <a:pt x="181" y="1"/>
+                    <a:pt x="391" y="1"/>
+                  </a:cubicBezTo>
+                  <a:lnTo>
+                    <a:pt x="391" y="1"/>
+                  </a:lnTo>
+                  <a:cubicBezTo>
+                    <a:pt x="573" y="1"/>
+                    <a:pt x="754" y="182"/>
+                    <a:pt x="754" y="363"/>
+                  </a:cubicBezTo>
+                  <a:lnTo>
+                    <a:pt x="754" y="7944"/>
+                  </a:lnTo>
+                  <a:cubicBezTo>
+                    <a:pt x="754" y="8155"/>
+                    <a:pt x="573" y="8307"/>
+                    <a:pt x="391" y="8307"/>
+                  </a:cubicBezTo>
+                  <a:close/>
+                </a:path>
+              </a:pathLst>
+            </a:custGeom>
+            <a:noFill/>
+            <a:ln w="9525" cap="flat" cmpd="sng">
+              <a:solidFill>
+                <a:schemeClr val="lt1"/>
+              </a:solidFill>
+              <a:prstDash val="solid"/>
+              <a:miter lim="7247"/>
+              <a:headEnd type="none" w="sm" len="sm"/>
+              <a:tailEnd type="none" w="sm" len="sm"/>
+            </a:ln>
+          </p:spPr>
+          <p:txBody>
+            <a:bodyPr spcFirstLastPara="1" wrap="square" lIns="91425" tIns="91425" rIns="91425" bIns="91425" anchor="ctr" anchorCtr="0">
+              <a:noAutofit/>
+            </a:bodyPr>
+            <a:lstStyle/>
+            <a:p>
+              <a:pPr marL="0" lvl="0" indent="0" algn="l" rtl="0">
+                <a:spcBef>
+                  <a:spcPts val="0"/>
+                </a:spcBef>
+                <a:spcAft>
+                  <a:spcPts val="0"/>
+                </a:spcAft>
+                <a:buNone/>
+              </a:pPr>
+              <a:endParaRPr/>
+            </a:p>
+          </p:txBody>
+        </p:sp>
+        <p:sp>
+          <p:nvSpPr>
+            <p:cNvPr id="632" name="Google Shape;632;p24"/>
+            <p:cNvSpPr/>
+            <p:nvPr/>
+          </p:nvSpPr>
+          <p:spPr>
+            <a:xfrm rot="10800000">
+              <a:off x="8814510" y="445029"/>
+              <a:ext cx="43116" cy="474994"/>
+            </a:xfrm>
+            <a:custGeom>
+              <a:avLst/>
+              <a:gdLst/>
+              <a:ahLst/>
+              <a:cxnLst/>
+              <a:rect l="l" t="t" r="r" b="b"/>
+              <a:pathLst>
+                <a:path w="754" h="8307" fill="none" extrusionOk="0">
+                  <a:moveTo>
+                    <a:pt x="391" y="8307"/>
+                  </a:moveTo>
+                  <a:lnTo>
+                    <a:pt x="391" y="8307"/>
+                  </a:lnTo>
+                  <a:cubicBezTo>
+                    <a:pt x="181" y="8307"/>
+                    <a:pt x="0" y="8155"/>
+                    <a:pt x="0" y="7944"/>
+                  </a:cubicBezTo>
+                  <a:lnTo>
+                    <a:pt x="0" y="363"/>
+                  </a:lnTo>
+                  <a:cubicBezTo>
+                    <a:pt x="0" y="182"/>
+                    <a:pt x="181" y="1"/>
+                    <a:pt x="391" y="1"/>
+                  </a:cubicBezTo>
+                  <a:lnTo>
+                    <a:pt x="391" y="1"/>
+                  </a:lnTo>
+                  <a:cubicBezTo>
+                    <a:pt x="573" y="1"/>
+                    <a:pt x="754" y="182"/>
+                    <a:pt x="754" y="363"/>
+                  </a:cubicBezTo>
+                  <a:lnTo>
+                    <a:pt x="754" y="7944"/>
+                  </a:lnTo>
+                  <a:cubicBezTo>
+                    <a:pt x="754" y="8155"/>
+                    <a:pt x="573" y="8307"/>
+                    <a:pt x="391" y="8307"/>
+                  </a:cubicBezTo>
+                  <a:close/>
+                </a:path>
+              </a:pathLst>
+            </a:custGeom>
+            <a:noFill/>
+            <a:ln w="9525" cap="flat" cmpd="sng">
+              <a:solidFill>
+                <a:schemeClr val="accent1"/>
+              </a:solidFill>
+              <a:prstDash val="solid"/>
+              <a:miter lim="7247"/>
+              <a:headEnd type="none" w="sm" len="sm"/>
+              <a:tailEnd type="none" w="sm" len="sm"/>
+            </a:ln>
+          </p:spPr>
+          <p:txBody>
+            <a:bodyPr spcFirstLastPara="1" wrap="square" lIns="91425" tIns="91425" rIns="91425" bIns="91425" anchor="ctr" anchorCtr="0">
+              <a:noAutofit/>
+            </a:bodyPr>
+            <a:lstStyle/>
+            <a:p>
+              <a:pPr marL="0" lvl="0" indent="0" algn="l" rtl="0">
+                <a:spcBef>
+                  <a:spcPts val="0"/>
+                </a:spcBef>
+                <a:spcAft>
+                  <a:spcPts val="0"/>
+                </a:spcAft>
+                <a:buNone/>
+              </a:pPr>
+              <a:endParaRPr/>
+            </a:p>
+          </p:txBody>
+        </p:sp>
+        <p:grpSp>
+          <p:nvGrpSpPr>
+            <p:cNvPr id="633" name="Google Shape;633;p24"/>
+            <p:cNvGrpSpPr/>
+            <p:nvPr/>
+          </p:nvGrpSpPr>
+          <p:grpSpPr>
+            <a:xfrm>
+              <a:off x="188277" y="4275152"/>
+              <a:ext cx="206891" cy="766144"/>
+              <a:chOff x="8650702" y="3525402"/>
+              <a:chExt cx="206891" cy="766144"/>
+            </a:xfrm>
+          </p:grpSpPr>
+          <p:sp>
+            <p:nvSpPr>
+              <p:cNvPr id="634" name="Google Shape;634;p24"/>
+              <p:cNvSpPr/>
+              <p:nvPr/>
+            </p:nvSpPr>
+            <p:spPr>
+              <a:xfrm rot="10800000">
+                <a:off x="8650702" y="3525402"/>
+                <a:ext cx="43116" cy="474994"/>
+              </a:xfrm>
+              <a:custGeom>
+                <a:avLst/>
+                <a:gdLst/>
+                <a:ahLst/>
+                <a:cxnLst/>
+                <a:rect l="l" t="t" r="r" b="b"/>
+                <a:pathLst>
+                  <a:path w="754" h="8307" fill="none" extrusionOk="0">
+                    <a:moveTo>
+                      <a:pt x="391" y="8307"/>
+                    </a:moveTo>
+                    <a:lnTo>
+                      <a:pt x="391" y="8307"/>
+                    </a:lnTo>
+                    <a:cubicBezTo>
+                      <a:pt x="181" y="8307"/>
+                      <a:pt x="0" y="8155"/>
+                      <a:pt x="0" y="7944"/>
+                    </a:cubicBezTo>
+                    <a:lnTo>
+                      <a:pt x="0" y="363"/>
+                    </a:lnTo>
+                    <a:cubicBezTo>
+                      <a:pt x="0" y="182"/>
+                      <a:pt x="181" y="1"/>
+                      <a:pt x="391" y="1"/>
+                    </a:cubicBezTo>
+                    <a:lnTo>
+                      <a:pt x="391" y="1"/>
+                    </a:lnTo>
+                    <a:cubicBezTo>
+                      <a:pt x="573" y="1"/>
+                      <a:pt x="754" y="182"/>
+                      <a:pt x="754" y="363"/>
+                    </a:cubicBezTo>
+                    <a:lnTo>
+                      <a:pt x="754" y="7944"/>
+                    </a:lnTo>
+                    <a:cubicBezTo>
+                      <a:pt x="754" y="8155"/>
+                      <a:pt x="573" y="8307"/>
+                      <a:pt x="391" y="8307"/>
+                    </a:cubicBezTo>
+                    <a:close/>
+                  </a:path>
+                </a:pathLst>
+              </a:custGeom>
+              <a:noFill/>
+              <a:ln w="9525" cap="flat" cmpd="sng">
+                <a:solidFill>
+                  <a:schemeClr val="lt1"/>
+                </a:solidFill>
+                <a:prstDash val="solid"/>
+                <a:miter lim="7247"/>
+                <a:headEnd type="none" w="sm" len="sm"/>
+                <a:tailEnd type="none" w="sm" len="sm"/>
+              </a:ln>
+            </p:spPr>
+            <p:txBody>
+              <a:bodyPr spcFirstLastPara="1" wrap="square" lIns="91425" tIns="91425" rIns="91425" bIns="91425" anchor="ctr" anchorCtr="0">
+                <a:noAutofit/>
+              </a:bodyPr>
+              <a:lstStyle/>
+              <a:p>
+                <a:pPr marL="0" lvl="0" indent="0" algn="l" rtl="0">
+                  <a:spcBef>
+                    <a:spcPts val="0"/>
+                  </a:spcBef>
+                  <a:spcAft>
+                    <a:spcPts val="0"/>
+                  </a:spcAft>
+                  <a:buNone/>
+                </a:pPr>
+                <a:endParaRPr/>
+              </a:p>
+            </p:txBody>
+          </p:sp>
+          <p:sp>
+            <p:nvSpPr>
+              <p:cNvPr id="635" name="Google Shape;635;p24"/>
+              <p:cNvSpPr/>
+              <p:nvPr/>
+            </p:nvSpPr>
+            <p:spPr>
+              <a:xfrm rot="10800000">
+                <a:off x="8814477" y="3816552"/>
+                <a:ext cx="43116" cy="474994"/>
+              </a:xfrm>
+              <a:custGeom>
+                <a:avLst/>
+                <a:gdLst/>
+                <a:ahLst/>
+                <a:cxnLst/>
+                <a:rect l="l" t="t" r="r" b="b"/>
+                <a:pathLst>
+                  <a:path w="754" h="8307" fill="none" extrusionOk="0">
+                    <a:moveTo>
+                      <a:pt x="391" y="8307"/>
+                    </a:moveTo>
+                    <a:lnTo>
+                      <a:pt x="391" y="8307"/>
+                    </a:lnTo>
+                    <a:cubicBezTo>
+                      <a:pt x="181" y="8307"/>
+                      <a:pt x="0" y="8155"/>
+                      <a:pt x="0" y="7944"/>
+                    </a:cubicBezTo>
+                    <a:lnTo>
+                      <a:pt x="0" y="363"/>
+                    </a:lnTo>
+                    <a:cubicBezTo>
+                      <a:pt x="0" y="182"/>
+                      <a:pt x="181" y="1"/>
+                      <a:pt x="391" y="1"/>
+                    </a:cubicBezTo>
+                    <a:lnTo>
+                      <a:pt x="391" y="1"/>
+                    </a:lnTo>
+                    <a:cubicBezTo>
+                      <a:pt x="573" y="1"/>
+                      <a:pt x="754" y="182"/>
+                      <a:pt x="754" y="363"/>
+                    </a:cubicBezTo>
+                    <a:lnTo>
+                      <a:pt x="754" y="7944"/>
+                    </a:lnTo>
+                    <a:cubicBezTo>
+                      <a:pt x="754" y="8155"/>
+                      <a:pt x="573" y="8307"/>
+                      <a:pt x="391" y="8307"/>
+                    </a:cubicBezTo>
+                    <a:close/>
+                  </a:path>
+                </a:pathLst>
+              </a:custGeom>
+              <a:noFill/>
+              <a:ln w="9525" cap="flat" cmpd="sng">
+                <a:solidFill>
+                  <a:schemeClr val="accent1"/>
+                </a:solidFill>
+                <a:prstDash val="solid"/>
+                <a:miter lim="7247"/>
+                <a:headEnd type="none" w="sm" len="sm"/>
+                <a:tailEnd type="none" w="sm" len="sm"/>
+              </a:ln>
+            </p:spPr>
+            <p:txBody>
+              <a:bodyPr spcFirstLastPara="1" wrap="square" lIns="91425" tIns="91425" rIns="91425" bIns="91425" anchor="ctr" anchorCtr="0">
+                <a:noAutofit/>
+              </a:bodyPr>
+              <a:lstStyle/>
+              <a:p>
+                <a:pPr marL="0" lvl="0" indent="0" algn="l" rtl="0">
+                  <a:spcBef>
+                    <a:spcPts val="0"/>
+                  </a:spcBef>
+                  <a:spcAft>
+                    <a:spcPts val="0"/>
+                  </a:spcAft>
+                  <a:buNone/>
+                </a:pPr>
+                <a:endParaRPr/>
+              </a:p>
+            </p:txBody>
+          </p:sp>
+        </p:grpSp>
+      </p:grpSp>
+      <p:grpSp>
+        <p:nvGrpSpPr>
+          <p:cNvPr id="636" name="Google Shape;636;p24"/>
+          <p:cNvGrpSpPr/>
+          <p:nvPr/>
+        </p:nvGrpSpPr>
+        <p:grpSpPr>
+          <a:xfrm>
+            <a:off x="315625" y="1279781"/>
+            <a:ext cx="8602485" cy="1562434"/>
+            <a:chOff x="174750" y="1380581"/>
+            <a:chExt cx="8602485" cy="1562434"/>
+          </a:xfrm>
+        </p:grpSpPr>
+        <p:sp>
+          <p:nvSpPr>
+            <p:cNvPr id="637" name="Google Shape;637;p24"/>
+            <p:cNvSpPr/>
+            <p:nvPr/>
+          </p:nvSpPr>
+          <p:spPr>
+            <a:xfrm rot="10800000">
+              <a:off x="8737179" y="1380581"/>
+              <a:ext cx="40056" cy="440880"/>
+            </a:xfrm>
+            <a:custGeom>
+              <a:avLst/>
+              <a:gdLst/>
+              <a:ahLst/>
+              <a:cxnLst/>
+              <a:rect l="l" t="t" r="r" b="b"/>
+              <a:pathLst>
+                <a:path w="1146" h="12620" extrusionOk="0">
+                  <a:moveTo>
+                    <a:pt x="573" y="1"/>
+                  </a:moveTo>
+                  <a:cubicBezTo>
+                    <a:pt x="240" y="1"/>
+                    <a:pt x="1" y="240"/>
+                    <a:pt x="1" y="573"/>
+                  </a:cubicBezTo>
+                  <a:lnTo>
+                    <a:pt x="1" y="12046"/>
+                  </a:lnTo>
+                  <a:cubicBezTo>
+                    <a:pt x="1" y="12351"/>
+                    <a:pt x="240" y="12619"/>
+                    <a:pt x="573" y="12619"/>
+                  </a:cubicBezTo>
+                  <a:cubicBezTo>
+                    <a:pt x="878" y="12619"/>
+                    <a:pt x="1146" y="12351"/>
+                    <a:pt x="1146" y="12046"/>
+                  </a:cubicBezTo>
+                  <a:lnTo>
+                    <a:pt x="1146" y="573"/>
+                  </a:lnTo>
+                  <a:cubicBezTo>
+                    <a:pt x="1146" y="240"/>
+                    <a:pt x="878" y="1"/>
+                    <a:pt x="573" y="1"/>
+                  </a:cubicBezTo>
+                  <a:close/>
+                </a:path>
+              </a:pathLst>
+            </a:custGeom>
+            <a:solidFill>
+              <a:schemeClr val="accent2"/>
+            </a:solidFill>
+            <a:ln>
+              <a:noFill/>
+            </a:ln>
+          </p:spPr>
+          <p:txBody>
+            <a:bodyPr spcFirstLastPara="1" wrap="square" lIns="91425" tIns="91425" rIns="91425" bIns="91425" anchor="ctr" anchorCtr="0">
+              <a:noAutofit/>
+            </a:bodyPr>
+            <a:lstStyle/>
+            <a:p>
+              <a:pPr marL="0" lvl="0" indent="0" algn="l" rtl="0">
+                <a:spcBef>
+                  <a:spcPts val="0"/>
+                </a:spcBef>
+                <a:spcAft>
+                  <a:spcPts val="0"/>
+                </a:spcAft>
+                <a:buNone/>
+              </a:pPr>
+              <a:endParaRPr/>
+            </a:p>
+          </p:txBody>
+        </p:sp>
+        <p:sp>
+          <p:nvSpPr>
+            <p:cNvPr id="638" name="Google Shape;638;p24"/>
+            <p:cNvSpPr/>
+            <p:nvPr/>
+          </p:nvSpPr>
+          <p:spPr>
+            <a:xfrm rot="10800000">
+              <a:off x="174750" y="2502136"/>
+              <a:ext cx="40056" cy="440880"/>
+            </a:xfrm>
+            <a:custGeom>
+              <a:avLst/>
+              <a:gdLst/>
+              <a:ahLst/>
+              <a:cxnLst/>
+              <a:rect l="l" t="t" r="r" b="b"/>
+              <a:pathLst>
+                <a:path w="1146" h="12620" extrusionOk="0">
+                  <a:moveTo>
+                    <a:pt x="573" y="1"/>
+                  </a:moveTo>
+                  <a:cubicBezTo>
+                    <a:pt x="240" y="1"/>
+                    <a:pt x="1" y="240"/>
+                    <a:pt x="1" y="573"/>
+                  </a:cubicBezTo>
+                  <a:lnTo>
+                    <a:pt x="1" y="12046"/>
+                  </a:lnTo>
+                  <a:cubicBezTo>
+                    <a:pt x="1" y="12351"/>
+                    <a:pt x="240" y="12619"/>
+                    <a:pt x="573" y="12619"/>
+                  </a:cubicBezTo>
+                  <a:cubicBezTo>
+                    <a:pt x="878" y="12619"/>
+                    <a:pt x="1146" y="12351"/>
+                    <a:pt x="1146" y="12046"/>
+                  </a:cubicBezTo>
+                  <a:lnTo>
+                    <a:pt x="1146" y="573"/>
+                  </a:lnTo>
+                  <a:cubicBezTo>
+                    <a:pt x="1146" y="240"/>
+                    <a:pt x="878" y="1"/>
+                    <a:pt x="573" y="1"/>
+                  </a:cubicBezTo>
+                  <a:close/>
+                </a:path>
+              </a:pathLst>
+            </a:custGeom>
+            <a:solidFill>
+              <a:schemeClr val="accent2"/>
+            </a:solidFill>
+            <a:ln>
+              <a:noFill/>
+            </a:ln>
+          </p:spPr>
+          <p:txBody>
+            <a:bodyPr spcFirstLastPara="1" wrap="square" lIns="91425" tIns="91425" rIns="91425" bIns="91425" anchor="ctr" anchorCtr="0">
+              <a:noAutofit/>
+            </a:bodyPr>
+            <a:lstStyle/>
+            <a:p>
+              <a:pPr marL="0" lvl="0" indent="0" algn="l" rtl="0">
+                <a:spcBef>
+                  <a:spcPts val="0"/>
+                </a:spcBef>
+                <a:spcAft>
+                  <a:spcPts val="0"/>
+                </a:spcAft>
+                <a:buNone/>
+              </a:pPr>
+              <a:endParaRPr/>
+            </a:p>
+          </p:txBody>
+        </p:sp>
+      </p:grpSp>
+      <p:grpSp>
+        <p:nvGrpSpPr>
+          <p:cNvPr id="639" name="Google Shape;639;p24"/>
+          <p:cNvGrpSpPr/>
+          <p:nvPr/>
+        </p:nvGrpSpPr>
+        <p:grpSpPr>
+          <a:xfrm>
+            <a:off x="355673" y="-567309"/>
+            <a:ext cx="8751502" cy="5946659"/>
+            <a:chOff x="251623" y="-534009"/>
+            <a:chExt cx="8751502" cy="5946659"/>
+          </a:xfrm>
+        </p:grpSpPr>
+        <p:grpSp>
+          <p:nvGrpSpPr>
+            <p:cNvPr id="640" name="Google Shape;640;p24"/>
+            <p:cNvGrpSpPr/>
+            <p:nvPr/>
+          </p:nvGrpSpPr>
+          <p:grpSpPr>
+            <a:xfrm rot="10800000">
+              <a:off x="251623" y="3645746"/>
+              <a:ext cx="493321" cy="357312"/>
+              <a:chOff x="1722354" y="229144"/>
+              <a:chExt cx="1748744" cy="1266614"/>
+            </a:xfrm>
+          </p:grpSpPr>
+          <p:sp>
+            <p:nvSpPr>
+              <p:cNvPr id="641" name="Google Shape;641;p24"/>
+              <p:cNvSpPr/>
+              <p:nvPr/>
+            </p:nvSpPr>
+            <p:spPr>
+              <a:xfrm rot="10800000">
+                <a:off x="2239107" y="792406"/>
+                <a:ext cx="1231990" cy="703352"/>
+              </a:xfrm>
+              <a:custGeom>
+                <a:avLst/>
+                <a:gdLst/>
+                <a:ahLst/>
+                <a:cxnLst/>
+                <a:rect l="l" t="t" r="r" b="b"/>
+                <a:pathLst>
+                  <a:path w="4864" h="2777" fill="none" extrusionOk="0">
+                    <a:moveTo>
+                      <a:pt x="4863" y="2776"/>
+                    </a:moveTo>
+                    <a:lnTo>
+                      <a:pt x="2051" y="0"/>
+                    </a:lnTo>
+                    <a:lnTo>
+                      <a:pt x="0" y="0"/>
+                    </a:lnTo>
+                  </a:path>
+                </a:pathLst>
+              </a:custGeom>
+              <a:noFill/>
+              <a:ln w="9525" cap="rnd" cmpd="sng">
+                <a:solidFill>
+                  <a:schemeClr val="lt1"/>
+                </a:solidFill>
+                <a:prstDash val="solid"/>
+                <a:round/>
+                <a:headEnd type="none" w="sm" len="sm"/>
+                <a:tailEnd type="none" w="sm" len="sm"/>
+              </a:ln>
+            </p:spPr>
+            <p:txBody>
+              <a:bodyPr spcFirstLastPara="1" wrap="square" lIns="91425" tIns="91425" rIns="91425" bIns="91425" anchor="ctr" anchorCtr="0">
+                <a:noAutofit/>
+              </a:bodyPr>
+              <a:lstStyle/>
+              <a:p>
+                <a:pPr marL="0" lvl="0" indent="0" algn="l" rtl="0">
+                  <a:spcBef>
+                    <a:spcPts val="0"/>
+                  </a:spcBef>
+                  <a:spcAft>
+                    <a:spcPts val="0"/>
+                  </a:spcAft>
+                  <a:buNone/>
+                </a:pPr>
+                <a:endParaRPr/>
+              </a:p>
+            </p:txBody>
+          </p:sp>
+          <p:sp>
+            <p:nvSpPr>
+              <p:cNvPr id="642" name="Google Shape;642;p24"/>
+              <p:cNvSpPr/>
+              <p:nvPr/>
+            </p:nvSpPr>
+            <p:spPr>
+              <a:xfrm rot="10800000">
+                <a:off x="1722354" y="229144"/>
+                <a:ext cx="627506" cy="620727"/>
+              </a:xfrm>
+              <a:custGeom>
+                <a:avLst/>
+                <a:gdLst/>
+                <a:ahLst/>
+                <a:cxnLst/>
+                <a:rect l="l" t="t" r="r" b="b"/>
+                <a:pathLst>
+                  <a:path w="2748" h="2719" fill="none" extrusionOk="0">
+                    <a:moveTo>
+                      <a:pt x="2748" y="1363"/>
+                    </a:moveTo>
+                    <a:cubicBezTo>
+                      <a:pt x="2748" y="2117"/>
+                      <a:pt x="2117" y="2718"/>
+                      <a:pt x="1392" y="2718"/>
+                    </a:cubicBezTo>
+                    <a:cubicBezTo>
+                      <a:pt x="638" y="2718"/>
+                      <a:pt x="1" y="2117"/>
+                      <a:pt x="1" y="1363"/>
+                    </a:cubicBezTo>
+                    <a:cubicBezTo>
+                      <a:pt x="1" y="609"/>
+                      <a:pt x="638" y="0"/>
+                      <a:pt x="1392" y="0"/>
+                    </a:cubicBezTo>
+                    <a:cubicBezTo>
+                      <a:pt x="2117" y="0"/>
+                      <a:pt x="2748" y="609"/>
+                      <a:pt x="2748" y="1363"/>
+                    </a:cubicBezTo>
+                    <a:close/>
+                  </a:path>
+                </a:pathLst>
+              </a:custGeom>
+              <a:noFill/>
+              <a:ln w="9525" cap="flat" cmpd="sng">
+                <a:solidFill>
+                  <a:schemeClr val="lt1"/>
+                </a:solidFill>
+                <a:prstDash val="solid"/>
+                <a:miter lim="7247"/>
+                <a:headEnd type="none" w="sm" len="sm"/>
+                <a:tailEnd type="none" w="sm" len="sm"/>
+              </a:ln>
+            </p:spPr>
+            <p:txBody>
+              <a:bodyPr spcFirstLastPara="1" wrap="square" lIns="91425" tIns="91425" rIns="91425" bIns="91425" anchor="ctr" anchorCtr="0">
+                <a:noAutofit/>
+              </a:bodyPr>
+              <a:lstStyle/>
+              <a:p>
+                <a:pPr marL="0" lvl="0" indent="0" algn="l" rtl="0">
+                  <a:spcBef>
+                    <a:spcPts val="0"/>
+                  </a:spcBef>
+                  <a:spcAft>
+                    <a:spcPts val="0"/>
+                  </a:spcAft>
+                  <a:buNone/>
+                </a:pPr>
+                <a:endParaRPr/>
+              </a:p>
+            </p:txBody>
+          </p:sp>
+        </p:grpSp>
+        <p:grpSp>
+          <p:nvGrpSpPr>
+            <p:cNvPr id="643" name="Google Shape;643;p24"/>
+            <p:cNvGrpSpPr/>
+            <p:nvPr/>
+          </p:nvGrpSpPr>
+          <p:grpSpPr>
+            <a:xfrm rot="5400000" flipH="1">
+              <a:off x="7247712" y="-188135"/>
+              <a:ext cx="965258" cy="273510"/>
+              <a:chOff x="-6675" y="2881558"/>
+              <a:chExt cx="9140700" cy="2059567"/>
+            </a:xfrm>
+          </p:grpSpPr>
+          <p:cxnSp>
+            <p:nvCxnSpPr>
+              <p:cNvPr id="644" name="Google Shape;644;p24"/>
+              <p:cNvCxnSpPr/>
+              <p:nvPr/>
+            </p:nvCxnSpPr>
+            <p:spPr>
+              <a:xfrm>
+                <a:off x="-6675" y="2881558"/>
+                <a:ext cx="9140700" cy="0"/>
+              </a:xfrm>
+              <a:prstGeom prst="straightConnector1">
+                <a:avLst/>
+              </a:prstGeom>
+              <a:noFill/>
+              <a:ln w="9525" cap="flat" cmpd="sng">
+                <a:solidFill>
+                  <a:schemeClr val="accent1"/>
+                </a:solidFill>
+                <a:prstDash val="solid"/>
+                <a:round/>
+                <a:headEnd type="none" w="med" len="med"/>
+                <a:tailEnd type="none" w="med" len="med"/>
+              </a:ln>
+            </p:spPr>
+          </p:cxnSp>
+          <p:cxnSp>
+            <p:nvCxnSpPr>
+              <p:cNvPr id="645" name="Google Shape;645;p24"/>
+              <p:cNvCxnSpPr/>
+              <p:nvPr/>
+            </p:nvCxnSpPr>
+            <p:spPr>
+              <a:xfrm>
+                <a:off x="-6675" y="3396450"/>
+                <a:ext cx="9140700" cy="0"/>
+              </a:xfrm>
+              <a:prstGeom prst="straightConnector1">
+                <a:avLst/>
+              </a:prstGeom>
+              <a:noFill/>
+              <a:ln w="9525" cap="flat" cmpd="sng">
+                <a:solidFill>
+                  <a:schemeClr val="accent1"/>
+                </a:solidFill>
+                <a:prstDash val="solid"/>
+                <a:round/>
+                <a:headEnd type="none" w="med" len="med"/>
+                <a:tailEnd type="none" w="med" len="med"/>
+              </a:ln>
+            </p:spPr>
+          </p:cxnSp>
+          <p:cxnSp>
+            <p:nvCxnSpPr>
+              <p:cNvPr id="646" name="Google Shape;646;p24"/>
+              <p:cNvCxnSpPr/>
+              <p:nvPr/>
+            </p:nvCxnSpPr>
+            <p:spPr>
+              <a:xfrm>
+                <a:off x="-6675" y="3911342"/>
+                <a:ext cx="9140700" cy="0"/>
+              </a:xfrm>
+              <a:prstGeom prst="straightConnector1">
+                <a:avLst/>
+              </a:prstGeom>
+              <a:noFill/>
+              <a:ln w="9525" cap="flat" cmpd="sng">
+                <a:solidFill>
+                  <a:schemeClr val="accent1"/>
+                </a:solidFill>
+                <a:prstDash val="solid"/>
+                <a:round/>
+                <a:headEnd type="none" w="med" len="med"/>
+                <a:tailEnd type="none" w="med" len="med"/>
+              </a:ln>
+            </p:spPr>
+          </p:cxnSp>
+          <p:cxnSp>
+            <p:nvCxnSpPr>
+              <p:cNvPr id="647" name="Google Shape;647;p24"/>
+              <p:cNvCxnSpPr/>
+              <p:nvPr/>
+            </p:nvCxnSpPr>
+            <p:spPr>
+              <a:xfrm>
+                <a:off x="-6675" y="4426233"/>
+                <a:ext cx="9140700" cy="0"/>
+              </a:xfrm>
+              <a:prstGeom prst="straightConnector1">
+                <a:avLst/>
+              </a:prstGeom>
+              <a:noFill/>
+              <a:ln w="9525" cap="flat" cmpd="sng">
+                <a:solidFill>
+                  <a:schemeClr val="accent1"/>
+                </a:solidFill>
+                <a:prstDash val="solid"/>
+                <a:round/>
+                <a:headEnd type="none" w="med" len="med"/>
+                <a:tailEnd type="none" w="med" len="med"/>
+              </a:ln>
+            </p:spPr>
+          </p:cxnSp>
+          <p:cxnSp>
+            <p:nvCxnSpPr>
+              <p:cNvPr id="648" name="Google Shape;648;p24"/>
+              <p:cNvCxnSpPr/>
+              <p:nvPr/>
+            </p:nvCxnSpPr>
+            <p:spPr>
+              <a:xfrm>
+                <a:off x="-6675" y="4941125"/>
+                <a:ext cx="9140700" cy="0"/>
+              </a:xfrm>
+              <a:prstGeom prst="straightConnector1">
+                <a:avLst/>
+              </a:prstGeom>
+              <a:noFill/>
+              <a:ln w="9525" cap="flat" cmpd="sng">
+                <a:solidFill>
+                  <a:schemeClr val="accent1"/>
+                </a:solidFill>
+                <a:prstDash val="solid"/>
+                <a:round/>
+                <a:headEnd type="none" w="med" len="med"/>
+                <a:tailEnd type="none" w="med" len="med"/>
+              </a:ln>
+            </p:spPr>
+          </p:cxnSp>
+        </p:grpSp>
+        <p:sp>
+          <p:nvSpPr>
+            <p:cNvPr id="649" name="Google Shape;649;p24"/>
+            <p:cNvSpPr/>
+            <p:nvPr/>
+          </p:nvSpPr>
+          <p:spPr>
+            <a:xfrm>
+              <a:off x="5746750" y="-57000"/>
+              <a:ext cx="3256375" cy="488250"/>
+            </a:xfrm>
+            <a:custGeom>
+              <a:avLst/>
+              <a:gdLst/>
+              <a:ahLst/>
+              <a:cxnLst/>
+              <a:rect l="l" t="t" r="r" b="b"/>
+              <a:pathLst>
+                <a:path w="130255" h="19530" extrusionOk="0">
+                  <a:moveTo>
+                    <a:pt x="0" y="0"/>
+                  </a:moveTo>
+                  <a:lnTo>
+                    <a:pt x="19531" y="19530"/>
+                  </a:lnTo>
+                  <a:lnTo>
+                    <a:pt x="93650" y="19530"/>
+                  </a:lnTo>
+                  <a:lnTo>
+                    <a:pt x="102323" y="10857"/>
+                  </a:lnTo>
+                  <a:lnTo>
+                    <a:pt x="121066" y="10857"/>
+                  </a:lnTo>
+                  <a:lnTo>
+                    <a:pt x="130255" y="1668"/>
+                  </a:lnTo>
+                </a:path>
+              </a:pathLst>
+            </a:custGeom>
+            <a:noFill/>
+            <a:ln w="9525" cap="flat" cmpd="sng">
+              <a:solidFill>
+                <a:schemeClr val="accent1"/>
+              </a:solidFill>
+              <a:prstDash val="solid"/>
+              <a:round/>
+              <a:headEnd type="none" w="med" len="med"/>
+              <a:tailEnd type="none" w="med" len="med"/>
+            </a:ln>
+          </p:spPr>
+        </p:sp>
+        <p:sp>
+          <p:nvSpPr>
+            <p:cNvPr id="650" name="Google Shape;650;p24"/>
+            <p:cNvSpPr/>
+            <p:nvPr/>
+          </p:nvSpPr>
+          <p:spPr>
+            <a:xfrm>
+              <a:off x="260200" y="3089575"/>
+              <a:ext cx="476150" cy="2323075"/>
+            </a:xfrm>
+            <a:custGeom>
+              <a:avLst/>
+              <a:gdLst/>
+              <a:ahLst/>
+              <a:cxnLst/>
+              <a:rect l="l" t="t" r="r" b="b"/>
+              <a:pathLst>
+                <a:path w="19046" h="92923" extrusionOk="0">
+                  <a:moveTo>
+                    <a:pt x="0" y="0"/>
+                  </a:moveTo>
+                  <a:lnTo>
+                    <a:pt x="0" y="36635"/>
+                  </a:lnTo>
+                  <a:lnTo>
+                    <a:pt x="19046" y="55681"/>
+                  </a:lnTo>
+                  <a:lnTo>
+                    <a:pt x="19046" y="92923"/>
+                  </a:lnTo>
+                </a:path>
+              </a:pathLst>
+            </a:custGeom>
+            <a:noFill/>
+            <a:ln w="9525" cap="flat" cmpd="sng">
+              <a:solidFill>
+                <a:schemeClr val="accent1"/>
+              </a:solidFill>
+              <a:prstDash val="solid"/>
+              <a:round/>
+              <a:headEnd type="none" w="med" len="med"/>
+              <a:tailEnd type="none" w="med" len="med"/>
+            </a:ln>
+          </p:spPr>
+        </p:sp>
+      </p:grpSp>
+      <p:sp>
+        <p:nvSpPr>
+          <p:cNvPr id="651" name="Google Shape;651;p24"/>
+          <p:cNvSpPr/>
+          <p:nvPr/>
+        </p:nvSpPr>
+        <p:spPr>
+          <a:xfrm rot="-5400000">
+            <a:off x="507335" y="632747"/>
+            <a:ext cx="228075" cy="197250"/>
+          </a:xfrm>
+          <a:prstGeom prst="flowChartMerge">
+            <a:avLst/>
+          </a:prstGeom>
+          <a:solidFill>
+            <a:schemeClr val="lt1"/>
+          </a:solidFill>
+          <a:ln>
+            <a:noFill/>
+          </a:ln>
+        </p:spPr>
+        <p:txBody>
+          <a:bodyPr spcFirstLastPara="1" wrap="square" lIns="91425" tIns="91425" rIns="91425" bIns="91425" anchor="ctr" anchorCtr="0">
+            <a:noAutofit/>
+          </a:bodyPr>
+          <a:lstStyle/>
+          <a:p>
+            <a:pPr marL="0" lvl="0" indent="0" algn="l" rtl="0">
+              <a:spcBef>
+                <a:spcPts val="0"/>
+              </a:spcBef>
+              <a:spcAft>
+                <a:spcPts val="0"/>
+              </a:spcAft>
+              <a:buNone/>
+            </a:pPr>
+            <a:endParaRPr/>
+          </a:p>
+        </p:txBody>
+      </p:sp>
+    </p:spTree>
+  </p:cSld>
+  <p:clrMapOvr>
+    <a:masterClrMapping/>
+  </p:clrMapOvr>
+</p:sldLayout>
+</file>
+
 <file path=ppt/slideMasters/slideMaster1.xml><?xml version="1.0" encoding="utf-8"?>
 <p:sldMaster xmlns:a="http://schemas.openxmlformats.org/drawingml/2006/main" xmlns:r="http://schemas.openxmlformats.org/officeDocument/2006/relationships" xmlns:p="http://schemas.openxmlformats.org/presentationml/2006/main">
   <p:cSld name="simple-light-2">
@@ -14874,9 +13845,8 @@
     <p:sldLayoutId id="2147483655" r:id="rId5"/>
     <p:sldLayoutId id="2147483656" r:id="rId6"/>
     <p:sldLayoutId id="2147483658" r:id="rId7"/>
-    <p:sldLayoutId id="2147483668" r:id="rId8"/>
-    <p:sldLayoutId id="2147483669" r:id="rId9"/>
-    <p:sldLayoutId id="2147483670" r:id="rId10"/>
+    <p:sldLayoutId id="2147483669" r:id="rId8"/>
+    <p:sldLayoutId id="2147483670" r:id="rId9"/>
   </p:sldLayoutIdLst>
   <p:hf hdr="0" ftr="0" dt="0"/>
   <p:txStyles>
@@ -16830,2676 +15800,6 @@
           </a:p>
         </p:txBody>
       </p:sp>
-    </p:spTree>
-  </p:cSld>
-  <p:clrMapOvr>
-    <a:masterClrMapping/>
-  </p:clrMapOvr>
-</p:sld>
-</file>
-
-<file path=ppt/slides/slide10.xml><?xml version="1.0" encoding="utf-8"?>
-<p:sld xmlns:a="http://schemas.openxmlformats.org/drawingml/2006/main" xmlns:r="http://schemas.openxmlformats.org/officeDocument/2006/relationships" xmlns:p="http://schemas.openxmlformats.org/presentationml/2006/main">
-  <p:cSld>
-    <p:spTree>
-      <p:nvGrpSpPr>
-        <p:cNvPr id="1" name="Shape 1204"/>
-        <p:cNvGrpSpPr/>
-        <p:nvPr/>
-      </p:nvGrpSpPr>
-      <p:grpSpPr>
-        <a:xfrm>
-          <a:off x="0" y="0"/>
-          <a:ext cx="0" cy="0"/>
-          <a:chOff x="0" y="0"/>
-          <a:chExt cx="0" cy="0"/>
-        </a:xfrm>
-      </p:grpSpPr>
-      <p:sp>
-        <p:nvSpPr>
-          <p:cNvPr id="1205" name="Google Shape;1205;p47"/>
-          <p:cNvSpPr txBox="1">
-            <a:spLocks noGrp="1"/>
-          </p:cNvSpPr>
-          <p:nvPr>
-            <p:ph type="title"/>
-          </p:nvPr>
-        </p:nvSpPr>
-        <p:spPr>
-          <a:xfrm>
-            <a:off x="1098475" y="834600"/>
-            <a:ext cx="4448100" cy="970500"/>
-          </a:xfrm>
-          <a:prstGeom prst="rect">
-            <a:avLst/>
-          </a:prstGeom>
-        </p:spPr>
-        <p:txBody>
-          <a:bodyPr spcFirstLastPara="1" wrap="square" lIns="91425" tIns="91425" rIns="91425" bIns="91425" anchor="b" anchorCtr="0">
-            <a:noAutofit/>
-          </a:bodyPr>
-          <a:lstStyle/>
-          <a:p>
-            <a:pPr marL="0" lvl="0" indent="0" algn="l" rtl="0">
-              <a:spcBef>
-                <a:spcPts val="0"/>
-              </a:spcBef>
-              <a:spcAft>
-                <a:spcPts val="0"/>
-              </a:spcAft>
-              <a:buNone/>
-            </a:pPr>
-            <a:r>
-              <a:rPr lang="en" dirty="0"/>
-              <a:t>THANKS!</a:t>
-            </a:r>
-            <a:endParaRPr dirty="0"/>
-          </a:p>
-        </p:txBody>
-      </p:sp>
-      <p:sp>
-        <p:nvSpPr>
-          <p:cNvPr id="1206" name="Google Shape;1206;p47"/>
-          <p:cNvSpPr txBox="1">
-            <a:spLocks noGrp="1"/>
-          </p:cNvSpPr>
-          <p:nvPr>
-            <p:ph type="subTitle" idx="1"/>
-          </p:nvPr>
-        </p:nvSpPr>
-        <p:spPr>
-          <a:xfrm>
-            <a:off x="1098425" y="1805100"/>
-            <a:ext cx="4448100" cy="1058700"/>
-          </a:xfrm>
-          <a:prstGeom prst="rect">
-            <a:avLst/>
-          </a:prstGeom>
-        </p:spPr>
-        <p:txBody>
-          <a:bodyPr spcFirstLastPara="1" wrap="square" lIns="91425" tIns="91425" rIns="91425" bIns="91425" anchor="t" anchorCtr="0">
-            <a:noAutofit/>
-          </a:bodyPr>
-          <a:lstStyle/>
-          <a:p>
-            <a:pPr marL="0" lvl="0" indent="0" algn="l" rtl="0">
-              <a:spcBef>
-                <a:spcPts val="0"/>
-              </a:spcBef>
-              <a:spcAft>
-                <a:spcPts val="0"/>
-              </a:spcAft>
-              <a:buNone/>
-            </a:pPr>
-            <a:r>
-              <a:rPr lang="en" sz="1200" b="1" dirty="0"/>
-              <a:t>Do you have any questions?</a:t>
-            </a:r>
-            <a:endParaRPr sz="1200" b="1" dirty="0"/>
-          </a:p>
-          <a:p>
-            <a:pPr marL="0" lvl="0" indent="0" algn="l" rtl="0">
-              <a:spcBef>
-                <a:spcPts val="0"/>
-              </a:spcBef>
-              <a:spcAft>
-                <a:spcPts val="0"/>
-              </a:spcAft>
-              <a:buNone/>
-            </a:pPr>
-            <a:r>
-              <a:rPr lang="en" sz="1200" dirty="0"/>
-              <a:t>youreml@freepik.com</a:t>
-            </a:r>
-            <a:endParaRPr sz="1200" dirty="0"/>
-          </a:p>
-          <a:p>
-            <a:pPr marL="0" lvl="0" indent="0" algn="l" rtl="0">
-              <a:spcBef>
-                <a:spcPts val="0"/>
-              </a:spcBef>
-              <a:spcAft>
-                <a:spcPts val="0"/>
-              </a:spcAft>
-              <a:buNone/>
-            </a:pPr>
-            <a:r>
-              <a:rPr lang="en" sz="1200" dirty="0"/>
-              <a:t>+34 654 321 432</a:t>
-            </a:r>
-            <a:endParaRPr sz="1200" dirty="0"/>
-          </a:p>
-          <a:p>
-            <a:pPr marL="0" lvl="0" indent="0" algn="l" rtl="0">
-              <a:spcBef>
-                <a:spcPts val="0"/>
-              </a:spcBef>
-              <a:spcAft>
-                <a:spcPts val="0"/>
-              </a:spcAft>
-              <a:buNone/>
-            </a:pPr>
-            <a:r>
-              <a:rPr lang="en" sz="1200" dirty="0"/>
-              <a:t>yourwebsite.com</a:t>
-            </a:r>
-            <a:endParaRPr sz="1200" dirty="0"/>
-          </a:p>
-        </p:txBody>
-      </p:sp>
-      <p:sp>
-        <p:nvSpPr>
-          <p:cNvPr id="1207" name="Google Shape;1207;p47"/>
-          <p:cNvSpPr txBox="1"/>
-          <p:nvPr/>
-        </p:nvSpPr>
-        <p:spPr>
-          <a:xfrm>
-            <a:off x="1098425" y="4125850"/>
-            <a:ext cx="4151700" cy="260400"/>
-          </a:xfrm>
-          <a:prstGeom prst="rect">
-            <a:avLst/>
-          </a:prstGeom>
-          <a:noFill/>
-          <a:ln>
-            <a:noFill/>
-          </a:ln>
-        </p:spPr>
-        <p:txBody>
-          <a:bodyPr spcFirstLastPara="1" wrap="square" lIns="91425" tIns="91425" rIns="91425" bIns="91425" anchor="t" anchorCtr="0">
-            <a:noAutofit/>
-          </a:bodyPr>
-          <a:lstStyle/>
-          <a:p>
-            <a:pPr marL="0" lvl="0" indent="0" algn="l" rtl="0">
-              <a:spcBef>
-                <a:spcPts val="0"/>
-              </a:spcBef>
-              <a:spcAft>
-                <a:spcPts val="0"/>
-              </a:spcAft>
-              <a:buNone/>
-            </a:pPr>
-            <a:r>
-              <a:rPr lang="en" sz="1200">
-                <a:solidFill>
-                  <a:schemeClr val="dk1"/>
-                </a:solidFill>
-                <a:latin typeface="Hanken Grotesk"/>
-                <a:ea typeface="Hanken Grotesk"/>
-                <a:cs typeface="Hanken Grotesk"/>
-                <a:sym typeface="Hanken Grotesk"/>
-              </a:rPr>
-              <a:t>Please keep this slide for attribution</a:t>
-            </a:r>
-            <a:endParaRPr sz="1200">
-              <a:solidFill>
-                <a:schemeClr val="dk1"/>
-              </a:solidFill>
-              <a:latin typeface="Hanken Grotesk"/>
-              <a:ea typeface="Hanken Grotesk"/>
-              <a:cs typeface="Hanken Grotesk"/>
-              <a:sym typeface="Hanken Grotesk"/>
-            </a:endParaRPr>
-          </a:p>
-        </p:txBody>
-      </p:sp>
-      <p:sp>
-        <p:nvSpPr>
-          <p:cNvPr id="1208" name="Google Shape;1208;p47"/>
-          <p:cNvSpPr/>
-          <p:nvPr/>
-        </p:nvSpPr>
-        <p:spPr>
-          <a:xfrm rot="-5400000">
-            <a:off x="689075" y="1165334"/>
-            <a:ext cx="357300" cy="309016"/>
-          </a:xfrm>
-          <a:prstGeom prst="flowChartMerge">
-            <a:avLst/>
-          </a:prstGeom>
-          <a:solidFill>
-            <a:schemeClr val="lt1"/>
-          </a:solidFill>
-          <a:ln>
-            <a:noFill/>
-          </a:ln>
-        </p:spPr>
-        <p:txBody>
-          <a:bodyPr spcFirstLastPara="1" wrap="square" lIns="91425" tIns="91425" rIns="91425" bIns="91425" anchor="ctr" anchorCtr="0">
-            <a:noAutofit/>
-          </a:bodyPr>
-          <a:lstStyle/>
-          <a:p>
-            <a:pPr marL="0" lvl="0" indent="0" algn="l" rtl="0">
-              <a:spcBef>
-                <a:spcPts val="0"/>
-              </a:spcBef>
-              <a:spcAft>
-                <a:spcPts val="0"/>
-              </a:spcAft>
-              <a:buNone/>
-            </a:pPr>
-            <a:endParaRPr/>
-          </a:p>
-        </p:txBody>
-      </p:sp>
-      <p:grpSp>
-        <p:nvGrpSpPr>
-          <p:cNvPr id="1209" name="Google Shape;1209;p47"/>
-          <p:cNvGrpSpPr/>
-          <p:nvPr/>
-        </p:nvGrpSpPr>
-        <p:grpSpPr>
-          <a:xfrm rot="10800000">
-            <a:off x="7995518" y="3068895"/>
-            <a:ext cx="681217" cy="3360485"/>
-            <a:chOff x="1337800" y="-2525590"/>
-            <a:chExt cx="1498167" cy="7390555"/>
-          </a:xfrm>
-        </p:grpSpPr>
-        <p:cxnSp>
-          <p:nvCxnSpPr>
-            <p:cNvPr id="1210" name="Google Shape;1210;p47"/>
-            <p:cNvCxnSpPr/>
-            <p:nvPr/>
-          </p:nvCxnSpPr>
-          <p:spPr>
-            <a:xfrm rot="10800000">
-              <a:off x="1337800" y="-2525590"/>
-              <a:ext cx="0" cy="5870700"/>
-            </a:xfrm>
-            <a:prstGeom prst="straightConnector1">
-              <a:avLst/>
-            </a:prstGeom>
-            <a:noFill/>
-            <a:ln w="9525" cap="flat" cmpd="sng">
-              <a:solidFill>
-                <a:schemeClr val="accent2"/>
-              </a:solidFill>
-              <a:prstDash val="solid"/>
-              <a:round/>
-              <a:headEnd type="none" w="med" len="med"/>
-              <a:tailEnd type="none" w="med" len="med"/>
-            </a:ln>
-          </p:spPr>
-        </p:cxnSp>
-        <p:cxnSp>
-          <p:nvCxnSpPr>
-            <p:cNvPr id="1211" name="Google Shape;1211;p47"/>
-            <p:cNvCxnSpPr/>
-            <p:nvPr/>
-          </p:nvCxnSpPr>
-          <p:spPr>
-            <a:xfrm>
-              <a:off x="1337800" y="3347125"/>
-              <a:ext cx="1158600" cy="1141200"/>
-            </a:xfrm>
-            <a:prstGeom prst="straightConnector1">
-              <a:avLst/>
-            </a:prstGeom>
-            <a:noFill/>
-            <a:ln w="9525" cap="flat" cmpd="sng">
-              <a:solidFill>
-                <a:schemeClr val="accent2"/>
-              </a:solidFill>
-              <a:prstDash val="solid"/>
-              <a:round/>
-              <a:headEnd type="none" w="med" len="med"/>
-              <a:tailEnd type="none" w="med" len="med"/>
-            </a:ln>
-          </p:spPr>
-        </p:cxnSp>
-        <p:sp>
-          <p:nvSpPr>
-            <p:cNvPr id="1212" name="Google Shape;1212;p47"/>
-            <p:cNvSpPr/>
-            <p:nvPr/>
-          </p:nvSpPr>
-          <p:spPr>
-            <a:xfrm rot="5400000">
-              <a:off x="2412855" y="4441854"/>
-              <a:ext cx="425397" cy="420826"/>
-            </a:xfrm>
-            <a:custGeom>
-              <a:avLst/>
-              <a:gdLst/>
-              <a:ahLst/>
-              <a:cxnLst/>
-              <a:rect l="l" t="t" r="r" b="b"/>
-              <a:pathLst>
-                <a:path w="2748" h="2719" fill="none" extrusionOk="0">
-                  <a:moveTo>
-                    <a:pt x="2748" y="1363"/>
-                  </a:moveTo>
-                  <a:cubicBezTo>
-                    <a:pt x="2748" y="2117"/>
-                    <a:pt x="2117" y="2718"/>
-                    <a:pt x="1392" y="2718"/>
-                  </a:cubicBezTo>
-                  <a:cubicBezTo>
-                    <a:pt x="638" y="2718"/>
-                    <a:pt x="1" y="2117"/>
-                    <a:pt x="1" y="1363"/>
-                  </a:cubicBezTo>
-                  <a:cubicBezTo>
-                    <a:pt x="1" y="609"/>
-                    <a:pt x="638" y="0"/>
-                    <a:pt x="1392" y="0"/>
-                  </a:cubicBezTo>
-                  <a:cubicBezTo>
-                    <a:pt x="2117" y="0"/>
-                    <a:pt x="2748" y="609"/>
-                    <a:pt x="2748" y="1363"/>
-                  </a:cubicBezTo>
-                  <a:close/>
-                </a:path>
-              </a:pathLst>
-            </a:custGeom>
-            <a:solidFill>
-              <a:schemeClr val="lt2"/>
-            </a:solidFill>
-            <a:ln w="9525" cap="flat" cmpd="sng">
-              <a:solidFill>
-                <a:schemeClr val="accent2"/>
-              </a:solidFill>
-              <a:prstDash val="solid"/>
-              <a:miter lim="7247"/>
-              <a:headEnd type="none" w="sm" len="sm"/>
-              <a:tailEnd type="none" w="sm" len="sm"/>
-            </a:ln>
-          </p:spPr>
-          <p:txBody>
-            <a:bodyPr spcFirstLastPara="1" wrap="square" lIns="91425" tIns="91425" rIns="91425" bIns="91425" anchor="ctr" anchorCtr="0">
-              <a:noAutofit/>
-            </a:bodyPr>
-            <a:lstStyle/>
-            <a:p>
-              <a:pPr marL="0" lvl="0" indent="0" algn="l" rtl="0">
-                <a:spcBef>
-                  <a:spcPts val="0"/>
-                </a:spcBef>
-                <a:spcAft>
-                  <a:spcPts val="0"/>
-                </a:spcAft>
-                <a:buNone/>
-              </a:pPr>
-              <a:endParaRPr/>
-            </a:p>
-          </p:txBody>
-        </p:sp>
-      </p:grpSp>
-      <p:grpSp>
-        <p:nvGrpSpPr>
-          <p:cNvPr id="1213" name="Google Shape;1213;p47"/>
-          <p:cNvGrpSpPr/>
-          <p:nvPr/>
-        </p:nvGrpSpPr>
-        <p:grpSpPr>
-          <a:xfrm>
-            <a:off x="7679244" y="3634568"/>
-            <a:ext cx="247278" cy="1160062"/>
-            <a:chOff x="1463894" y="1434556"/>
-            <a:chExt cx="247278" cy="1160062"/>
-          </a:xfrm>
-        </p:grpSpPr>
-        <p:sp>
-          <p:nvSpPr>
-            <p:cNvPr id="1214" name="Google Shape;1214;p47"/>
-            <p:cNvSpPr/>
-            <p:nvPr/>
-          </p:nvSpPr>
-          <p:spPr>
-            <a:xfrm>
-              <a:off x="1463894" y="2119623"/>
-              <a:ext cx="43116" cy="474994"/>
-            </a:xfrm>
-            <a:custGeom>
-              <a:avLst/>
-              <a:gdLst/>
-              <a:ahLst/>
-              <a:cxnLst/>
-              <a:rect l="l" t="t" r="r" b="b"/>
-              <a:pathLst>
-                <a:path w="754" h="8307" fill="none" extrusionOk="0">
-                  <a:moveTo>
-                    <a:pt x="391" y="8307"/>
-                  </a:moveTo>
-                  <a:lnTo>
-                    <a:pt x="391" y="8307"/>
-                  </a:lnTo>
-                  <a:cubicBezTo>
-                    <a:pt x="181" y="8307"/>
-                    <a:pt x="0" y="8155"/>
-                    <a:pt x="0" y="7944"/>
-                  </a:cubicBezTo>
-                  <a:lnTo>
-                    <a:pt x="0" y="363"/>
-                  </a:lnTo>
-                  <a:cubicBezTo>
-                    <a:pt x="0" y="182"/>
-                    <a:pt x="181" y="1"/>
-                    <a:pt x="391" y="1"/>
-                  </a:cubicBezTo>
-                  <a:lnTo>
-                    <a:pt x="391" y="1"/>
-                  </a:lnTo>
-                  <a:cubicBezTo>
-                    <a:pt x="573" y="1"/>
-                    <a:pt x="754" y="182"/>
-                    <a:pt x="754" y="363"/>
-                  </a:cubicBezTo>
-                  <a:lnTo>
-                    <a:pt x="754" y="7944"/>
-                  </a:lnTo>
-                  <a:cubicBezTo>
-                    <a:pt x="754" y="8155"/>
-                    <a:pt x="573" y="8307"/>
-                    <a:pt x="391" y="8307"/>
-                  </a:cubicBezTo>
-                  <a:close/>
-                </a:path>
-              </a:pathLst>
-            </a:custGeom>
-            <a:noFill/>
-            <a:ln w="9525" cap="flat" cmpd="sng">
-              <a:solidFill>
-                <a:schemeClr val="lt1"/>
-              </a:solidFill>
-              <a:prstDash val="solid"/>
-              <a:miter lim="7247"/>
-              <a:headEnd type="none" w="sm" len="sm"/>
-              <a:tailEnd type="none" w="sm" len="sm"/>
-            </a:ln>
-          </p:spPr>
-          <p:txBody>
-            <a:bodyPr spcFirstLastPara="1" wrap="square" lIns="91425" tIns="91425" rIns="91425" bIns="91425" anchor="ctr" anchorCtr="0">
-              <a:noAutofit/>
-            </a:bodyPr>
-            <a:lstStyle/>
-            <a:p>
-              <a:pPr marL="0" lvl="0" indent="0" algn="l" rtl="0">
-                <a:spcBef>
-                  <a:spcPts val="0"/>
-                </a:spcBef>
-                <a:spcAft>
-                  <a:spcPts val="0"/>
-                </a:spcAft>
-                <a:buNone/>
-              </a:pPr>
-              <a:endParaRPr/>
-            </a:p>
-          </p:txBody>
-        </p:sp>
-        <p:sp>
-          <p:nvSpPr>
-            <p:cNvPr id="1215" name="Google Shape;1215;p47"/>
-            <p:cNvSpPr/>
-            <p:nvPr/>
-          </p:nvSpPr>
-          <p:spPr>
-            <a:xfrm rot="10800000">
-              <a:off x="1636072" y="1434556"/>
-              <a:ext cx="75100" cy="827502"/>
-            </a:xfrm>
-            <a:custGeom>
-              <a:avLst/>
-              <a:gdLst/>
-              <a:ahLst/>
-              <a:cxnLst/>
-              <a:rect l="l" t="t" r="r" b="b"/>
-              <a:pathLst>
-                <a:path w="754" h="8307" fill="none" extrusionOk="0">
-                  <a:moveTo>
-                    <a:pt x="391" y="8307"/>
-                  </a:moveTo>
-                  <a:lnTo>
-                    <a:pt x="391" y="8307"/>
-                  </a:lnTo>
-                  <a:cubicBezTo>
-                    <a:pt x="181" y="8307"/>
-                    <a:pt x="0" y="8155"/>
-                    <a:pt x="0" y="7944"/>
-                  </a:cubicBezTo>
-                  <a:lnTo>
-                    <a:pt x="0" y="363"/>
-                  </a:lnTo>
-                  <a:cubicBezTo>
-                    <a:pt x="0" y="182"/>
-                    <a:pt x="181" y="1"/>
-                    <a:pt x="391" y="1"/>
-                  </a:cubicBezTo>
-                  <a:lnTo>
-                    <a:pt x="391" y="1"/>
-                  </a:lnTo>
-                  <a:cubicBezTo>
-                    <a:pt x="573" y="1"/>
-                    <a:pt x="754" y="182"/>
-                    <a:pt x="754" y="363"/>
-                  </a:cubicBezTo>
-                  <a:lnTo>
-                    <a:pt x="754" y="7944"/>
-                  </a:lnTo>
-                  <a:cubicBezTo>
-                    <a:pt x="754" y="8155"/>
-                    <a:pt x="573" y="8307"/>
-                    <a:pt x="391" y="8307"/>
-                  </a:cubicBezTo>
-                  <a:close/>
-                </a:path>
-              </a:pathLst>
-            </a:custGeom>
-            <a:noFill/>
-            <a:ln w="9525" cap="flat" cmpd="sng">
-              <a:solidFill>
-                <a:schemeClr val="accent1"/>
-              </a:solidFill>
-              <a:prstDash val="solid"/>
-              <a:miter lim="7247"/>
-              <a:headEnd type="none" w="sm" len="sm"/>
-              <a:tailEnd type="none" w="sm" len="sm"/>
-            </a:ln>
-          </p:spPr>
-          <p:txBody>
-            <a:bodyPr spcFirstLastPara="1" wrap="square" lIns="91425" tIns="91425" rIns="91425" bIns="91425" anchor="ctr" anchorCtr="0">
-              <a:noAutofit/>
-            </a:bodyPr>
-            <a:lstStyle/>
-            <a:p>
-              <a:pPr marL="0" lvl="0" indent="0" algn="l" rtl="0">
-                <a:spcBef>
-                  <a:spcPts val="0"/>
-                </a:spcBef>
-                <a:spcAft>
-                  <a:spcPts val="0"/>
-                </a:spcAft>
-                <a:buNone/>
-              </a:pPr>
-              <a:endParaRPr/>
-            </a:p>
-          </p:txBody>
-        </p:sp>
-      </p:grpSp>
-      <p:grpSp>
-        <p:nvGrpSpPr>
-          <p:cNvPr id="1216" name="Google Shape;1216;p47"/>
-          <p:cNvGrpSpPr/>
-          <p:nvPr/>
-        </p:nvGrpSpPr>
-        <p:grpSpPr>
-          <a:xfrm rot="5400000" flipH="1">
-            <a:off x="5492724" y="3041117"/>
-            <a:ext cx="4486819" cy="625122"/>
-            <a:chOff x="-78438" y="4073905"/>
-            <a:chExt cx="4486819" cy="625122"/>
-          </a:xfrm>
-        </p:grpSpPr>
-        <p:cxnSp>
-          <p:nvCxnSpPr>
-            <p:cNvPr id="1217" name="Google Shape;1217;p47"/>
-            <p:cNvCxnSpPr/>
-            <p:nvPr/>
-          </p:nvCxnSpPr>
-          <p:spPr>
-            <a:xfrm>
-              <a:off x="1857762" y="2762827"/>
-              <a:ext cx="0" cy="3872400"/>
-            </a:xfrm>
-            <a:prstGeom prst="straightConnector1">
-              <a:avLst/>
-            </a:prstGeom>
-            <a:noFill/>
-            <a:ln w="9525" cap="flat" cmpd="sng">
-              <a:solidFill>
-                <a:schemeClr val="accent1"/>
-              </a:solidFill>
-              <a:prstDash val="solid"/>
-              <a:round/>
-              <a:headEnd type="none" w="med" len="med"/>
-              <a:tailEnd type="none" w="med" len="med"/>
-            </a:ln>
-          </p:spPr>
-        </p:cxnSp>
-        <p:cxnSp>
-          <p:nvCxnSpPr>
-            <p:cNvPr id="1218" name="Google Shape;1218;p47"/>
-            <p:cNvCxnSpPr/>
-            <p:nvPr/>
-          </p:nvCxnSpPr>
-          <p:spPr>
-            <a:xfrm rot="-5400000">
-              <a:off x="3788541" y="4241677"/>
-              <a:ext cx="464100" cy="450600"/>
-            </a:xfrm>
-            <a:prstGeom prst="straightConnector1">
-              <a:avLst/>
-            </a:prstGeom>
-            <a:noFill/>
-            <a:ln w="9525" cap="flat" cmpd="sng">
-              <a:solidFill>
-                <a:schemeClr val="accent1"/>
-              </a:solidFill>
-              <a:prstDash val="solid"/>
-              <a:round/>
-              <a:headEnd type="none" w="med" len="med"/>
-              <a:tailEnd type="none" w="med" len="med"/>
-            </a:ln>
-          </p:spPr>
-        </p:cxnSp>
-        <p:sp>
-          <p:nvSpPr>
-            <p:cNvPr id="1219" name="Google Shape;1219;p47"/>
-            <p:cNvSpPr/>
-            <p:nvPr/>
-          </p:nvSpPr>
-          <p:spPr>
-            <a:xfrm>
-              <a:off x="4214956" y="4073905"/>
-              <a:ext cx="193425" cy="191350"/>
-            </a:xfrm>
-            <a:custGeom>
-              <a:avLst/>
-              <a:gdLst/>
-              <a:ahLst/>
-              <a:cxnLst/>
-              <a:rect l="l" t="t" r="r" b="b"/>
-              <a:pathLst>
-                <a:path w="2748" h="2719" fill="none" extrusionOk="0">
-                  <a:moveTo>
-                    <a:pt x="2748" y="1363"/>
-                  </a:moveTo>
-                  <a:cubicBezTo>
-                    <a:pt x="2748" y="2117"/>
-                    <a:pt x="2117" y="2718"/>
-                    <a:pt x="1392" y="2718"/>
-                  </a:cubicBezTo>
-                  <a:cubicBezTo>
-                    <a:pt x="638" y="2718"/>
-                    <a:pt x="1" y="2117"/>
-                    <a:pt x="1" y="1363"/>
-                  </a:cubicBezTo>
-                  <a:cubicBezTo>
-                    <a:pt x="1" y="609"/>
-                    <a:pt x="638" y="0"/>
-                    <a:pt x="1392" y="0"/>
-                  </a:cubicBezTo>
-                  <a:cubicBezTo>
-                    <a:pt x="2117" y="0"/>
-                    <a:pt x="2748" y="609"/>
-                    <a:pt x="2748" y="1363"/>
-                  </a:cubicBezTo>
-                  <a:close/>
-                </a:path>
-              </a:pathLst>
-            </a:custGeom>
-            <a:solidFill>
-              <a:schemeClr val="lt2"/>
-            </a:solidFill>
-            <a:ln w="9525" cap="flat" cmpd="sng">
-              <a:solidFill>
-                <a:schemeClr val="accent1"/>
-              </a:solidFill>
-              <a:prstDash val="solid"/>
-              <a:miter lim="7247"/>
-              <a:headEnd type="none" w="sm" len="sm"/>
-              <a:tailEnd type="none" w="sm" len="sm"/>
-            </a:ln>
-          </p:spPr>
-          <p:txBody>
-            <a:bodyPr spcFirstLastPara="1" wrap="square" lIns="91425" tIns="91425" rIns="91425" bIns="91425" anchor="ctr" anchorCtr="0">
-              <a:noAutofit/>
-            </a:bodyPr>
-            <a:lstStyle/>
-            <a:p>
-              <a:pPr marL="0" lvl="0" indent="0" algn="l" rtl="0">
-                <a:spcBef>
-                  <a:spcPts val="0"/>
-                </a:spcBef>
-                <a:spcAft>
-                  <a:spcPts val="0"/>
-                </a:spcAft>
-                <a:buNone/>
-              </a:pPr>
-              <a:endParaRPr/>
-            </a:p>
-          </p:txBody>
-        </p:sp>
-      </p:grpSp>
-      <p:sp>
-        <p:nvSpPr>
-          <p:cNvPr id="1220" name="Google Shape;1220;p47"/>
-          <p:cNvSpPr/>
-          <p:nvPr/>
-        </p:nvSpPr>
-        <p:spPr>
-          <a:xfrm>
-            <a:off x="7136111" y="3226273"/>
-            <a:ext cx="40056" cy="440880"/>
-          </a:xfrm>
-          <a:custGeom>
-            <a:avLst/>
-            <a:gdLst/>
-            <a:ahLst/>
-            <a:cxnLst/>
-            <a:rect l="l" t="t" r="r" b="b"/>
-            <a:pathLst>
-              <a:path w="1146" h="12620" extrusionOk="0">
-                <a:moveTo>
-                  <a:pt x="573" y="1"/>
-                </a:moveTo>
-                <a:cubicBezTo>
-                  <a:pt x="240" y="1"/>
-                  <a:pt x="1" y="240"/>
-                  <a:pt x="1" y="573"/>
-                </a:cubicBezTo>
-                <a:lnTo>
-                  <a:pt x="1" y="12046"/>
-                </a:lnTo>
-                <a:cubicBezTo>
-                  <a:pt x="1" y="12351"/>
-                  <a:pt x="240" y="12619"/>
-                  <a:pt x="573" y="12619"/>
-                </a:cubicBezTo>
-                <a:cubicBezTo>
-                  <a:pt x="878" y="12619"/>
-                  <a:pt x="1146" y="12351"/>
-                  <a:pt x="1146" y="12046"/>
-                </a:cubicBezTo>
-                <a:lnTo>
-                  <a:pt x="1146" y="573"/>
-                </a:lnTo>
-                <a:cubicBezTo>
-                  <a:pt x="1146" y="240"/>
-                  <a:pt x="878" y="1"/>
-                  <a:pt x="573" y="1"/>
-                </a:cubicBezTo>
-                <a:close/>
-              </a:path>
-            </a:pathLst>
-          </a:custGeom>
-          <a:solidFill>
-            <a:schemeClr val="accent2"/>
-          </a:solidFill>
-          <a:ln>
-            <a:noFill/>
-          </a:ln>
-        </p:spPr>
-        <p:txBody>
-          <a:bodyPr spcFirstLastPara="1" wrap="square" lIns="91425" tIns="91425" rIns="91425" bIns="91425" anchor="ctr" anchorCtr="0">
-            <a:noAutofit/>
-          </a:bodyPr>
-          <a:lstStyle/>
-          <a:p>
-            <a:pPr marL="0" lvl="0" indent="0" algn="l" rtl="0">
-              <a:spcBef>
-                <a:spcPts val="0"/>
-              </a:spcBef>
-              <a:spcAft>
-                <a:spcPts val="0"/>
-              </a:spcAft>
-              <a:buNone/>
-            </a:pPr>
-            <a:endParaRPr/>
-          </a:p>
-        </p:txBody>
-      </p:sp>
-      <p:grpSp>
-        <p:nvGrpSpPr>
-          <p:cNvPr id="1221" name="Google Shape;1221;p47"/>
-          <p:cNvGrpSpPr/>
-          <p:nvPr/>
-        </p:nvGrpSpPr>
-        <p:grpSpPr>
-          <a:xfrm>
-            <a:off x="7423575" y="1976550"/>
-            <a:ext cx="3859204" cy="615399"/>
-            <a:chOff x="-6675" y="307100"/>
-            <a:chExt cx="9140700" cy="4634025"/>
-          </a:xfrm>
-        </p:grpSpPr>
-        <p:cxnSp>
-          <p:nvCxnSpPr>
-            <p:cNvPr id="1222" name="Google Shape;1222;p47"/>
-            <p:cNvCxnSpPr/>
-            <p:nvPr/>
-          </p:nvCxnSpPr>
-          <p:spPr>
-            <a:xfrm>
-              <a:off x="-6675" y="307100"/>
-              <a:ext cx="9140700" cy="0"/>
-            </a:xfrm>
-            <a:prstGeom prst="straightConnector1">
-              <a:avLst/>
-            </a:prstGeom>
-            <a:noFill/>
-            <a:ln w="9525" cap="flat" cmpd="sng">
-              <a:solidFill>
-                <a:schemeClr val="accent1"/>
-              </a:solidFill>
-              <a:prstDash val="solid"/>
-              <a:round/>
-              <a:headEnd type="none" w="med" len="med"/>
-              <a:tailEnd type="none" w="med" len="med"/>
-            </a:ln>
-          </p:spPr>
-        </p:cxnSp>
-        <p:cxnSp>
-          <p:nvCxnSpPr>
-            <p:cNvPr id="1223" name="Google Shape;1223;p47"/>
-            <p:cNvCxnSpPr/>
-            <p:nvPr/>
-          </p:nvCxnSpPr>
-          <p:spPr>
-            <a:xfrm>
-              <a:off x="-6675" y="1336883"/>
-              <a:ext cx="9140700" cy="0"/>
-            </a:xfrm>
-            <a:prstGeom prst="straightConnector1">
-              <a:avLst/>
-            </a:prstGeom>
-            <a:noFill/>
-            <a:ln w="9525" cap="flat" cmpd="sng">
-              <a:solidFill>
-                <a:schemeClr val="accent1"/>
-              </a:solidFill>
-              <a:prstDash val="solid"/>
-              <a:round/>
-              <a:headEnd type="none" w="med" len="med"/>
-              <a:tailEnd type="none" w="med" len="med"/>
-            </a:ln>
-          </p:spPr>
-        </p:cxnSp>
-        <p:cxnSp>
-          <p:nvCxnSpPr>
-            <p:cNvPr id="1224" name="Google Shape;1224;p47"/>
-            <p:cNvCxnSpPr/>
-            <p:nvPr/>
-          </p:nvCxnSpPr>
-          <p:spPr>
-            <a:xfrm>
-              <a:off x="-6675" y="821992"/>
-              <a:ext cx="9140700" cy="0"/>
-            </a:xfrm>
-            <a:prstGeom prst="straightConnector1">
-              <a:avLst/>
-            </a:prstGeom>
-            <a:noFill/>
-            <a:ln w="9525" cap="flat" cmpd="sng">
-              <a:solidFill>
-                <a:schemeClr val="accent1"/>
-              </a:solidFill>
-              <a:prstDash val="solid"/>
-              <a:round/>
-              <a:headEnd type="none" w="med" len="med"/>
-              <a:tailEnd type="none" w="med" len="med"/>
-            </a:ln>
-          </p:spPr>
-        </p:cxnSp>
-        <p:cxnSp>
-          <p:nvCxnSpPr>
-            <p:cNvPr id="1225" name="Google Shape;1225;p47"/>
-            <p:cNvCxnSpPr/>
-            <p:nvPr/>
-          </p:nvCxnSpPr>
-          <p:spPr>
-            <a:xfrm>
-              <a:off x="-6675" y="1851775"/>
-              <a:ext cx="9140700" cy="0"/>
-            </a:xfrm>
-            <a:prstGeom prst="straightConnector1">
-              <a:avLst/>
-            </a:prstGeom>
-            <a:noFill/>
-            <a:ln w="9525" cap="flat" cmpd="sng">
-              <a:solidFill>
-                <a:schemeClr val="accent1"/>
-              </a:solidFill>
-              <a:prstDash val="solid"/>
-              <a:round/>
-              <a:headEnd type="none" w="med" len="med"/>
-              <a:tailEnd type="none" w="med" len="med"/>
-            </a:ln>
-          </p:spPr>
-        </p:cxnSp>
-        <p:cxnSp>
-          <p:nvCxnSpPr>
-            <p:cNvPr id="1226" name="Google Shape;1226;p47"/>
-            <p:cNvCxnSpPr/>
-            <p:nvPr/>
-          </p:nvCxnSpPr>
-          <p:spPr>
-            <a:xfrm>
-              <a:off x="-6675" y="2366667"/>
-              <a:ext cx="9140700" cy="0"/>
-            </a:xfrm>
-            <a:prstGeom prst="straightConnector1">
-              <a:avLst/>
-            </a:prstGeom>
-            <a:noFill/>
-            <a:ln w="9525" cap="flat" cmpd="sng">
-              <a:solidFill>
-                <a:schemeClr val="accent1"/>
-              </a:solidFill>
-              <a:prstDash val="solid"/>
-              <a:round/>
-              <a:headEnd type="none" w="med" len="med"/>
-              <a:tailEnd type="none" w="med" len="med"/>
-            </a:ln>
-          </p:spPr>
-        </p:cxnSp>
-        <p:cxnSp>
-          <p:nvCxnSpPr>
-            <p:cNvPr id="1227" name="Google Shape;1227;p47"/>
-            <p:cNvCxnSpPr/>
-            <p:nvPr/>
-          </p:nvCxnSpPr>
-          <p:spPr>
-            <a:xfrm>
-              <a:off x="-6675" y="2881558"/>
-              <a:ext cx="9140700" cy="0"/>
-            </a:xfrm>
-            <a:prstGeom prst="straightConnector1">
-              <a:avLst/>
-            </a:prstGeom>
-            <a:noFill/>
-            <a:ln w="9525" cap="flat" cmpd="sng">
-              <a:solidFill>
-                <a:schemeClr val="accent1"/>
-              </a:solidFill>
-              <a:prstDash val="solid"/>
-              <a:round/>
-              <a:headEnd type="none" w="med" len="med"/>
-              <a:tailEnd type="none" w="med" len="med"/>
-            </a:ln>
-          </p:spPr>
-        </p:cxnSp>
-        <p:cxnSp>
-          <p:nvCxnSpPr>
-            <p:cNvPr id="1228" name="Google Shape;1228;p47"/>
-            <p:cNvCxnSpPr/>
-            <p:nvPr/>
-          </p:nvCxnSpPr>
-          <p:spPr>
-            <a:xfrm>
-              <a:off x="-6675" y="3396450"/>
-              <a:ext cx="9140700" cy="0"/>
-            </a:xfrm>
-            <a:prstGeom prst="straightConnector1">
-              <a:avLst/>
-            </a:prstGeom>
-            <a:noFill/>
-            <a:ln w="9525" cap="flat" cmpd="sng">
-              <a:solidFill>
-                <a:schemeClr val="accent1"/>
-              </a:solidFill>
-              <a:prstDash val="solid"/>
-              <a:round/>
-              <a:headEnd type="none" w="med" len="med"/>
-              <a:tailEnd type="none" w="med" len="med"/>
-            </a:ln>
-          </p:spPr>
-        </p:cxnSp>
-        <p:cxnSp>
-          <p:nvCxnSpPr>
-            <p:cNvPr id="1229" name="Google Shape;1229;p47"/>
-            <p:cNvCxnSpPr/>
-            <p:nvPr/>
-          </p:nvCxnSpPr>
-          <p:spPr>
-            <a:xfrm>
-              <a:off x="-6675" y="3911342"/>
-              <a:ext cx="9140700" cy="0"/>
-            </a:xfrm>
-            <a:prstGeom prst="straightConnector1">
-              <a:avLst/>
-            </a:prstGeom>
-            <a:noFill/>
-            <a:ln w="9525" cap="flat" cmpd="sng">
-              <a:solidFill>
-                <a:schemeClr val="accent1"/>
-              </a:solidFill>
-              <a:prstDash val="solid"/>
-              <a:round/>
-              <a:headEnd type="none" w="med" len="med"/>
-              <a:tailEnd type="none" w="med" len="med"/>
-            </a:ln>
-          </p:spPr>
-        </p:cxnSp>
-        <p:cxnSp>
-          <p:nvCxnSpPr>
-            <p:cNvPr id="1230" name="Google Shape;1230;p47"/>
-            <p:cNvCxnSpPr/>
-            <p:nvPr/>
-          </p:nvCxnSpPr>
-          <p:spPr>
-            <a:xfrm>
-              <a:off x="-6675" y="4426233"/>
-              <a:ext cx="9140700" cy="0"/>
-            </a:xfrm>
-            <a:prstGeom prst="straightConnector1">
-              <a:avLst/>
-            </a:prstGeom>
-            <a:noFill/>
-            <a:ln w="9525" cap="flat" cmpd="sng">
-              <a:solidFill>
-                <a:schemeClr val="accent1"/>
-              </a:solidFill>
-              <a:prstDash val="solid"/>
-              <a:round/>
-              <a:headEnd type="none" w="med" len="med"/>
-              <a:tailEnd type="none" w="med" len="med"/>
-            </a:ln>
-          </p:spPr>
-        </p:cxnSp>
-        <p:cxnSp>
-          <p:nvCxnSpPr>
-            <p:cNvPr id="1231" name="Google Shape;1231;p47"/>
-            <p:cNvCxnSpPr/>
-            <p:nvPr/>
-          </p:nvCxnSpPr>
-          <p:spPr>
-            <a:xfrm>
-              <a:off x="-6675" y="4941125"/>
-              <a:ext cx="9140700" cy="0"/>
-            </a:xfrm>
-            <a:prstGeom prst="straightConnector1">
-              <a:avLst/>
-            </a:prstGeom>
-            <a:noFill/>
-            <a:ln w="9525" cap="flat" cmpd="sng">
-              <a:solidFill>
-                <a:schemeClr val="accent1"/>
-              </a:solidFill>
-              <a:prstDash val="solid"/>
-              <a:round/>
-              <a:headEnd type="none" w="med" len="med"/>
-              <a:tailEnd type="none" w="med" len="med"/>
-            </a:ln>
-          </p:spPr>
-        </p:cxnSp>
-      </p:grpSp>
-      <p:sp>
-        <p:nvSpPr>
-          <p:cNvPr id="1232" name="Google Shape;1232;p47"/>
-          <p:cNvSpPr/>
-          <p:nvPr/>
-        </p:nvSpPr>
-        <p:spPr>
-          <a:xfrm>
-            <a:off x="7145469" y="2096961"/>
-            <a:ext cx="43116" cy="474994"/>
-          </a:xfrm>
-          <a:custGeom>
-            <a:avLst/>
-            <a:gdLst/>
-            <a:ahLst/>
-            <a:cxnLst/>
-            <a:rect l="l" t="t" r="r" b="b"/>
-            <a:pathLst>
-              <a:path w="754" h="8307" fill="none" extrusionOk="0">
-                <a:moveTo>
-                  <a:pt x="391" y="8307"/>
-                </a:moveTo>
-                <a:lnTo>
-                  <a:pt x="391" y="8307"/>
-                </a:lnTo>
-                <a:cubicBezTo>
-                  <a:pt x="181" y="8307"/>
-                  <a:pt x="0" y="8155"/>
-                  <a:pt x="0" y="7944"/>
-                </a:cubicBezTo>
-                <a:lnTo>
-                  <a:pt x="0" y="363"/>
-                </a:lnTo>
-                <a:cubicBezTo>
-                  <a:pt x="0" y="182"/>
-                  <a:pt x="181" y="1"/>
-                  <a:pt x="391" y="1"/>
-                </a:cubicBezTo>
-                <a:lnTo>
-                  <a:pt x="391" y="1"/>
-                </a:lnTo>
-                <a:cubicBezTo>
-                  <a:pt x="573" y="1"/>
-                  <a:pt x="754" y="182"/>
-                  <a:pt x="754" y="363"/>
-                </a:cubicBezTo>
-                <a:lnTo>
-                  <a:pt x="754" y="7944"/>
-                </a:lnTo>
-                <a:cubicBezTo>
-                  <a:pt x="754" y="8155"/>
-                  <a:pt x="573" y="8307"/>
-                  <a:pt x="391" y="8307"/>
-                </a:cubicBezTo>
-                <a:close/>
-              </a:path>
-            </a:pathLst>
-          </a:custGeom>
-          <a:noFill/>
-          <a:ln w="9525" cap="flat" cmpd="sng">
-            <a:solidFill>
-              <a:schemeClr val="lt1"/>
-            </a:solidFill>
-            <a:prstDash val="solid"/>
-            <a:miter lim="7247"/>
-            <a:headEnd type="none" w="sm" len="sm"/>
-            <a:tailEnd type="none" w="sm" len="sm"/>
-          </a:ln>
-        </p:spPr>
-        <p:txBody>
-          <a:bodyPr spcFirstLastPara="1" wrap="square" lIns="91425" tIns="91425" rIns="91425" bIns="91425" anchor="ctr" anchorCtr="0">
-            <a:noAutofit/>
-          </a:bodyPr>
-          <a:lstStyle/>
-          <a:p>
-            <a:pPr marL="0" lvl="0" indent="0" algn="l" rtl="0">
-              <a:spcBef>
-                <a:spcPts val="0"/>
-              </a:spcBef>
-              <a:spcAft>
-                <a:spcPts val="0"/>
-              </a:spcAft>
-              <a:buNone/>
-            </a:pPr>
-            <a:endParaRPr/>
-          </a:p>
-        </p:txBody>
-      </p:sp>
-      <p:grpSp>
-        <p:nvGrpSpPr>
-          <p:cNvPr id="1233" name="Google Shape;1233;p47"/>
-          <p:cNvGrpSpPr/>
-          <p:nvPr/>
-        </p:nvGrpSpPr>
-        <p:grpSpPr>
-          <a:xfrm>
-            <a:off x="2389175" y="-353800"/>
-            <a:ext cx="5859225" cy="1631012"/>
-            <a:chOff x="2389175" y="-353800"/>
-            <a:chExt cx="5859225" cy="1631012"/>
-          </a:xfrm>
-        </p:grpSpPr>
-        <p:sp>
-          <p:nvSpPr>
-            <p:cNvPr id="1234" name="Google Shape;1234;p47"/>
-            <p:cNvSpPr/>
-            <p:nvPr/>
-          </p:nvSpPr>
-          <p:spPr>
-            <a:xfrm>
-              <a:off x="2389175" y="-353800"/>
-              <a:ext cx="5859225" cy="1137700"/>
-            </a:xfrm>
-            <a:custGeom>
-              <a:avLst/>
-              <a:gdLst/>
-              <a:ahLst/>
-              <a:cxnLst/>
-              <a:rect l="l" t="t" r="r" b="b"/>
-              <a:pathLst>
-                <a:path w="234369" h="45508" extrusionOk="0">
-                  <a:moveTo>
-                    <a:pt x="0" y="1639"/>
-                  </a:moveTo>
-                  <a:lnTo>
-                    <a:pt x="15636" y="28722"/>
-                  </a:lnTo>
-                  <a:lnTo>
-                    <a:pt x="79093" y="28722"/>
-                  </a:lnTo>
-                  <a:lnTo>
-                    <a:pt x="95879" y="45508"/>
-                  </a:lnTo>
-                  <a:lnTo>
-                    <a:pt x="205255" y="45508"/>
-                  </a:lnTo>
-                  <a:lnTo>
-                    <a:pt x="231529" y="0"/>
-                  </a:lnTo>
-                  <a:lnTo>
-                    <a:pt x="234369" y="1640"/>
-                  </a:lnTo>
-                </a:path>
-              </a:pathLst>
-            </a:custGeom>
-            <a:noFill/>
-            <a:ln w="9525" cap="flat" cmpd="sng">
-              <a:solidFill>
-                <a:schemeClr val="accent1"/>
-              </a:solidFill>
-              <a:prstDash val="solid"/>
-              <a:round/>
-              <a:headEnd type="none" w="med" len="med"/>
-              <a:tailEnd type="none" w="med" len="med"/>
-            </a:ln>
-          </p:spPr>
-        </p:sp>
-        <p:grpSp>
-          <p:nvGrpSpPr>
-            <p:cNvPr id="1235" name="Google Shape;1235;p47"/>
-            <p:cNvGrpSpPr/>
-            <p:nvPr/>
-          </p:nvGrpSpPr>
-          <p:grpSpPr>
-            <a:xfrm rot="-5400000">
-              <a:off x="5834789" y="851896"/>
-              <a:ext cx="493321" cy="357312"/>
-              <a:chOff x="1722354" y="229144"/>
-              <a:chExt cx="1748744" cy="1266614"/>
-            </a:xfrm>
-          </p:grpSpPr>
-          <p:sp>
-            <p:nvSpPr>
-              <p:cNvPr id="1236" name="Google Shape;1236;p47"/>
-              <p:cNvSpPr/>
-              <p:nvPr/>
-            </p:nvSpPr>
-            <p:spPr>
-              <a:xfrm rot="10800000">
-                <a:off x="2239107" y="792406"/>
-                <a:ext cx="1231990" cy="703352"/>
-              </a:xfrm>
-              <a:custGeom>
-                <a:avLst/>
-                <a:gdLst/>
-                <a:ahLst/>
-                <a:cxnLst/>
-                <a:rect l="l" t="t" r="r" b="b"/>
-                <a:pathLst>
-                  <a:path w="4864" h="2777" fill="none" extrusionOk="0">
-                    <a:moveTo>
-                      <a:pt x="4863" y="2776"/>
-                    </a:moveTo>
-                    <a:lnTo>
-                      <a:pt x="2051" y="0"/>
-                    </a:lnTo>
-                    <a:lnTo>
-                      <a:pt x="0" y="0"/>
-                    </a:lnTo>
-                  </a:path>
-                </a:pathLst>
-              </a:custGeom>
-              <a:solidFill>
-                <a:schemeClr val="lt2"/>
-              </a:solidFill>
-              <a:ln w="9525" cap="rnd" cmpd="sng">
-                <a:solidFill>
-                  <a:schemeClr val="accent1"/>
-                </a:solidFill>
-                <a:prstDash val="solid"/>
-                <a:round/>
-                <a:headEnd type="none" w="sm" len="sm"/>
-                <a:tailEnd type="none" w="sm" len="sm"/>
-              </a:ln>
-            </p:spPr>
-            <p:txBody>
-              <a:bodyPr spcFirstLastPara="1" wrap="square" lIns="91425" tIns="91425" rIns="91425" bIns="91425" anchor="ctr" anchorCtr="0">
-                <a:noAutofit/>
-              </a:bodyPr>
-              <a:lstStyle/>
-              <a:p>
-                <a:pPr marL="0" lvl="0" indent="0" algn="l" rtl="0">
-                  <a:spcBef>
-                    <a:spcPts val="0"/>
-                  </a:spcBef>
-                  <a:spcAft>
-                    <a:spcPts val="0"/>
-                  </a:spcAft>
-                  <a:buNone/>
-                </a:pPr>
-                <a:endParaRPr/>
-              </a:p>
-            </p:txBody>
-          </p:sp>
-          <p:sp>
-            <p:nvSpPr>
-              <p:cNvPr id="1237" name="Google Shape;1237;p47"/>
-              <p:cNvSpPr/>
-              <p:nvPr/>
-            </p:nvSpPr>
-            <p:spPr>
-              <a:xfrm rot="10800000">
-                <a:off x="1722354" y="229144"/>
-                <a:ext cx="627506" cy="620727"/>
-              </a:xfrm>
-              <a:custGeom>
-                <a:avLst/>
-                <a:gdLst/>
-                <a:ahLst/>
-                <a:cxnLst/>
-                <a:rect l="l" t="t" r="r" b="b"/>
-                <a:pathLst>
-                  <a:path w="2748" h="2719" fill="none" extrusionOk="0">
-                    <a:moveTo>
-                      <a:pt x="2748" y="1363"/>
-                    </a:moveTo>
-                    <a:cubicBezTo>
-                      <a:pt x="2748" y="2117"/>
-                      <a:pt x="2117" y="2718"/>
-                      <a:pt x="1392" y="2718"/>
-                    </a:cubicBezTo>
-                    <a:cubicBezTo>
-                      <a:pt x="638" y="2718"/>
-                      <a:pt x="1" y="2117"/>
-                      <a:pt x="1" y="1363"/>
-                    </a:cubicBezTo>
-                    <a:cubicBezTo>
-                      <a:pt x="1" y="609"/>
-                      <a:pt x="638" y="0"/>
-                      <a:pt x="1392" y="0"/>
-                    </a:cubicBezTo>
-                    <a:cubicBezTo>
-                      <a:pt x="2117" y="0"/>
-                      <a:pt x="2748" y="609"/>
-                      <a:pt x="2748" y="1363"/>
-                    </a:cubicBezTo>
-                    <a:close/>
-                  </a:path>
-                </a:pathLst>
-              </a:custGeom>
-              <a:solidFill>
-                <a:schemeClr val="lt2"/>
-              </a:solidFill>
-              <a:ln w="9525" cap="flat" cmpd="sng">
-                <a:solidFill>
-                  <a:schemeClr val="accent1"/>
-                </a:solidFill>
-                <a:prstDash val="solid"/>
-                <a:miter lim="7247"/>
-                <a:headEnd type="none" w="sm" len="sm"/>
-                <a:tailEnd type="none" w="sm" len="sm"/>
-              </a:ln>
-            </p:spPr>
-            <p:txBody>
-              <a:bodyPr spcFirstLastPara="1" wrap="square" lIns="91425" tIns="91425" rIns="91425" bIns="91425" anchor="ctr" anchorCtr="0">
-                <a:noAutofit/>
-              </a:bodyPr>
-              <a:lstStyle/>
-              <a:p>
-                <a:pPr marL="0" lvl="0" indent="0" algn="l" rtl="0">
-                  <a:spcBef>
-                    <a:spcPts val="0"/>
-                  </a:spcBef>
-                  <a:spcAft>
-                    <a:spcPts val="0"/>
-                  </a:spcAft>
-                  <a:buNone/>
-                </a:pPr>
-                <a:endParaRPr/>
-              </a:p>
-            </p:txBody>
-          </p:sp>
-        </p:grpSp>
-      </p:grpSp>
-      <p:sp>
-        <p:nvSpPr>
-          <p:cNvPr id="1238" name="Google Shape;1238;p47"/>
-          <p:cNvSpPr/>
-          <p:nvPr/>
-        </p:nvSpPr>
-        <p:spPr>
-          <a:xfrm>
-            <a:off x="1218899" y="2917748"/>
-            <a:ext cx="313268" cy="313268"/>
-          </a:xfrm>
-          <a:custGeom>
-            <a:avLst/>
-            <a:gdLst/>
-            <a:ahLst/>
-            <a:cxnLst/>
-            <a:rect l="l" t="t" r="r" b="b"/>
-            <a:pathLst>
-              <a:path w="19982" h="19982" extrusionOk="0">
-                <a:moveTo>
-                  <a:pt x="14602" y="3500"/>
-                </a:moveTo>
-                <a:cubicBezTo>
-                  <a:pt x="15137" y="3500"/>
-                  <a:pt x="15682" y="3563"/>
-                  <a:pt x="16247" y="3689"/>
-                </a:cubicBezTo>
-                <a:cubicBezTo>
-                  <a:pt x="16179" y="4154"/>
-                  <a:pt x="16095" y="4705"/>
-                  <a:pt x="16033" y="5120"/>
-                </a:cubicBezTo>
-                <a:cubicBezTo>
-                  <a:pt x="15810" y="5075"/>
-                  <a:pt x="15484" y="5035"/>
-                  <a:pt x="15150" y="5035"/>
-                </a:cubicBezTo>
-                <a:cubicBezTo>
-                  <a:pt x="14968" y="5035"/>
-                  <a:pt x="14783" y="5047"/>
-                  <a:pt x="14611" y="5076"/>
-                </a:cubicBezTo>
-                <a:cubicBezTo>
-                  <a:pt x="13536" y="5258"/>
-                  <a:pt x="12918" y="5925"/>
-                  <a:pt x="12918" y="6907"/>
-                </a:cubicBezTo>
-                <a:lnTo>
-                  <a:pt x="12918" y="8819"/>
-                </a:lnTo>
-                <a:cubicBezTo>
-                  <a:pt x="12918" y="9143"/>
-                  <a:pt x="13180" y="9405"/>
-                  <a:pt x="13504" y="9405"/>
-                </a:cubicBezTo>
-                <a:lnTo>
-                  <a:pt x="15681" y="9405"/>
-                </a:lnTo>
-                <a:lnTo>
-                  <a:pt x="15388" y="10576"/>
-                </a:lnTo>
-                <a:lnTo>
-                  <a:pt x="13504" y="10576"/>
-                </a:lnTo>
-                <a:cubicBezTo>
-                  <a:pt x="13180" y="10576"/>
-                  <a:pt x="12918" y="10838"/>
-                  <a:pt x="12918" y="11161"/>
-                </a:cubicBezTo>
-                <a:lnTo>
-                  <a:pt x="12918" y="18811"/>
-                </a:lnTo>
-                <a:lnTo>
-                  <a:pt x="11162" y="18811"/>
-                </a:lnTo>
-                <a:lnTo>
-                  <a:pt x="11162" y="11161"/>
-                </a:lnTo>
-                <a:cubicBezTo>
-                  <a:pt x="11162" y="10838"/>
-                  <a:pt x="10900" y="10576"/>
-                  <a:pt x="10576" y="10576"/>
-                </a:cubicBezTo>
-                <a:lnTo>
-                  <a:pt x="9407" y="10576"/>
-                </a:lnTo>
-                <a:lnTo>
-                  <a:pt x="9407" y="9405"/>
-                </a:lnTo>
-                <a:lnTo>
-                  <a:pt x="10576" y="9405"/>
-                </a:lnTo>
-                <a:cubicBezTo>
-                  <a:pt x="10900" y="9405"/>
-                  <a:pt x="11162" y="9143"/>
-                  <a:pt x="11162" y="8821"/>
-                </a:cubicBezTo>
-                <a:cubicBezTo>
-                  <a:pt x="11162" y="7215"/>
-                  <a:pt x="11162" y="6481"/>
-                  <a:pt x="11162" y="6143"/>
-                </a:cubicBezTo>
-                <a:cubicBezTo>
-                  <a:pt x="11162" y="5520"/>
-                  <a:pt x="11163" y="4843"/>
-                  <a:pt x="11770" y="4324"/>
-                </a:cubicBezTo>
-                <a:cubicBezTo>
-                  <a:pt x="12234" y="3928"/>
-                  <a:pt x="12823" y="3687"/>
-                  <a:pt x="13628" y="3571"/>
-                </a:cubicBezTo>
-                <a:cubicBezTo>
-                  <a:pt x="13950" y="3524"/>
-                  <a:pt x="14274" y="3500"/>
-                  <a:pt x="14602" y="3500"/>
-                </a:cubicBezTo>
-                <a:close/>
-                <a:moveTo>
-                  <a:pt x="17017" y="1170"/>
-                </a:moveTo>
-                <a:cubicBezTo>
-                  <a:pt x="17990" y="1170"/>
-                  <a:pt x="18811" y="1975"/>
-                  <a:pt x="18811" y="2927"/>
-                </a:cubicBezTo>
-                <a:lnTo>
-                  <a:pt x="18811" y="17056"/>
-                </a:lnTo>
-                <a:cubicBezTo>
-                  <a:pt x="18811" y="18023"/>
-                  <a:pt x="18024" y="18811"/>
-                  <a:pt x="17056" y="18811"/>
-                </a:cubicBezTo>
-                <a:lnTo>
-                  <a:pt x="14089" y="18811"/>
-                </a:lnTo>
-                <a:lnTo>
-                  <a:pt x="14089" y="11747"/>
-                </a:lnTo>
-                <a:lnTo>
-                  <a:pt x="15846" y="11747"/>
-                </a:lnTo>
-                <a:cubicBezTo>
-                  <a:pt x="16115" y="11747"/>
-                  <a:pt x="16348" y="11565"/>
-                  <a:pt x="16414" y="11305"/>
-                </a:cubicBezTo>
-                <a:lnTo>
-                  <a:pt x="16999" y="8963"/>
-                </a:lnTo>
-                <a:cubicBezTo>
-                  <a:pt x="17042" y="8787"/>
-                  <a:pt x="17003" y="8602"/>
-                  <a:pt x="16893" y="8460"/>
-                </a:cubicBezTo>
-                <a:cubicBezTo>
-                  <a:pt x="16782" y="8317"/>
-                  <a:pt x="16612" y="8235"/>
-                  <a:pt x="16431" y="8235"/>
-                </a:cubicBezTo>
-                <a:lnTo>
-                  <a:pt x="14089" y="8235"/>
-                </a:lnTo>
-                <a:lnTo>
-                  <a:pt x="14089" y="6909"/>
-                </a:lnTo>
-                <a:cubicBezTo>
-                  <a:pt x="14089" y="6638"/>
-                  <a:pt x="14144" y="6343"/>
-                  <a:pt x="14808" y="6229"/>
-                </a:cubicBezTo>
-                <a:cubicBezTo>
-                  <a:pt x="14936" y="6208"/>
-                  <a:pt x="15061" y="6199"/>
-                  <a:pt x="15182" y="6199"/>
-                </a:cubicBezTo>
-                <a:cubicBezTo>
-                  <a:pt x="15552" y="6199"/>
-                  <a:pt x="15890" y="6283"/>
-                  <a:pt x="16198" y="6360"/>
-                </a:cubicBezTo>
-                <a:cubicBezTo>
-                  <a:pt x="16304" y="6387"/>
-                  <a:pt x="16415" y="6421"/>
-                  <a:pt x="16532" y="6421"/>
-                </a:cubicBezTo>
-                <a:cubicBezTo>
-                  <a:pt x="16632" y="6421"/>
-                  <a:pt x="16736" y="6396"/>
-                  <a:pt x="16847" y="6321"/>
-                </a:cubicBezTo>
-                <a:cubicBezTo>
-                  <a:pt x="16983" y="6229"/>
-                  <a:pt x="17074" y="6084"/>
-                  <a:pt x="17098" y="5923"/>
-                </a:cubicBezTo>
-                <a:cubicBezTo>
-                  <a:pt x="17098" y="5923"/>
-                  <a:pt x="17362" y="4156"/>
-                  <a:pt x="17482" y="3339"/>
-                </a:cubicBezTo>
-                <a:cubicBezTo>
-                  <a:pt x="17525" y="3049"/>
-                  <a:pt x="17346" y="2769"/>
-                  <a:pt x="17063" y="2690"/>
-                </a:cubicBezTo>
-                <a:cubicBezTo>
-                  <a:pt x="16267" y="2463"/>
-                  <a:pt x="15346" y="2343"/>
-                  <a:pt x="14504" y="2343"/>
-                </a:cubicBezTo>
-                <a:cubicBezTo>
-                  <a:pt x="14137" y="2343"/>
-                  <a:pt x="13786" y="2365"/>
-                  <a:pt x="13467" y="2412"/>
-                </a:cubicBezTo>
-                <a:cubicBezTo>
-                  <a:pt x="12434" y="2562"/>
-                  <a:pt x="11646" y="2888"/>
-                  <a:pt x="11009" y="3434"/>
-                </a:cubicBezTo>
-                <a:cubicBezTo>
-                  <a:pt x="10121" y="4193"/>
-                  <a:pt x="10010" y="5168"/>
-                  <a:pt x="9999" y="5833"/>
-                </a:cubicBezTo>
-                <a:cubicBezTo>
-                  <a:pt x="9999" y="5847"/>
-                  <a:pt x="9999" y="7029"/>
-                  <a:pt x="9999" y="8235"/>
-                </a:cubicBezTo>
-                <a:lnTo>
-                  <a:pt x="8821" y="8235"/>
-                </a:lnTo>
-                <a:cubicBezTo>
-                  <a:pt x="8497" y="8235"/>
-                  <a:pt x="8236" y="8497"/>
-                  <a:pt x="8236" y="8819"/>
-                </a:cubicBezTo>
-                <a:lnTo>
-                  <a:pt x="8236" y="11161"/>
-                </a:lnTo>
-                <a:cubicBezTo>
-                  <a:pt x="8236" y="11485"/>
-                  <a:pt x="8497" y="11747"/>
-                  <a:pt x="8821" y="11747"/>
-                </a:cubicBezTo>
-                <a:lnTo>
-                  <a:pt x="9991" y="11747"/>
-                </a:lnTo>
-                <a:lnTo>
-                  <a:pt x="9991" y="18811"/>
-                </a:lnTo>
-                <a:lnTo>
-                  <a:pt x="2927" y="18811"/>
-                </a:lnTo>
-                <a:cubicBezTo>
-                  <a:pt x="1959" y="18811"/>
-                  <a:pt x="1172" y="18023"/>
-                  <a:pt x="1172" y="17054"/>
-                </a:cubicBezTo>
-                <a:lnTo>
-                  <a:pt x="1172" y="2927"/>
-                </a:lnTo>
-                <a:cubicBezTo>
-                  <a:pt x="1172" y="1959"/>
-                  <a:pt x="1959" y="1170"/>
-                  <a:pt x="2927" y="1170"/>
-                </a:cubicBezTo>
-                <a:close/>
-                <a:moveTo>
-                  <a:pt x="2927" y="1"/>
-                </a:moveTo>
-                <a:cubicBezTo>
-                  <a:pt x="1314" y="1"/>
-                  <a:pt x="1" y="1313"/>
-                  <a:pt x="1" y="2927"/>
-                </a:cubicBezTo>
-                <a:lnTo>
-                  <a:pt x="1" y="17056"/>
-                </a:lnTo>
-                <a:cubicBezTo>
-                  <a:pt x="1" y="18669"/>
-                  <a:pt x="1314" y="19982"/>
-                  <a:pt x="2927" y="19982"/>
-                </a:cubicBezTo>
-                <a:lnTo>
-                  <a:pt x="17054" y="19982"/>
-                </a:lnTo>
-                <a:cubicBezTo>
-                  <a:pt x="18669" y="19982"/>
-                  <a:pt x="19982" y="18669"/>
-                  <a:pt x="19982" y="17056"/>
-                </a:cubicBezTo>
-                <a:lnTo>
-                  <a:pt x="19982" y="2927"/>
-                </a:lnTo>
-                <a:cubicBezTo>
-                  <a:pt x="19982" y="2145"/>
-                  <a:pt x="19669" y="1409"/>
-                  <a:pt x="19101" y="853"/>
-                </a:cubicBezTo>
-                <a:cubicBezTo>
-                  <a:pt x="18538" y="303"/>
-                  <a:pt x="17797" y="1"/>
-                  <a:pt x="17015" y="1"/>
-                </a:cubicBezTo>
-                <a:close/>
-              </a:path>
-            </a:pathLst>
-          </a:custGeom>
-          <a:solidFill>
-            <a:schemeClr val="lt1"/>
-          </a:solidFill>
-          <a:ln>
-            <a:noFill/>
-          </a:ln>
-        </p:spPr>
-        <p:txBody>
-          <a:bodyPr spcFirstLastPara="1" wrap="square" lIns="91425" tIns="91425" rIns="91425" bIns="91425" anchor="ctr" anchorCtr="0">
-            <a:noAutofit/>
-          </a:bodyPr>
-          <a:lstStyle/>
-          <a:p>
-            <a:pPr marL="0" lvl="0" indent="0" algn="l" rtl="0">
-              <a:spcBef>
-                <a:spcPts val="0"/>
-              </a:spcBef>
-              <a:spcAft>
-                <a:spcPts val="0"/>
-              </a:spcAft>
-              <a:buNone/>
-            </a:pPr>
-            <a:endParaRPr/>
-          </a:p>
-        </p:txBody>
-      </p:sp>
-      <p:grpSp>
-        <p:nvGrpSpPr>
-          <p:cNvPr id="1239" name="Google Shape;1239;p47"/>
-          <p:cNvGrpSpPr/>
-          <p:nvPr/>
-        </p:nvGrpSpPr>
-        <p:grpSpPr>
-          <a:xfrm>
-            <a:off x="1695451" y="2917557"/>
-            <a:ext cx="313342" cy="313227"/>
-            <a:chOff x="812101" y="2571761"/>
-            <a:chExt cx="417066" cy="417024"/>
-          </a:xfrm>
-        </p:grpSpPr>
-        <p:sp>
-          <p:nvSpPr>
-            <p:cNvPr id="1240" name="Google Shape;1240;p47"/>
-            <p:cNvSpPr/>
-            <p:nvPr/>
-          </p:nvSpPr>
-          <p:spPr>
-            <a:xfrm>
-              <a:off x="935084" y="2694744"/>
-              <a:ext cx="171071" cy="171071"/>
-            </a:xfrm>
-            <a:custGeom>
-              <a:avLst/>
-              <a:gdLst/>
-              <a:ahLst/>
-              <a:cxnLst/>
-              <a:rect l="l" t="t" r="r" b="b"/>
-              <a:pathLst>
-                <a:path w="8197" h="8197" extrusionOk="0">
-                  <a:moveTo>
-                    <a:pt x="4099" y="1171"/>
-                  </a:moveTo>
-                  <a:cubicBezTo>
-                    <a:pt x="5712" y="1171"/>
-                    <a:pt x="7027" y="2484"/>
-                    <a:pt x="7027" y="4097"/>
-                  </a:cubicBezTo>
-                  <a:cubicBezTo>
-                    <a:pt x="7027" y="5712"/>
-                    <a:pt x="5712" y="7025"/>
-                    <a:pt x="4099" y="7025"/>
-                  </a:cubicBezTo>
-                  <a:cubicBezTo>
-                    <a:pt x="2486" y="7025"/>
-                    <a:pt x="1171" y="5712"/>
-                    <a:pt x="1171" y="4097"/>
-                  </a:cubicBezTo>
-                  <a:cubicBezTo>
-                    <a:pt x="1171" y="2484"/>
-                    <a:pt x="2486" y="1171"/>
-                    <a:pt x="4099" y="1171"/>
-                  </a:cubicBezTo>
-                  <a:close/>
-                  <a:moveTo>
-                    <a:pt x="4099" y="0"/>
-                  </a:moveTo>
-                  <a:cubicBezTo>
-                    <a:pt x="1840" y="0"/>
-                    <a:pt x="0" y="1838"/>
-                    <a:pt x="0" y="4097"/>
-                  </a:cubicBezTo>
-                  <a:cubicBezTo>
-                    <a:pt x="0" y="6358"/>
-                    <a:pt x="1840" y="8196"/>
-                    <a:pt x="4099" y="8196"/>
-                  </a:cubicBezTo>
-                  <a:cubicBezTo>
-                    <a:pt x="6358" y="8196"/>
-                    <a:pt x="8196" y="6358"/>
-                    <a:pt x="8196" y="4097"/>
-                  </a:cubicBezTo>
-                  <a:cubicBezTo>
-                    <a:pt x="8196" y="1838"/>
-                    <a:pt x="6358" y="0"/>
-                    <a:pt x="4099" y="0"/>
-                  </a:cubicBezTo>
-                  <a:close/>
-                </a:path>
-              </a:pathLst>
-            </a:custGeom>
-            <a:solidFill>
-              <a:schemeClr val="lt1"/>
-            </a:solidFill>
-            <a:ln>
-              <a:noFill/>
-            </a:ln>
-          </p:spPr>
-          <p:txBody>
-            <a:bodyPr spcFirstLastPara="1" wrap="square" lIns="91425" tIns="91425" rIns="91425" bIns="91425" anchor="ctr" anchorCtr="0">
-              <a:noAutofit/>
-            </a:bodyPr>
-            <a:lstStyle/>
-            <a:p>
-              <a:pPr marL="0" lvl="0" indent="0" algn="l" rtl="0">
-                <a:spcBef>
-                  <a:spcPts val="0"/>
-                </a:spcBef>
-                <a:spcAft>
-                  <a:spcPts val="0"/>
-                </a:spcAft>
-                <a:buNone/>
-              </a:pPr>
-              <a:endParaRPr/>
-            </a:p>
-          </p:txBody>
-        </p:sp>
-        <p:sp>
-          <p:nvSpPr>
-            <p:cNvPr id="1241" name="Google Shape;1241;p47"/>
-            <p:cNvSpPr/>
-            <p:nvPr/>
-          </p:nvSpPr>
-          <p:spPr>
-            <a:xfrm>
-              <a:off x="860977" y="2620616"/>
-              <a:ext cx="319311" cy="319290"/>
-            </a:xfrm>
-            <a:custGeom>
-              <a:avLst/>
-              <a:gdLst/>
-              <a:ahLst/>
-              <a:cxnLst/>
-              <a:rect l="l" t="t" r="r" b="b"/>
-              <a:pathLst>
-                <a:path w="15300" h="15299" extrusionOk="0">
-                  <a:moveTo>
-                    <a:pt x="12333" y="1171"/>
-                  </a:moveTo>
-                  <a:cubicBezTo>
-                    <a:pt x="13306" y="1171"/>
-                    <a:pt x="14128" y="1994"/>
-                    <a:pt x="14128" y="2967"/>
-                  </a:cubicBezTo>
-                  <a:lnTo>
-                    <a:pt x="14128" y="12334"/>
-                  </a:lnTo>
-                  <a:cubicBezTo>
-                    <a:pt x="14128" y="13307"/>
-                    <a:pt x="13306" y="14129"/>
-                    <a:pt x="12333" y="14129"/>
-                  </a:cubicBezTo>
-                  <a:lnTo>
-                    <a:pt x="2968" y="14129"/>
-                  </a:lnTo>
-                  <a:cubicBezTo>
-                    <a:pt x="1993" y="14129"/>
-                    <a:pt x="1172" y="13307"/>
-                    <a:pt x="1172" y="12334"/>
-                  </a:cubicBezTo>
-                  <a:lnTo>
-                    <a:pt x="1172" y="2967"/>
-                  </a:lnTo>
-                  <a:cubicBezTo>
-                    <a:pt x="1172" y="1994"/>
-                    <a:pt x="1993" y="1171"/>
-                    <a:pt x="2968" y="1171"/>
-                  </a:cubicBezTo>
-                  <a:close/>
-                  <a:moveTo>
-                    <a:pt x="2968" y="0"/>
-                  </a:moveTo>
-                  <a:cubicBezTo>
-                    <a:pt x="1351" y="0"/>
-                    <a:pt x="1" y="1346"/>
-                    <a:pt x="1" y="2967"/>
-                  </a:cubicBezTo>
-                  <a:lnTo>
-                    <a:pt x="1" y="12334"/>
-                  </a:lnTo>
-                  <a:cubicBezTo>
-                    <a:pt x="1" y="13952"/>
-                    <a:pt x="1349" y="15299"/>
-                    <a:pt x="2968" y="15299"/>
-                  </a:cubicBezTo>
-                  <a:lnTo>
-                    <a:pt x="12333" y="15299"/>
-                  </a:lnTo>
-                  <a:cubicBezTo>
-                    <a:pt x="13953" y="15299"/>
-                    <a:pt x="15299" y="13951"/>
-                    <a:pt x="15299" y="12334"/>
-                  </a:cubicBezTo>
-                  <a:lnTo>
-                    <a:pt x="15299" y="2967"/>
-                  </a:lnTo>
-                  <a:cubicBezTo>
-                    <a:pt x="15299" y="1345"/>
-                    <a:pt x="13948" y="0"/>
-                    <a:pt x="12333" y="0"/>
-                  </a:cubicBezTo>
-                  <a:close/>
-                </a:path>
-              </a:pathLst>
-            </a:custGeom>
-            <a:solidFill>
-              <a:schemeClr val="lt1"/>
-            </a:solidFill>
-            <a:ln>
-              <a:noFill/>
-            </a:ln>
-          </p:spPr>
-          <p:txBody>
-            <a:bodyPr spcFirstLastPara="1" wrap="square" lIns="91425" tIns="91425" rIns="91425" bIns="91425" anchor="ctr" anchorCtr="0">
-              <a:noAutofit/>
-            </a:bodyPr>
-            <a:lstStyle/>
-            <a:p>
-              <a:pPr marL="0" lvl="0" indent="0" algn="l" rtl="0">
-                <a:spcBef>
-                  <a:spcPts val="0"/>
-                </a:spcBef>
-                <a:spcAft>
-                  <a:spcPts val="0"/>
-                </a:spcAft>
-                <a:buNone/>
-              </a:pPr>
-              <a:endParaRPr/>
-            </a:p>
-          </p:txBody>
-        </p:sp>
-        <p:sp>
-          <p:nvSpPr>
-            <p:cNvPr id="1242" name="Google Shape;1242;p47"/>
-            <p:cNvSpPr/>
-            <p:nvPr/>
-          </p:nvSpPr>
-          <p:spPr>
-            <a:xfrm>
-              <a:off x="812101" y="2571761"/>
-              <a:ext cx="417066" cy="417024"/>
-            </a:xfrm>
-            <a:custGeom>
-              <a:avLst/>
-              <a:gdLst/>
-              <a:ahLst/>
-              <a:cxnLst/>
-              <a:rect l="l" t="t" r="r" b="b"/>
-              <a:pathLst>
-                <a:path w="19984" h="19982" extrusionOk="0">
-                  <a:moveTo>
-                    <a:pt x="17056" y="1172"/>
-                  </a:moveTo>
-                  <a:cubicBezTo>
-                    <a:pt x="18025" y="1172"/>
-                    <a:pt x="18812" y="1959"/>
-                    <a:pt x="18812" y="2927"/>
-                  </a:cubicBezTo>
-                  <a:lnTo>
-                    <a:pt x="18812" y="17056"/>
-                  </a:lnTo>
-                  <a:cubicBezTo>
-                    <a:pt x="18812" y="18023"/>
-                    <a:pt x="18025" y="18811"/>
-                    <a:pt x="17056" y="18811"/>
-                  </a:cubicBezTo>
-                  <a:lnTo>
-                    <a:pt x="2928" y="18811"/>
-                  </a:lnTo>
-                  <a:cubicBezTo>
-                    <a:pt x="1961" y="18811"/>
-                    <a:pt x="1172" y="18023"/>
-                    <a:pt x="1172" y="17056"/>
-                  </a:cubicBezTo>
-                  <a:lnTo>
-                    <a:pt x="1172" y="2927"/>
-                  </a:lnTo>
-                  <a:cubicBezTo>
-                    <a:pt x="1172" y="1959"/>
-                    <a:pt x="1961" y="1172"/>
-                    <a:pt x="2928" y="1172"/>
-                  </a:cubicBezTo>
-                  <a:close/>
-                  <a:moveTo>
-                    <a:pt x="2928" y="1"/>
-                  </a:moveTo>
-                  <a:cubicBezTo>
-                    <a:pt x="1313" y="1"/>
-                    <a:pt x="1" y="1313"/>
-                    <a:pt x="1" y="2927"/>
-                  </a:cubicBezTo>
-                  <a:lnTo>
-                    <a:pt x="1" y="17056"/>
-                  </a:lnTo>
-                  <a:cubicBezTo>
-                    <a:pt x="1" y="18669"/>
-                    <a:pt x="1313" y="19982"/>
-                    <a:pt x="2928" y="19982"/>
-                  </a:cubicBezTo>
-                  <a:lnTo>
-                    <a:pt x="17056" y="19982"/>
-                  </a:lnTo>
-                  <a:cubicBezTo>
-                    <a:pt x="18669" y="19982"/>
-                    <a:pt x="19984" y="18669"/>
-                    <a:pt x="19984" y="17056"/>
-                  </a:cubicBezTo>
-                  <a:lnTo>
-                    <a:pt x="19984" y="2927"/>
-                  </a:lnTo>
-                  <a:cubicBezTo>
-                    <a:pt x="19984" y="1313"/>
-                    <a:pt x="18669" y="1"/>
-                    <a:pt x="17056" y="1"/>
-                  </a:cubicBezTo>
-                  <a:close/>
-                </a:path>
-              </a:pathLst>
-            </a:custGeom>
-            <a:solidFill>
-              <a:schemeClr val="lt1"/>
-            </a:solidFill>
-            <a:ln>
-              <a:noFill/>
-            </a:ln>
-          </p:spPr>
-          <p:txBody>
-            <a:bodyPr spcFirstLastPara="1" wrap="square" lIns="91425" tIns="91425" rIns="91425" bIns="91425" anchor="ctr" anchorCtr="0">
-              <a:noAutofit/>
-            </a:bodyPr>
-            <a:lstStyle/>
-            <a:p>
-              <a:pPr marL="0" lvl="0" indent="0" algn="l" rtl="0">
-                <a:spcBef>
-                  <a:spcPts val="0"/>
-                </a:spcBef>
-                <a:spcAft>
-                  <a:spcPts val="0"/>
-                </a:spcAft>
-                <a:buNone/>
-              </a:pPr>
-              <a:endParaRPr/>
-            </a:p>
-          </p:txBody>
-        </p:sp>
-        <p:sp>
-          <p:nvSpPr>
-            <p:cNvPr id="1243" name="Google Shape;1243;p47"/>
-            <p:cNvSpPr/>
-            <p:nvPr/>
-          </p:nvSpPr>
-          <p:spPr>
-            <a:xfrm>
-              <a:off x="1081712" y="2670306"/>
-              <a:ext cx="48878" cy="48898"/>
-            </a:xfrm>
-            <a:custGeom>
-              <a:avLst/>
-              <a:gdLst/>
-              <a:ahLst/>
-              <a:cxnLst/>
-              <a:rect l="l" t="t" r="r" b="b"/>
-              <a:pathLst>
-                <a:path w="2342" h="2343" extrusionOk="0">
-                  <a:moveTo>
-                    <a:pt x="1170" y="0"/>
-                  </a:moveTo>
-                  <a:cubicBezTo>
-                    <a:pt x="524" y="0"/>
-                    <a:pt x="1" y="526"/>
-                    <a:pt x="1" y="1171"/>
-                  </a:cubicBezTo>
-                  <a:cubicBezTo>
-                    <a:pt x="1" y="1817"/>
-                    <a:pt x="524" y="2342"/>
-                    <a:pt x="1170" y="2342"/>
-                  </a:cubicBezTo>
-                  <a:cubicBezTo>
-                    <a:pt x="1816" y="2342"/>
-                    <a:pt x="2341" y="1817"/>
-                    <a:pt x="2341" y="1171"/>
-                  </a:cubicBezTo>
-                  <a:cubicBezTo>
-                    <a:pt x="2341" y="526"/>
-                    <a:pt x="1816" y="0"/>
-                    <a:pt x="1170" y="0"/>
-                  </a:cubicBezTo>
-                  <a:close/>
-                </a:path>
-              </a:pathLst>
-            </a:custGeom>
-            <a:solidFill>
-              <a:schemeClr val="lt1"/>
-            </a:solidFill>
-            <a:ln>
-              <a:noFill/>
-            </a:ln>
-          </p:spPr>
-          <p:txBody>
-            <a:bodyPr spcFirstLastPara="1" wrap="square" lIns="91425" tIns="91425" rIns="91425" bIns="91425" anchor="ctr" anchorCtr="0">
-              <a:noAutofit/>
-            </a:bodyPr>
-            <a:lstStyle/>
-            <a:p>
-              <a:pPr marL="0" lvl="0" indent="0" algn="l" rtl="0">
-                <a:spcBef>
-                  <a:spcPts val="0"/>
-                </a:spcBef>
-                <a:spcAft>
-                  <a:spcPts val="0"/>
-                </a:spcAft>
-                <a:buNone/>
-              </a:pPr>
-              <a:endParaRPr/>
-            </a:p>
-          </p:txBody>
-        </p:sp>
-      </p:grpSp>
-      <p:grpSp>
-        <p:nvGrpSpPr>
-          <p:cNvPr id="1244" name="Google Shape;1244;p47"/>
-          <p:cNvGrpSpPr/>
-          <p:nvPr/>
-        </p:nvGrpSpPr>
-        <p:grpSpPr>
-          <a:xfrm>
-            <a:off x="2172020" y="2917557"/>
-            <a:ext cx="313310" cy="313227"/>
-            <a:chOff x="1323129" y="2571761"/>
-            <a:chExt cx="417024" cy="417024"/>
-          </a:xfrm>
-        </p:grpSpPr>
-        <p:sp>
-          <p:nvSpPr>
-            <p:cNvPr id="1245" name="Google Shape;1245;p47"/>
-            <p:cNvSpPr/>
-            <p:nvPr/>
-          </p:nvSpPr>
-          <p:spPr>
-            <a:xfrm>
-              <a:off x="1385007" y="2719183"/>
-              <a:ext cx="73337" cy="219907"/>
-            </a:xfrm>
-            <a:custGeom>
-              <a:avLst/>
-              <a:gdLst/>
-              <a:ahLst/>
-              <a:cxnLst/>
-              <a:rect l="l" t="t" r="r" b="b"/>
-              <a:pathLst>
-                <a:path w="3514" h="10537" extrusionOk="0">
-                  <a:moveTo>
-                    <a:pt x="2342" y="1171"/>
-                  </a:moveTo>
-                  <a:lnTo>
-                    <a:pt x="2342" y="9367"/>
-                  </a:lnTo>
-                  <a:lnTo>
-                    <a:pt x="1171" y="9367"/>
-                  </a:lnTo>
-                  <a:lnTo>
-                    <a:pt x="1171" y="1171"/>
-                  </a:lnTo>
-                  <a:close/>
-                  <a:moveTo>
-                    <a:pt x="586" y="0"/>
-                  </a:moveTo>
-                  <a:cubicBezTo>
-                    <a:pt x="264" y="0"/>
-                    <a:pt x="0" y="262"/>
-                    <a:pt x="0" y="586"/>
-                  </a:cubicBezTo>
-                  <a:lnTo>
-                    <a:pt x="0" y="9951"/>
-                  </a:lnTo>
-                  <a:cubicBezTo>
-                    <a:pt x="0" y="10275"/>
-                    <a:pt x="264" y="10537"/>
-                    <a:pt x="586" y="10537"/>
-                  </a:cubicBezTo>
-                  <a:lnTo>
-                    <a:pt x="2928" y="10537"/>
-                  </a:lnTo>
-                  <a:cubicBezTo>
-                    <a:pt x="3252" y="10537"/>
-                    <a:pt x="3514" y="10275"/>
-                    <a:pt x="3514" y="9951"/>
-                  </a:cubicBezTo>
-                  <a:lnTo>
-                    <a:pt x="3514" y="586"/>
-                  </a:lnTo>
-                  <a:cubicBezTo>
-                    <a:pt x="3514" y="262"/>
-                    <a:pt x="3252" y="0"/>
-                    <a:pt x="2928" y="0"/>
-                  </a:cubicBezTo>
-                  <a:close/>
-                </a:path>
-              </a:pathLst>
-            </a:custGeom>
-            <a:solidFill>
-              <a:schemeClr val="lt1"/>
-            </a:solidFill>
-            <a:ln>
-              <a:noFill/>
-            </a:ln>
-          </p:spPr>
-          <p:txBody>
-            <a:bodyPr spcFirstLastPara="1" wrap="square" lIns="91425" tIns="91425" rIns="91425" bIns="91425" anchor="ctr" anchorCtr="0">
-              <a:noAutofit/>
-            </a:bodyPr>
-            <a:lstStyle/>
-            <a:p>
-              <a:pPr marL="0" lvl="0" indent="0" algn="l" rtl="0">
-                <a:spcBef>
-                  <a:spcPts val="0"/>
-                </a:spcBef>
-                <a:spcAft>
-                  <a:spcPts val="0"/>
-                </a:spcAft>
-                <a:buNone/>
-              </a:pPr>
-              <a:endParaRPr/>
-            </a:p>
-          </p:txBody>
-        </p:sp>
-        <p:sp>
-          <p:nvSpPr>
-            <p:cNvPr id="1246" name="Google Shape;1246;p47"/>
-            <p:cNvSpPr/>
-            <p:nvPr/>
-          </p:nvSpPr>
-          <p:spPr>
-            <a:xfrm>
-              <a:off x="1385007" y="2621430"/>
-              <a:ext cx="73337" cy="73337"/>
-            </a:xfrm>
-            <a:custGeom>
-              <a:avLst/>
-              <a:gdLst/>
-              <a:ahLst/>
-              <a:cxnLst/>
-              <a:rect l="l" t="t" r="r" b="b"/>
-              <a:pathLst>
-                <a:path w="3514" h="3514" extrusionOk="0">
-                  <a:moveTo>
-                    <a:pt x="1757" y="1171"/>
-                  </a:moveTo>
-                  <a:cubicBezTo>
-                    <a:pt x="2081" y="1171"/>
-                    <a:pt x="2342" y="1435"/>
-                    <a:pt x="2342" y="1757"/>
-                  </a:cubicBezTo>
-                  <a:cubicBezTo>
-                    <a:pt x="2342" y="2080"/>
-                    <a:pt x="2081" y="2342"/>
-                    <a:pt x="1757" y="2342"/>
-                  </a:cubicBezTo>
-                  <a:cubicBezTo>
-                    <a:pt x="1435" y="2342"/>
-                    <a:pt x="1171" y="2080"/>
-                    <a:pt x="1171" y="1757"/>
-                  </a:cubicBezTo>
-                  <a:cubicBezTo>
-                    <a:pt x="1171" y="1435"/>
-                    <a:pt x="1435" y="1171"/>
-                    <a:pt x="1757" y="1171"/>
-                  </a:cubicBezTo>
-                  <a:close/>
-                  <a:moveTo>
-                    <a:pt x="1757" y="0"/>
-                  </a:moveTo>
-                  <a:cubicBezTo>
-                    <a:pt x="789" y="0"/>
-                    <a:pt x="0" y="789"/>
-                    <a:pt x="0" y="1757"/>
-                  </a:cubicBezTo>
-                  <a:cubicBezTo>
-                    <a:pt x="0" y="2726"/>
-                    <a:pt x="789" y="3513"/>
-                    <a:pt x="1757" y="3513"/>
-                  </a:cubicBezTo>
-                  <a:cubicBezTo>
-                    <a:pt x="2726" y="3513"/>
-                    <a:pt x="3514" y="2726"/>
-                    <a:pt x="3514" y="1757"/>
-                  </a:cubicBezTo>
-                  <a:cubicBezTo>
-                    <a:pt x="3514" y="789"/>
-                    <a:pt x="2726" y="0"/>
-                    <a:pt x="1757" y="0"/>
-                  </a:cubicBezTo>
-                  <a:close/>
-                </a:path>
-              </a:pathLst>
-            </a:custGeom>
-            <a:solidFill>
-              <a:schemeClr val="lt1"/>
-            </a:solidFill>
-            <a:ln>
-              <a:noFill/>
-            </a:ln>
-          </p:spPr>
-          <p:txBody>
-            <a:bodyPr spcFirstLastPara="1" wrap="square" lIns="91425" tIns="91425" rIns="91425" bIns="91425" anchor="ctr" anchorCtr="0">
-              <a:noAutofit/>
-            </a:bodyPr>
-            <a:lstStyle/>
-            <a:p>
-              <a:pPr marL="0" lvl="0" indent="0" algn="l" rtl="0">
-                <a:spcBef>
-                  <a:spcPts val="0"/>
-                </a:spcBef>
-                <a:spcAft>
-                  <a:spcPts val="0"/>
-                </a:spcAft>
-                <a:buNone/>
-              </a:pPr>
-              <a:endParaRPr/>
-            </a:p>
-          </p:txBody>
-        </p:sp>
-        <p:sp>
-          <p:nvSpPr>
-            <p:cNvPr id="1247" name="Google Shape;1247;p47"/>
-            <p:cNvSpPr/>
-            <p:nvPr/>
-          </p:nvSpPr>
-          <p:spPr>
-            <a:xfrm>
-              <a:off x="1482759" y="2718786"/>
-              <a:ext cx="195510" cy="220304"/>
-            </a:xfrm>
-            <a:custGeom>
-              <a:avLst/>
-              <a:gdLst/>
-              <a:ahLst/>
-              <a:cxnLst/>
-              <a:rect l="l" t="t" r="r" b="b"/>
-              <a:pathLst>
-                <a:path w="9368" h="10556" extrusionOk="0">
-                  <a:moveTo>
-                    <a:pt x="5559" y="1173"/>
-                  </a:moveTo>
-                  <a:cubicBezTo>
-                    <a:pt x="5720" y="1173"/>
-                    <a:pt x="5883" y="1186"/>
-                    <a:pt x="6044" y="1212"/>
-                  </a:cubicBezTo>
-                  <a:cubicBezTo>
-                    <a:pt x="7422" y="1435"/>
-                    <a:pt x="8196" y="2535"/>
-                    <a:pt x="8196" y="3669"/>
-                  </a:cubicBezTo>
-                  <a:lnTo>
-                    <a:pt x="8196" y="9386"/>
-                  </a:lnTo>
-                  <a:lnTo>
-                    <a:pt x="7025" y="9386"/>
-                  </a:lnTo>
-                  <a:lnTo>
-                    <a:pt x="7025" y="4702"/>
-                  </a:lnTo>
-                  <a:cubicBezTo>
-                    <a:pt x="7025" y="3411"/>
-                    <a:pt x="5975" y="2360"/>
-                    <a:pt x="4683" y="2360"/>
-                  </a:cubicBezTo>
-                  <a:cubicBezTo>
-                    <a:pt x="3392" y="2360"/>
-                    <a:pt x="2341" y="3411"/>
-                    <a:pt x="2341" y="4702"/>
-                  </a:cubicBezTo>
-                  <a:lnTo>
-                    <a:pt x="2341" y="9386"/>
-                  </a:lnTo>
-                  <a:lnTo>
-                    <a:pt x="1170" y="9386"/>
-                  </a:lnTo>
-                  <a:lnTo>
-                    <a:pt x="1170" y="1190"/>
-                  </a:lnTo>
-                  <a:lnTo>
-                    <a:pt x="2341" y="1190"/>
-                  </a:lnTo>
-                  <a:lnTo>
-                    <a:pt x="2341" y="1776"/>
-                  </a:lnTo>
-                  <a:cubicBezTo>
-                    <a:pt x="2341" y="2011"/>
-                    <a:pt x="2484" y="2225"/>
-                    <a:pt x="2704" y="2316"/>
-                  </a:cubicBezTo>
-                  <a:cubicBezTo>
-                    <a:pt x="2776" y="2346"/>
-                    <a:pt x="2852" y="2361"/>
-                    <a:pt x="2928" y="2361"/>
-                  </a:cubicBezTo>
-                  <a:cubicBezTo>
-                    <a:pt x="3080" y="2361"/>
-                    <a:pt x="3229" y="2301"/>
-                    <a:pt x="3341" y="2190"/>
-                  </a:cubicBezTo>
-                  <a:lnTo>
-                    <a:pt x="3615" y="1916"/>
-                  </a:lnTo>
-                  <a:cubicBezTo>
-                    <a:pt x="4086" y="1443"/>
-                    <a:pt x="4813" y="1173"/>
-                    <a:pt x="5559" y="1173"/>
-                  </a:cubicBezTo>
-                  <a:close/>
-                  <a:moveTo>
-                    <a:pt x="5553" y="0"/>
-                  </a:moveTo>
-                  <a:cubicBezTo>
-                    <a:pt x="4823" y="0"/>
-                    <a:pt x="4110" y="189"/>
-                    <a:pt x="3509" y="536"/>
-                  </a:cubicBezTo>
-                  <a:cubicBezTo>
-                    <a:pt x="3475" y="246"/>
-                    <a:pt x="3227" y="19"/>
-                    <a:pt x="2927" y="19"/>
-                  </a:cubicBezTo>
-                  <a:lnTo>
-                    <a:pt x="586" y="19"/>
-                  </a:lnTo>
-                  <a:cubicBezTo>
-                    <a:pt x="262" y="19"/>
-                    <a:pt x="1" y="281"/>
-                    <a:pt x="1" y="605"/>
-                  </a:cubicBezTo>
-                  <a:lnTo>
-                    <a:pt x="1" y="9970"/>
-                  </a:lnTo>
-                  <a:cubicBezTo>
-                    <a:pt x="1" y="10294"/>
-                    <a:pt x="262" y="10556"/>
-                    <a:pt x="586" y="10556"/>
-                  </a:cubicBezTo>
-                  <a:lnTo>
-                    <a:pt x="2927" y="10556"/>
-                  </a:lnTo>
-                  <a:cubicBezTo>
-                    <a:pt x="3250" y="10556"/>
-                    <a:pt x="3512" y="10294"/>
-                    <a:pt x="3512" y="9970"/>
-                  </a:cubicBezTo>
-                  <a:lnTo>
-                    <a:pt x="3512" y="4702"/>
-                  </a:lnTo>
-                  <a:cubicBezTo>
-                    <a:pt x="3512" y="4056"/>
-                    <a:pt x="4038" y="3531"/>
-                    <a:pt x="4683" y="3531"/>
-                  </a:cubicBezTo>
-                  <a:cubicBezTo>
-                    <a:pt x="5329" y="3531"/>
-                    <a:pt x="5854" y="4056"/>
-                    <a:pt x="5854" y="4702"/>
-                  </a:cubicBezTo>
-                  <a:lnTo>
-                    <a:pt x="5854" y="9970"/>
-                  </a:lnTo>
-                  <a:cubicBezTo>
-                    <a:pt x="5854" y="10294"/>
-                    <a:pt x="6116" y="10556"/>
-                    <a:pt x="6440" y="10556"/>
-                  </a:cubicBezTo>
-                  <a:lnTo>
-                    <a:pt x="8782" y="10556"/>
-                  </a:lnTo>
-                  <a:cubicBezTo>
-                    <a:pt x="9104" y="10556"/>
-                    <a:pt x="9368" y="10294"/>
-                    <a:pt x="9368" y="9970"/>
-                  </a:cubicBezTo>
-                  <a:lnTo>
-                    <a:pt x="9368" y="3669"/>
-                  </a:lnTo>
-                  <a:cubicBezTo>
-                    <a:pt x="9368" y="1921"/>
-                    <a:pt x="8131" y="364"/>
-                    <a:pt x="6231" y="55"/>
-                  </a:cubicBezTo>
-                  <a:cubicBezTo>
-                    <a:pt x="6005" y="18"/>
-                    <a:pt x="5779" y="0"/>
-                    <a:pt x="5553" y="0"/>
-                  </a:cubicBezTo>
-                  <a:close/>
-                </a:path>
-              </a:pathLst>
-            </a:custGeom>
-            <a:solidFill>
-              <a:schemeClr val="lt1"/>
-            </a:solidFill>
-            <a:ln>
-              <a:noFill/>
-            </a:ln>
-          </p:spPr>
-          <p:txBody>
-            <a:bodyPr spcFirstLastPara="1" wrap="square" lIns="91425" tIns="91425" rIns="91425" bIns="91425" anchor="ctr" anchorCtr="0">
-              <a:noAutofit/>
-            </a:bodyPr>
-            <a:lstStyle/>
-            <a:p>
-              <a:pPr marL="0" lvl="0" indent="0" algn="l" rtl="0">
-                <a:spcBef>
-                  <a:spcPts val="0"/>
-                </a:spcBef>
-                <a:spcAft>
-                  <a:spcPts val="0"/>
-                </a:spcAft>
-                <a:buNone/>
-              </a:pPr>
-              <a:endParaRPr/>
-            </a:p>
-          </p:txBody>
-        </p:sp>
-        <p:sp>
-          <p:nvSpPr>
-            <p:cNvPr id="1248" name="Google Shape;1248;p47"/>
-            <p:cNvSpPr/>
-            <p:nvPr/>
-          </p:nvSpPr>
-          <p:spPr>
-            <a:xfrm>
-              <a:off x="1323129" y="2571761"/>
-              <a:ext cx="417024" cy="417024"/>
-            </a:xfrm>
-            <a:custGeom>
-              <a:avLst/>
-              <a:gdLst/>
-              <a:ahLst/>
-              <a:cxnLst/>
-              <a:rect l="l" t="t" r="r" b="b"/>
-              <a:pathLst>
-                <a:path w="19982" h="19982" extrusionOk="0">
-                  <a:moveTo>
-                    <a:pt x="17015" y="1170"/>
-                  </a:moveTo>
-                  <a:cubicBezTo>
-                    <a:pt x="17989" y="1170"/>
-                    <a:pt x="18810" y="1993"/>
-                    <a:pt x="18810" y="2966"/>
-                  </a:cubicBezTo>
-                  <a:lnTo>
-                    <a:pt x="18810" y="17015"/>
-                  </a:lnTo>
-                  <a:cubicBezTo>
-                    <a:pt x="18810" y="17990"/>
-                    <a:pt x="17989" y="18811"/>
-                    <a:pt x="17015" y="18811"/>
-                  </a:cubicBezTo>
-                  <a:lnTo>
-                    <a:pt x="2965" y="18811"/>
-                  </a:lnTo>
-                  <a:cubicBezTo>
-                    <a:pt x="1992" y="18811"/>
-                    <a:pt x="1170" y="17990"/>
-                    <a:pt x="1170" y="17015"/>
-                  </a:cubicBezTo>
-                  <a:lnTo>
-                    <a:pt x="1170" y="2966"/>
-                  </a:lnTo>
-                  <a:cubicBezTo>
-                    <a:pt x="1170" y="1993"/>
-                    <a:pt x="1992" y="1170"/>
-                    <a:pt x="2965" y="1170"/>
-                  </a:cubicBezTo>
-                  <a:close/>
-                  <a:moveTo>
-                    <a:pt x="2965" y="1"/>
-                  </a:moveTo>
-                  <a:cubicBezTo>
-                    <a:pt x="1347" y="1"/>
-                    <a:pt x="0" y="1349"/>
-                    <a:pt x="0" y="2966"/>
-                  </a:cubicBezTo>
-                  <a:lnTo>
-                    <a:pt x="0" y="17015"/>
-                  </a:lnTo>
-                  <a:cubicBezTo>
-                    <a:pt x="0" y="18635"/>
-                    <a:pt x="1348" y="19982"/>
-                    <a:pt x="2965" y="19982"/>
-                  </a:cubicBezTo>
-                  <a:lnTo>
-                    <a:pt x="17017" y="19982"/>
-                  </a:lnTo>
-                  <a:cubicBezTo>
-                    <a:pt x="18635" y="19982"/>
-                    <a:pt x="19981" y="18634"/>
-                    <a:pt x="19981" y="17015"/>
-                  </a:cubicBezTo>
-                  <a:lnTo>
-                    <a:pt x="19981" y="2966"/>
-                  </a:lnTo>
-                  <a:cubicBezTo>
-                    <a:pt x="19981" y="1347"/>
-                    <a:pt x="18633" y="1"/>
-                    <a:pt x="17017" y="1"/>
-                  </a:cubicBezTo>
-                  <a:close/>
-                </a:path>
-              </a:pathLst>
-            </a:custGeom>
-            <a:solidFill>
-              <a:schemeClr val="lt1"/>
-            </a:solidFill>
-            <a:ln>
-              <a:noFill/>
-            </a:ln>
-          </p:spPr>
-          <p:txBody>
-            <a:bodyPr spcFirstLastPara="1" wrap="square" lIns="91425" tIns="91425" rIns="91425" bIns="91425" anchor="ctr" anchorCtr="0">
-              <a:noAutofit/>
-            </a:bodyPr>
-            <a:lstStyle/>
-            <a:p>
-              <a:pPr marL="0" lvl="0" indent="0" algn="l" rtl="0">
-                <a:spcBef>
-                  <a:spcPts val="0"/>
-                </a:spcBef>
-                <a:spcAft>
-                  <a:spcPts val="0"/>
-                </a:spcAft>
-                <a:buNone/>
-              </a:pPr>
-              <a:endParaRPr/>
-            </a:p>
-          </p:txBody>
-        </p:sp>
-      </p:grpSp>
     </p:spTree>
   </p:cSld>
   <p:clrMapOvr>

--- a/tcc/apresentacao/Apresentação TCC.pptx
+++ b/tcc/apresentacao/Apresentação TCC.pptx
@@ -16891,7 +16891,7 @@
                 <a:effectLst/>
                 <a:latin typeface="Arial" panose="020B0604020202020204" pitchFamily="34" charset="0"/>
               </a:rPr>
-              <a:t>Proposta: Sistema online moderno e acessível </a:t>
+              <a:t>Proposta: Sistema online acessível </a:t>
             </a:r>
           </a:p>
         </p:txBody>
@@ -18048,7 +18048,7 @@
                 <a:effectLst/>
                 <a:latin typeface="Arial" panose="020B0604020202020204" pitchFamily="34" charset="0"/>
               </a:rPr>
-              <a:t>Solução proposta: Sistema digital de reservas</a:t>
+              <a:t>Sistema digital de reservas</a:t>
             </a:r>
           </a:p>
           <a:p>
@@ -20303,8 +20303,8 @@
         </p:nvSpPr>
         <p:spPr bwMode="auto">
           <a:xfrm>
-            <a:off x="454030" y="1017725"/>
-            <a:ext cx="7800636" cy="3539430"/>
+            <a:off x="720000" y="1295453"/>
+            <a:ext cx="7800636" cy="1200329"/>
           </a:xfrm>
           <a:prstGeom prst="rect">
             <a:avLst/>
@@ -20369,7 +20369,7 @@
               <a:tabLst/>
             </a:pPr>
             <a:r>
-              <a:rPr kumimoji="0" lang="pt-BR" altLang="pt-BR" b="1" i="0" u="none" strike="noStrike" cap="none" normalizeH="0" baseline="0" dirty="0">
+              <a:rPr kumimoji="0" lang="pt-BR" altLang="pt-BR" sz="1800" i="0" u="none" strike="noStrike" cap="none" normalizeH="0" baseline="0" dirty="0">
                 <a:ln>
                   <a:noFill/>
                 </a:ln>
@@ -20379,20 +20379,7 @@
                 <a:effectLst/>
                 <a:latin typeface="Arial" panose="020B0604020202020204" pitchFamily="34" charset="0"/>
               </a:rPr>
-              <a:t>Gestão de Recursos em Ambientes Escolares:</a:t>
-            </a:r>
-            <a:r>
-              <a:rPr kumimoji="0" lang="pt-BR" altLang="pt-BR" b="0" i="0" u="none" strike="noStrike" cap="none" normalizeH="0" baseline="0" dirty="0">
-                <a:ln>
-                  <a:noFill/>
-                </a:ln>
-                <a:solidFill>
-                  <a:schemeClr val="tx1"/>
-                </a:solidFill>
-                <a:effectLst/>
-                <a:latin typeface="Arial" panose="020B0604020202020204" pitchFamily="34" charset="0"/>
-              </a:rPr>
-              <a:t> Uma administração eficiente dos espaços escolares é essencial para otimizar o processo educacional e evitar conflitos no uso dos laboratórios.</a:t>
+              <a:t>Gestão de Recursos em Ambientes Escolares</a:t>
             </a:r>
           </a:p>
           <a:p>
@@ -20412,16 +20399,19 @@
               <a:buChar char="•"/>
               <a:tabLst/>
             </a:pPr>
-            <a:endParaRPr kumimoji="0" lang="pt-BR" altLang="pt-BR" b="0" i="0" u="none" strike="noStrike" cap="none" normalizeH="0" baseline="0" dirty="0">
-              <a:ln>
-                <a:noFill/>
-              </a:ln>
-              <a:solidFill>
-                <a:schemeClr val="tx1"/>
-              </a:solidFill>
-              <a:effectLst/>
-              <a:latin typeface="Arial" panose="020B0604020202020204" pitchFamily="34" charset="0"/>
-            </a:endParaRPr>
+            <a:r>
+              <a:rPr kumimoji="0" lang="pt-BR" altLang="pt-BR" sz="1800" i="0" u="none" strike="noStrike" cap="none" normalizeH="0" baseline="0" dirty="0">
+                <a:ln>
+                  <a:noFill/>
+                </a:ln>
+                <a:solidFill>
+                  <a:schemeClr val="tx1"/>
+                </a:solidFill>
+                <a:effectLst/>
+                <a:latin typeface="Arial" panose="020B0604020202020204" pitchFamily="34" charset="0"/>
+              </a:rPr>
+              <a:t>Sistemas de Reservas</a:t>
+            </a:r>
           </a:p>
           <a:p>
             <a:pPr marL="285750" marR="0" lvl="0" indent="-285750" algn="just" defTabSz="914400" rtl="0" eaLnBrk="0" fontAlgn="base" latinLnBrk="0" hangingPunct="0">
@@ -20441,7 +20431,7 @@
               <a:tabLst/>
             </a:pPr>
             <a:r>
-              <a:rPr kumimoji="0" lang="pt-BR" altLang="pt-BR" b="1" i="0" u="none" strike="noStrike" cap="none" normalizeH="0" baseline="0" dirty="0">
+              <a:rPr kumimoji="0" lang="pt-BR" altLang="pt-BR" sz="1800" i="0" u="none" strike="noStrike" cap="none" normalizeH="0" baseline="0" dirty="0">
                 <a:ln>
                   <a:noFill/>
                 </a:ln>
@@ -20451,20 +20441,7 @@
                 <a:effectLst/>
                 <a:latin typeface="Arial" panose="020B0604020202020204" pitchFamily="34" charset="0"/>
               </a:rPr>
-              <a:t>Sistemas de Reservas:</a:t>
-            </a:r>
-            <a:r>
-              <a:rPr kumimoji="0" lang="pt-BR" altLang="pt-BR" b="0" i="0" u="none" strike="noStrike" cap="none" normalizeH="0" baseline="0" dirty="0">
-                <a:ln>
-                  <a:noFill/>
-                </a:ln>
-                <a:solidFill>
-                  <a:schemeClr val="tx1"/>
-                </a:solidFill>
-                <a:effectLst/>
-                <a:latin typeface="Arial" panose="020B0604020202020204" pitchFamily="34" charset="0"/>
-              </a:rPr>
-              <a:t> Substituem métodos manuais por soluções digitais, promovendo automação, redução de erros e eficiência na organização.</a:t>
+              <a:t>Sistemas Web</a:t>
             </a:r>
           </a:p>
           <a:p>
@@ -20484,36 +20461,8 @@
               <a:buChar char="•"/>
               <a:tabLst/>
             </a:pPr>
-            <a:endParaRPr kumimoji="0" lang="pt-BR" altLang="pt-BR" b="0" i="0" u="none" strike="noStrike" cap="none" normalizeH="0" baseline="0" dirty="0">
-              <a:ln>
-                <a:noFill/>
-              </a:ln>
-              <a:solidFill>
-                <a:schemeClr val="tx1"/>
-              </a:solidFill>
-              <a:effectLst/>
-              <a:latin typeface="Arial" panose="020B0604020202020204" pitchFamily="34" charset="0"/>
-            </a:endParaRPr>
-          </a:p>
-          <a:p>
-            <a:pPr marL="285750" marR="0" lvl="0" indent="-285750" algn="just" defTabSz="914400" rtl="0" eaLnBrk="0" fontAlgn="base" latinLnBrk="0" hangingPunct="0">
-              <a:lnSpc>
-                <a:spcPct val="100000"/>
-              </a:lnSpc>
-              <a:spcBef>
-                <a:spcPct val="0"/>
-              </a:spcBef>
-              <a:spcAft>
-                <a:spcPct val="0"/>
-              </a:spcAft>
-              <a:buClrTx/>
-              <a:buSzTx/>
-              <a:buFont typeface="Arial" panose="020B0604020202020204" pitchFamily="34" charset="0"/>
-              <a:buChar char="•"/>
-              <a:tabLst/>
-            </a:pPr>
             <a:r>
-              <a:rPr kumimoji="0" lang="pt-BR" altLang="pt-BR" b="1" i="0" u="none" strike="noStrike" cap="none" normalizeH="0" baseline="0" dirty="0">
+              <a:rPr kumimoji="0" lang="pt-BR" altLang="pt-BR" sz="1800" i="0" u="none" strike="noStrike" cap="none" normalizeH="0" baseline="0" dirty="0">
                 <a:ln>
                   <a:noFill/>
                 </a:ln>
@@ -20523,92 +20472,7 @@
                 <a:effectLst/>
                 <a:latin typeface="Arial" panose="020B0604020202020204" pitchFamily="34" charset="0"/>
               </a:rPr>
-              <a:t>Sistemas Web:</a:t>
-            </a:r>
-            <a:r>
-              <a:rPr kumimoji="0" lang="pt-BR" altLang="pt-BR" b="0" i="0" u="none" strike="noStrike" cap="none" normalizeH="0" baseline="0" dirty="0">
-                <a:ln>
-                  <a:noFill/>
-                </a:ln>
-                <a:solidFill>
-                  <a:schemeClr val="tx1"/>
-                </a:solidFill>
-                <a:effectLst/>
-                <a:latin typeface="Arial" panose="020B0604020202020204" pitchFamily="34" charset="0"/>
-              </a:rPr>
-              <a:t> São acessíveis de qualquer lugar com internet, eles proporcionam flexibilidade e integração tecnológica, sendo o Django a ferramenta escolhida para o desenvolvimento.</a:t>
-            </a:r>
-          </a:p>
-          <a:p>
-            <a:pPr marL="285750" marR="0" lvl="0" indent="-285750" algn="just" defTabSz="914400" rtl="0" eaLnBrk="0" fontAlgn="base" latinLnBrk="0" hangingPunct="0">
-              <a:lnSpc>
-                <a:spcPct val="100000"/>
-              </a:lnSpc>
-              <a:spcBef>
-                <a:spcPct val="0"/>
-              </a:spcBef>
-              <a:spcAft>
-                <a:spcPct val="0"/>
-              </a:spcAft>
-              <a:buClrTx/>
-              <a:buSzTx/>
-              <a:buFont typeface="Arial" panose="020B0604020202020204" pitchFamily="34" charset="0"/>
-              <a:buChar char="•"/>
-              <a:tabLst/>
-            </a:pPr>
-            <a:endParaRPr kumimoji="0" lang="pt-BR" altLang="pt-BR" b="0" i="0" u="none" strike="noStrike" cap="none" normalizeH="0" baseline="0" dirty="0">
-              <a:ln>
-                <a:noFill/>
-              </a:ln>
-              <a:solidFill>
-                <a:schemeClr val="tx1"/>
-              </a:solidFill>
-              <a:effectLst/>
-              <a:latin typeface="Arial" panose="020B0604020202020204" pitchFamily="34" charset="0"/>
-            </a:endParaRPr>
-          </a:p>
-          <a:p>
-            <a:pPr marL="285750" marR="0" lvl="0" indent="-285750" algn="just" defTabSz="914400" rtl="0" eaLnBrk="0" fontAlgn="base" latinLnBrk="0" hangingPunct="0">
-              <a:lnSpc>
-                <a:spcPct val="100000"/>
-              </a:lnSpc>
-              <a:spcBef>
-                <a:spcPct val="0"/>
-              </a:spcBef>
-              <a:spcAft>
-                <a:spcPct val="0"/>
-              </a:spcAft>
-              <a:buClrTx/>
-              <a:buSzTx/>
-              <a:buFont typeface="Arial" panose="020B0604020202020204" pitchFamily="34" charset="0"/>
-              <a:buChar char="•"/>
-              <a:tabLst/>
-            </a:pPr>
-            <a:r>
-              <a:rPr kumimoji="0" lang="pt-BR" altLang="pt-BR" b="1" i="0" u="none" strike="noStrike" cap="none" normalizeH="0" baseline="0" dirty="0">
-                <a:ln>
-                  <a:noFill/>
-                </a:ln>
-                <a:solidFill>
-                  <a:schemeClr val="tx1"/>
-                </a:solidFill>
-                <a:effectLst/>
-                <a:latin typeface="Arial" panose="020B0604020202020204" pitchFamily="34" charset="0"/>
-              </a:rPr>
-              <a:t>Banco de Dados:</a:t>
-            </a:r>
-            <a:r>
-              <a:rPr kumimoji="0" lang="pt-BR" altLang="pt-BR" b="0" i="0" u="none" strike="noStrike" cap="none" normalizeH="0" baseline="0" dirty="0">
-                <a:ln>
-                  <a:noFill/>
-                </a:ln>
-                <a:solidFill>
-                  <a:schemeClr val="tx1"/>
-                </a:solidFill>
-                <a:effectLst/>
-                <a:latin typeface="Arial" panose="020B0604020202020204" pitchFamily="34" charset="0"/>
-              </a:rPr>
-              <a:t> O sistema utilizará o MySQL Workbench, que gerencia dados de maneira organizada, usando SQL para manipulação e consulta de informações. </a:t>
+              <a:t>Banco de Dados</a:t>
             </a:r>
           </a:p>
         </p:txBody>
